--- a/Stats.pptx
+++ b/Stats.pptx
@@ -5,14 +5,20 @@
     <p:sldMasterId id="2147483660" r:id="rId4"/>
   </p:sldMasterIdLst>
   <p:notesMasterIdLst>
-    <p:notesMasterId r:id="rId7"/>
+    <p:notesMasterId r:id="rId13"/>
   </p:notesMasterIdLst>
   <p:handoutMasterIdLst>
-    <p:handoutMasterId r:id="rId8"/>
+    <p:handoutMasterId r:id="rId14"/>
   </p:handoutMasterIdLst>
   <p:sldIdLst>
     <p:sldId id="298" r:id="rId5"/>
     <p:sldId id="300" r:id="rId6"/>
+    <p:sldId id="301" r:id="rId7"/>
+    <p:sldId id="302" r:id="rId8"/>
+    <p:sldId id="303" r:id="rId9"/>
+    <p:sldId id="304" r:id="rId10"/>
+    <p:sldId id="305" r:id="rId11"/>
+    <p:sldId id="306" r:id="rId12"/>
   </p:sldIdLst>
   <p:sldSz cx="12192000" cy="6858000"/>
   <p:notesSz cx="6858000" cy="9144000"/>
@@ -795,6 +801,426 @@
     <p:extLst>
       <p:ext uri="{BB962C8B-B14F-4D97-AF65-F5344CB8AC3E}">
         <p14:creationId xmlns:p14="http://schemas.microsoft.com/office/powerpoint/2010/main" val="200307616"/>
+      </p:ext>
+    </p:extLst>
+  </p:cSld>
+  <p:clrMapOvr>
+    <a:masterClrMapping/>
+  </p:clrMapOvr>
+</p:notes>
+</file>
+
+<file path=ppt/notesSlides/notesSlide3.xml><?xml version="1.0" encoding="utf-8"?>
+<p:notes xmlns:a="http://schemas.openxmlformats.org/drawingml/2006/main" xmlns:r="http://schemas.openxmlformats.org/officeDocument/2006/relationships" xmlns:p="http://schemas.openxmlformats.org/presentationml/2006/main">
+  <p:cSld>
+    <p:spTree>
+      <p:nvGrpSpPr>
+        <p:cNvPr id="1" name=""/>
+        <p:cNvGrpSpPr/>
+        <p:nvPr/>
+      </p:nvGrpSpPr>
+      <p:grpSpPr>
+        <a:xfrm>
+          <a:off x="0" y="0"/>
+          <a:ext cx="0" cy="0"/>
+          <a:chOff x="0" y="0"/>
+          <a:chExt cx="0" cy="0"/>
+        </a:xfrm>
+      </p:grpSpPr>
+      <p:sp>
+        <p:nvSpPr>
+          <p:cNvPr id="2" name="Espace réservé de l'image des diapositives 1"/>
+          <p:cNvSpPr>
+            <a:spLocks noGrp="1" noRot="1" noChangeAspect="1"/>
+          </p:cNvSpPr>
+          <p:nvPr>
+            <p:ph type="sldImg"/>
+          </p:nvPr>
+        </p:nvSpPr>
+        <p:spPr/>
+      </p:sp>
+      <p:sp>
+        <p:nvSpPr>
+          <p:cNvPr id="3" name="Espace réservé des notes 2"/>
+          <p:cNvSpPr>
+            <a:spLocks noGrp="1"/>
+          </p:cNvSpPr>
+          <p:nvPr>
+            <p:ph type="body" idx="1"/>
+          </p:nvPr>
+        </p:nvSpPr>
+        <p:spPr/>
+        <p:txBody>
+          <a:bodyPr/>
+          <a:lstStyle/>
+          <a:p>
+            <a:endParaRPr lang="fr-FR" dirty="0"/>
+          </a:p>
+        </p:txBody>
+      </p:sp>
+      <p:sp>
+        <p:nvSpPr>
+          <p:cNvPr id="4" name="Espace réservé du numéro de diapositive 3"/>
+          <p:cNvSpPr>
+            <a:spLocks noGrp="1"/>
+          </p:cNvSpPr>
+          <p:nvPr>
+            <p:ph type="sldNum" sz="quarter" idx="10"/>
+          </p:nvPr>
+        </p:nvSpPr>
+        <p:spPr/>
+        <p:txBody>
+          <a:bodyPr/>
+          <a:lstStyle/>
+          <a:p>
+            <a:fld id="{1DB0C060-F7D4-4C65-826A-795CA5BE88E2}" type="slidenum">
+              <a:rPr lang="fr-FR" smtClean="0"/>
+              <a:t>3</a:t>
+            </a:fld>
+            <a:endParaRPr lang="fr-FR" dirty="0"/>
+          </a:p>
+        </p:txBody>
+      </p:sp>
+    </p:spTree>
+    <p:extLst>
+      <p:ext uri="{BB962C8B-B14F-4D97-AF65-F5344CB8AC3E}">
+        <p14:creationId xmlns:p14="http://schemas.microsoft.com/office/powerpoint/2010/main" val="2275661618"/>
+      </p:ext>
+    </p:extLst>
+  </p:cSld>
+  <p:clrMapOvr>
+    <a:masterClrMapping/>
+  </p:clrMapOvr>
+</p:notes>
+</file>
+
+<file path=ppt/notesSlides/notesSlide4.xml><?xml version="1.0" encoding="utf-8"?>
+<p:notes xmlns:a="http://schemas.openxmlformats.org/drawingml/2006/main" xmlns:r="http://schemas.openxmlformats.org/officeDocument/2006/relationships" xmlns:p="http://schemas.openxmlformats.org/presentationml/2006/main">
+  <p:cSld>
+    <p:spTree>
+      <p:nvGrpSpPr>
+        <p:cNvPr id="1" name=""/>
+        <p:cNvGrpSpPr/>
+        <p:nvPr/>
+      </p:nvGrpSpPr>
+      <p:grpSpPr>
+        <a:xfrm>
+          <a:off x="0" y="0"/>
+          <a:ext cx="0" cy="0"/>
+          <a:chOff x="0" y="0"/>
+          <a:chExt cx="0" cy="0"/>
+        </a:xfrm>
+      </p:grpSpPr>
+      <p:sp>
+        <p:nvSpPr>
+          <p:cNvPr id="2" name="Espace réservé de l'image des diapositives 1"/>
+          <p:cNvSpPr>
+            <a:spLocks noGrp="1" noRot="1" noChangeAspect="1"/>
+          </p:cNvSpPr>
+          <p:nvPr>
+            <p:ph type="sldImg"/>
+          </p:nvPr>
+        </p:nvSpPr>
+        <p:spPr/>
+      </p:sp>
+      <p:sp>
+        <p:nvSpPr>
+          <p:cNvPr id="3" name="Espace réservé des notes 2"/>
+          <p:cNvSpPr>
+            <a:spLocks noGrp="1"/>
+          </p:cNvSpPr>
+          <p:nvPr>
+            <p:ph type="body" idx="1"/>
+          </p:nvPr>
+        </p:nvSpPr>
+        <p:spPr/>
+        <p:txBody>
+          <a:bodyPr/>
+          <a:lstStyle/>
+          <a:p>
+            <a:endParaRPr lang="fr-FR" dirty="0"/>
+          </a:p>
+        </p:txBody>
+      </p:sp>
+      <p:sp>
+        <p:nvSpPr>
+          <p:cNvPr id="4" name="Espace réservé du numéro de diapositive 3"/>
+          <p:cNvSpPr>
+            <a:spLocks noGrp="1"/>
+          </p:cNvSpPr>
+          <p:nvPr>
+            <p:ph type="sldNum" sz="quarter" idx="10"/>
+          </p:nvPr>
+        </p:nvSpPr>
+        <p:spPr/>
+        <p:txBody>
+          <a:bodyPr/>
+          <a:lstStyle/>
+          <a:p>
+            <a:fld id="{1DB0C060-F7D4-4C65-826A-795CA5BE88E2}" type="slidenum">
+              <a:rPr lang="fr-FR" smtClean="0"/>
+              <a:t>5</a:t>
+            </a:fld>
+            <a:endParaRPr lang="fr-FR" dirty="0"/>
+          </a:p>
+        </p:txBody>
+      </p:sp>
+    </p:spTree>
+    <p:extLst>
+      <p:ext uri="{BB962C8B-B14F-4D97-AF65-F5344CB8AC3E}">
+        <p14:creationId xmlns:p14="http://schemas.microsoft.com/office/powerpoint/2010/main" val="1759697007"/>
+      </p:ext>
+    </p:extLst>
+  </p:cSld>
+  <p:clrMapOvr>
+    <a:masterClrMapping/>
+  </p:clrMapOvr>
+</p:notes>
+</file>
+
+<file path=ppt/notesSlides/notesSlide5.xml><?xml version="1.0" encoding="utf-8"?>
+<p:notes xmlns:a="http://schemas.openxmlformats.org/drawingml/2006/main" xmlns:r="http://schemas.openxmlformats.org/officeDocument/2006/relationships" xmlns:p="http://schemas.openxmlformats.org/presentationml/2006/main">
+  <p:cSld>
+    <p:spTree>
+      <p:nvGrpSpPr>
+        <p:cNvPr id="1" name=""/>
+        <p:cNvGrpSpPr/>
+        <p:nvPr/>
+      </p:nvGrpSpPr>
+      <p:grpSpPr>
+        <a:xfrm>
+          <a:off x="0" y="0"/>
+          <a:ext cx="0" cy="0"/>
+          <a:chOff x="0" y="0"/>
+          <a:chExt cx="0" cy="0"/>
+        </a:xfrm>
+      </p:grpSpPr>
+      <p:sp>
+        <p:nvSpPr>
+          <p:cNvPr id="2" name="Espace réservé de l'image des diapositives 1"/>
+          <p:cNvSpPr>
+            <a:spLocks noGrp="1" noRot="1" noChangeAspect="1"/>
+          </p:cNvSpPr>
+          <p:nvPr>
+            <p:ph type="sldImg"/>
+          </p:nvPr>
+        </p:nvSpPr>
+        <p:spPr/>
+      </p:sp>
+      <p:sp>
+        <p:nvSpPr>
+          <p:cNvPr id="3" name="Espace réservé des notes 2"/>
+          <p:cNvSpPr>
+            <a:spLocks noGrp="1"/>
+          </p:cNvSpPr>
+          <p:nvPr>
+            <p:ph type="body" idx="1"/>
+          </p:nvPr>
+        </p:nvSpPr>
+        <p:spPr/>
+        <p:txBody>
+          <a:bodyPr/>
+          <a:lstStyle/>
+          <a:p>
+            <a:endParaRPr lang="fr-FR" dirty="0"/>
+          </a:p>
+        </p:txBody>
+      </p:sp>
+      <p:sp>
+        <p:nvSpPr>
+          <p:cNvPr id="4" name="Espace réservé du numéro de diapositive 3"/>
+          <p:cNvSpPr>
+            <a:spLocks noGrp="1"/>
+          </p:cNvSpPr>
+          <p:nvPr>
+            <p:ph type="sldNum" sz="quarter" idx="10"/>
+          </p:nvPr>
+        </p:nvSpPr>
+        <p:spPr/>
+        <p:txBody>
+          <a:bodyPr/>
+          <a:lstStyle/>
+          <a:p>
+            <a:fld id="{1DB0C060-F7D4-4C65-826A-795CA5BE88E2}" type="slidenum">
+              <a:rPr lang="fr-FR" smtClean="0"/>
+              <a:t>6</a:t>
+            </a:fld>
+            <a:endParaRPr lang="fr-FR" dirty="0"/>
+          </a:p>
+        </p:txBody>
+      </p:sp>
+    </p:spTree>
+    <p:extLst>
+      <p:ext uri="{BB962C8B-B14F-4D97-AF65-F5344CB8AC3E}">
+        <p14:creationId xmlns:p14="http://schemas.microsoft.com/office/powerpoint/2010/main" val="1577448778"/>
+      </p:ext>
+    </p:extLst>
+  </p:cSld>
+  <p:clrMapOvr>
+    <a:masterClrMapping/>
+  </p:clrMapOvr>
+</p:notes>
+</file>
+
+<file path=ppt/notesSlides/notesSlide6.xml><?xml version="1.0" encoding="utf-8"?>
+<p:notes xmlns:a="http://schemas.openxmlformats.org/drawingml/2006/main" xmlns:r="http://schemas.openxmlformats.org/officeDocument/2006/relationships" xmlns:p="http://schemas.openxmlformats.org/presentationml/2006/main">
+  <p:cSld>
+    <p:spTree>
+      <p:nvGrpSpPr>
+        <p:cNvPr id="1" name=""/>
+        <p:cNvGrpSpPr/>
+        <p:nvPr/>
+      </p:nvGrpSpPr>
+      <p:grpSpPr>
+        <a:xfrm>
+          <a:off x="0" y="0"/>
+          <a:ext cx="0" cy="0"/>
+          <a:chOff x="0" y="0"/>
+          <a:chExt cx="0" cy="0"/>
+        </a:xfrm>
+      </p:grpSpPr>
+      <p:sp>
+        <p:nvSpPr>
+          <p:cNvPr id="2" name="Espace réservé de l'image des diapositives 1"/>
+          <p:cNvSpPr>
+            <a:spLocks noGrp="1" noRot="1" noChangeAspect="1"/>
+          </p:cNvSpPr>
+          <p:nvPr>
+            <p:ph type="sldImg"/>
+          </p:nvPr>
+        </p:nvSpPr>
+        <p:spPr/>
+      </p:sp>
+      <p:sp>
+        <p:nvSpPr>
+          <p:cNvPr id="3" name="Espace réservé des notes 2"/>
+          <p:cNvSpPr>
+            <a:spLocks noGrp="1"/>
+          </p:cNvSpPr>
+          <p:nvPr>
+            <p:ph type="body" idx="1"/>
+          </p:nvPr>
+        </p:nvSpPr>
+        <p:spPr/>
+        <p:txBody>
+          <a:bodyPr/>
+          <a:lstStyle/>
+          <a:p>
+            <a:endParaRPr lang="fr-FR" dirty="0"/>
+          </a:p>
+        </p:txBody>
+      </p:sp>
+      <p:sp>
+        <p:nvSpPr>
+          <p:cNvPr id="4" name="Espace réservé du numéro de diapositive 3"/>
+          <p:cNvSpPr>
+            <a:spLocks noGrp="1"/>
+          </p:cNvSpPr>
+          <p:nvPr>
+            <p:ph type="sldNum" sz="quarter" idx="10"/>
+          </p:nvPr>
+        </p:nvSpPr>
+        <p:spPr/>
+        <p:txBody>
+          <a:bodyPr/>
+          <a:lstStyle/>
+          <a:p>
+            <a:fld id="{1DB0C060-F7D4-4C65-826A-795CA5BE88E2}" type="slidenum">
+              <a:rPr lang="fr-FR" smtClean="0"/>
+              <a:t>7</a:t>
+            </a:fld>
+            <a:endParaRPr lang="fr-FR" dirty="0"/>
+          </a:p>
+        </p:txBody>
+      </p:sp>
+    </p:spTree>
+    <p:extLst>
+      <p:ext uri="{BB962C8B-B14F-4D97-AF65-F5344CB8AC3E}">
+        <p14:creationId xmlns:p14="http://schemas.microsoft.com/office/powerpoint/2010/main" val="1350477476"/>
+      </p:ext>
+    </p:extLst>
+  </p:cSld>
+  <p:clrMapOvr>
+    <a:masterClrMapping/>
+  </p:clrMapOvr>
+</p:notes>
+</file>
+
+<file path=ppt/notesSlides/notesSlide7.xml><?xml version="1.0" encoding="utf-8"?>
+<p:notes xmlns:a="http://schemas.openxmlformats.org/drawingml/2006/main" xmlns:r="http://schemas.openxmlformats.org/officeDocument/2006/relationships" xmlns:p="http://schemas.openxmlformats.org/presentationml/2006/main">
+  <p:cSld>
+    <p:spTree>
+      <p:nvGrpSpPr>
+        <p:cNvPr id="1" name=""/>
+        <p:cNvGrpSpPr/>
+        <p:nvPr/>
+      </p:nvGrpSpPr>
+      <p:grpSpPr>
+        <a:xfrm>
+          <a:off x="0" y="0"/>
+          <a:ext cx="0" cy="0"/>
+          <a:chOff x="0" y="0"/>
+          <a:chExt cx="0" cy="0"/>
+        </a:xfrm>
+      </p:grpSpPr>
+      <p:sp>
+        <p:nvSpPr>
+          <p:cNvPr id="2" name="Espace réservé de l'image des diapositives 1"/>
+          <p:cNvSpPr>
+            <a:spLocks noGrp="1" noRot="1" noChangeAspect="1"/>
+          </p:cNvSpPr>
+          <p:nvPr>
+            <p:ph type="sldImg"/>
+          </p:nvPr>
+        </p:nvSpPr>
+        <p:spPr/>
+      </p:sp>
+      <p:sp>
+        <p:nvSpPr>
+          <p:cNvPr id="3" name="Espace réservé des notes 2"/>
+          <p:cNvSpPr>
+            <a:spLocks noGrp="1"/>
+          </p:cNvSpPr>
+          <p:nvPr>
+            <p:ph type="body" idx="1"/>
+          </p:nvPr>
+        </p:nvSpPr>
+        <p:spPr/>
+        <p:txBody>
+          <a:bodyPr/>
+          <a:lstStyle/>
+          <a:p>
+            <a:endParaRPr lang="fr-FR" dirty="0"/>
+          </a:p>
+        </p:txBody>
+      </p:sp>
+      <p:sp>
+        <p:nvSpPr>
+          <p:cNvPr id="4" name="Espace réservé du numéro de diapositive 3"/>
+          <p:cNvSpPr>
+            <a:spLocks noGrp="1"/>
+          </p:cNvSpPr>
+          <p:nvPr>
+            <p:ph type="sldNum" sz="quarter" idx="10"/>
+          </p:nvPr>
+        </p:nvSpPr>
+        <p:spPr/>
+        <p:txBody>
+          <a:bodyPr/>
+          <a:lstStyle/>
+          <a:p>
+            <a:fld id="{1DB0C060-F7D4-4C65-826A-795CA5BE88E2}" type="slidenum">
+              <a:rPr lang="fr-FR" smtClean="0"/>
+              <a:t>8</a:t>
+            </a:fld>
+            <a:endParaRPr lang="fr-FR" dirty="0"/>
+          </a:p>
+        </p:txBody>
+      </p:sp>
+    </p:spTree>
+    <p:extLst>
+      <p:ext uri="{BB962C8B-B14F-4D97-AF65-F5344CB8AC3E}">
+        <p14:creationId xmlns:p14="http://schemas.microsoft.com/office/powerpoint/2010/main" val="263710019"/>
       </p:ext>
     </p:extLst>
   </p:cSld>
@@ -4578,2203 +5004,914 @@
           <a:lstStyle/>
           <a:p>
             <a:r>
-              <a:rPr lang="fr-FR"/>
-              <a:t>Analyse 1</a:t>
+              <a:rPr lang="fr-FR" dirty="0"/>
+              <a:t>Analyse 1 : Nombre de doses</a:t>
             </a:r>
-            <a:endParaRPr lang="fr-FR" dirty="0"/>
-          </a:p>
-        </p:txBody>
-      </p:sp>
-      <p:graphicFrame>
-        <p:nvGraphicFramePr>
-          <p:cNvPr id="4" name="Tableau 4">
+          </a:p>
+        </p:txBody>
+      </p:sp>
+      <p:pic>
+        <p:nvPicPr>
+          <p:cNvPr id="6" name="Image 5" descr="Une image contenant table&#10;&#10;Description générée automatiquement">
             <a:extLst>
               <a:ext uri="{FF2B5EF4-FFF2-40B4-BE49-F238E27FC236}">
-                <a16:creationId xmlns:a16="http://schemas.microsoft.com/office/drawing/2014/main" id="{C266CDD0-3E96-40BD-8324-62D1DD86152D}"/>
+                <a16:creationId xmlns:a16="http://schemas.microsoft.com/office/drawing/2014/main" id="{36D4B111-BB00-7D8C-6117-15213F59A951}"/>
               </a:ext>
             </a:extLst>
           </p:cNvPr>
-          <p:cNvGraphicFramePr>
-            <a:graphicFrameLocks noGrp="1"/>
-          </p:cNvGraphicFramePr>
-          <p:nvPr>
-            <p:ph idx="1"/>
-            <p:extLst>
-              <p:ext uri="{D42A27DB-BD31-4B8C-83A1-F6EECF244321}">
-                <p14:modId xmlns:p14="http://schemas.microsoft.com/office/powerpoint/2010/main" val="2230007582"/>
-              </p:ext>
-            </p:extLst>
-          </p:nvPr>
-        </p:nvGraphicFramePr>
-        <p:xfrm>
-          <a:off x="1096963" y="2216879"/>
-          <a:ext cx="10058400" cy="3604216"/>
-        </p:xfrm>
-        <a:graphic>
-          <a:graphicData uri="http://schemas.openxmlformats.org/drawingml/2006/table">
-            <a:tbl>
-              <a:tblPr firstRow="1" bandRow="1">
-                <a:noFill/>
-                <a:tableStyleId>{3B4B98B0-60AC-42C2-AFA5-B58CD77FA1E5}</a:tableStyleId>
-              </a:tblPr>
-              <a:tblGrid>
-                <a:gridCol w="2514600">
-                  <a:extLst>
-                    <a:ext uri="{9D8B030D-6E8A-4147-A177-3AD203B41FA5}">
-                      <a16:colId xmlns:a16="http://schemas.microsoft.com/office/drawing/2014/main" val="2981917977"/>
-                    </a:ext>
-                  </a:extLst>
-                </a:gridCol>
-                <a:gridCol w="2514600">
-                  <a:extLst>
-                    <a:ext uri="{9D8B030D-6E8A-4147-A177-3AD203B41FA5}">
-                      <a16:colId xmlns:a16="http://schemas.microsoft.com/office/drawing/2014/main" val="945233394"/>
-                    </a:ext>
-                  </a:extLst>
-                </a:gridCol>
-                <a:gridCol w="2514600">
-                  <a:extLst>
-                    <a:ext uri="{9D8B030D-6E8A-4147-A177-3AD203B41FA5}">
-                      <a16:colId xmlns:a16="http://schemas.microsoft.com/office/drawing/2014/main" val="2572263168"/>
-                    </a:ext>
-                  </a:extLst>
-                </a:gridCol>
-                <a:gridCol w="2514600">
-                  <a:extLst>
-                    <a:ext uri="{9D8B030D-6E8A-4147-A177-3AD203B41FA5}">
-                      <a16:colId xmlns:a16="http://schemas.microsoft.com/office/drawing/2014/main" val="1765783061"/>
-                    </a:ext>
-                  </a:extLst>
-                </a:gridCol>
-              </a:tblGrid>
-              <a:tr h="613018">
-                <a:tc>
-                  <a:txBody>
-                    <a:bodyPr/>
-                    <a:lstStyle/>
-                    <a:p>
-                      <a:pPr rtl="0"/>
-                      <a:r>
-                        <a:rPr lang="fr-FR" sz="2400" b="0" cap="all" spc="150" noProof="0" dirty="0">
-                          <a:solidFill>
-                            <a:schemeClr val="lt1"/>
-                          </a:solidFill>
-                        </a:rPr>
-                        <a:t>T1</a:t>
-                      </a:r>
-                    </a:p>
-                  </a:txBody>
-                  <a:tcPr marL="151061" marR="151061" marT="151061" marB="151061">
-                    <a:lnL w="12700" cmpd="sng">
-                      <a:noFill/>
-                    </a:lnL>
-                    <a:lnR w="12700" cmpd="sng">
-                      <a:noFill/>
-                    </a:lnR>
-                    <a:lnT w="12700" cmpd="sng">
-                      <a:noFill/>
-                    </a:lnT>
-                    <a:lnB w="38100" cmpd="sng">
-                      <a:noFill/>
-                    </a:lnB>
-                    <a:solidFill>
-                      <a:schemeClr val="accent1"/>
-                    </a:solidFill>
-                  </a:tcPr>
-                </a:tc>
-                <a:tc>
-                  <a:txBody>
-                    <a:bodyPr/>
-                    <a:lstStyle/>
-                    <a:p>
-                      <a:pPr rtl="0"/>
-                      <a:r>
-                        <a:rPr lang="fr-FR" sz="2400" b="0" cap="all" spc="150" noProof="0" dirty="0">
-                          <a:solidFill>
-                            <a:schemeClr val="lt1"/>
-                          </a:solidFill>
-                        </a:rPr>
-                        <a:t>T2</a:t>
-                      </a:r>
-                    </a:p>
-                  </a:txBody>
-                  <a:tcPr marL="151061" marR="151061" marT="151061" marB="151061">
-                    <a:lnL w="12700" cmpd="sng">
-                      <a:noFill/>
-                    </a:lnL>
-                    <a:lnR w="12700" cmpd="sng">
-                      <a:noFill/>
-                    </a:lnR>
-                    <a:lnT w="12700" cmpd="sng">
-                      <a:noFill/>
-                    </a:lnT>
-                    <a:lnB w="38100" cmpd="sng">
-                      <a:noFill/>
-                    </a:lnB>
-                    <a:solidFill>
-                      <a:schemeClr val="accent1"/>
-                    </a:solidFill>
-                  </a:tcPr>
-                </a:tc>
-                <a:tc>
-                  <a:txBody>
-                    <a:bodyPr/>
-                    <a:lstStyle/>
-                    <a:p>
-                      <a:pPr rtl="0"/>
-                      <a:r>
-                        <a:rPr lang="fr-FR" sz="2400" b="0" cap="all" spc="150" noProof="0" dirty="0">
-                          <a:solidFill>
-                            <a:schemeClr val="lt1"/>
-                          </a:solidFill>
-                        </a:rPr>
-                        <a:t>T3</a:t>
-                      </a:r>
-                    </a:p>
-                  </a:txBody>
-                  <a:tcPr marL="151061" marR="151061" marT="151061" marB="151061">
-                    <a:lnL w="12700" cmpd="sng">
-                      <a:noFill/>
-                    </a:lnL>
-                    <a:lnR w="12700" cmpd="sng">
-                      <a:noFill/>
-                    </a:lnR>
-                    <a:lnT w="12700" cmpd="sng">
-                      <a:noFill/>
-                    </a:lnT>
-                    <a:lnB w="38100" cmpd="sng">
-                      <a:noFill/>
-                    </a:lnB>
-                    <a:solidFill>
-                      <a:schemeClr val="accent1"/>
-                    </a:solidFill>
-                  </a:tcPr>
-                </a:tc>
-                <a:tc>
-                  <a:txBody>
-                    <a:bodyPr/>
-                    <a:lstStyle/>
-                    <a:p>
-                      <a:pPr rtl="0"/>
-                      <a:r>
-                        <a:rPr lang="fr-FR" sz="2400" b="0" cap="all" spc="150" noProof="0" dirty="0">
-                          <a:solidFill>
-                            <a:schemeClr val="lt1"/>
-                          </a:solidFill>
-                        </a:rPr>
-                        <a:t>T4</a:t>
-                      </a:r>
-                    </a:p>
-                  </a:txBody>
-                  <a:tcPr marL="151061" marR="151061" marT="151061" marB="151061">
-                    <a:lnL w="12700" cmpd="sng">
-                      <a:noFill/>
-                    </a:lnL>
-                    <a:lnR w="12700" cmpd="sng">
-                      <a:noFill/>
-                    </a:lnR>
-                    <a:lnT w="12700" cmpd="sng">
-                      <a:noFill/>
-                    </a:lnT>
-                    <a:lnB w="38100" cmpd="sng">
-                      <a:noFill/>
-                    </a:lnB>
-                    <a:solidFill>
-                      <a:schemeClr val="accent1"/>
-                    </a:solidFill>
-                  </a:tcPr>
-                </a:tc>
-                <a:extLst>
-                  <a:ext uri="{0D108BD9-81ED-4DB2-BD59-A6C34878D82A}">
-                    <a16:rowId xmlns:a16="http://schemas.microsoft.com/office/drawing/2014/main" val="2580512675"/>
-                  </a:ext>
-                </a:extLst>
-              </a:tr>
-              <a:tr h="978778">
-                <a:tc>
-                  <a:txBody>
-                    <a:bodyPr/>
-                    <a:lstStyle/>
-                    <a:p>
-                      <a:pPr rtl="0"/>
-                      <a:r>
-                        <a:rPr lang="fr-FR" sz="1400" cap="none" spc="0" noProof="0" dirty="0" err="1">
-                          <a:solidFill>
-                            <a:schemeClr val="tx1"/>
-                          </a:solidFill>
-                        </a:rPr>
-                        <a:t>Lorem</a:t>
-                      </a:r>
-                      <a:r>
-                        <a:rPr lang="fr-FR" sz="1400" cap="none" spc="0" noProof="0" dirty="0">
-                          <a:solidFill>
-                            <a:schemeClr val="tx1"/>
-                          </a:solidFill>
-                        </a:rPr>
-                        <a:t> </a:t>
-                      </a:r>
-                      <a:r>
-                        <a:rPr lang="fr-FR" sz="1400" cap="none" spc="0" noProof="0" dirty="0" err="1">
-                          <a:solidFill>
-                            <a:schemeClr val="tx1"/>
-                          </a:solidFill>
-                        </a:rPr>
-                        <a:t>ipsum</a:t>
-                      </a:r>
-                      <a:r>
-                        <a:rPr lang="fr-FR" sz="1400" cap="none" spc="0" noProof="0" dirty="0">
-                          <a:solidFill>
-                            <a:schemeClr val="tx1"/>
-                          </a:solidFill>
-                        </a:rPr>
-                        <a:t> et </a:t>
-                      </a:r>
-                      <a:r>
-                        <a:rPr lang="fr-FR" sz="1400" cap="none" spc="0" noProof="0" dirty="0" err="1">
-                          <a:solidFill>
-                            <a:schemeClr val="tx1"/>
-                          </a:solidFill>
-                        </a:rPr>
-                        <a:t>tula</a:t>
-                      </a:r>
-                      <a:r>
-                        <a:rPr lang="fr-FR" sz="1400" cap="none" spc="0" noProof="0" dirty="0">
-                          <a:solidFill>
-                            <a:schemeClr val="tx1"/>
-                          </a:solidFill>
-                        </a:rPr>
-                        <a:t> </a:t>
-                      </a:r>
-                      <a:r>
-                        <a:rPr lang="fr-FR" sz="1400" cap="none" spc="0" noProof="0" dirty="0" err="1">
-                          <a:solidFill>
-                            <a:schemeClr val="tx1"/>
-                          </a:solidFill>
-                        </a:rPr>
-                        <a:t>lorem</a:t>
-                      </a:r>
-                      <a:r>
-                        <a:rPr lang="fr-FR" sz="1400" cap="none" spc="0" noProof="0" dirty="0">
-                          <a:solidFill>
-                            <a:schemeClr val="tx1"/>
-                          </a:solidFill>
-                        </a:rPr>
-                        <a:t> </a:t>
-                      </a:r>
-                      <a:r>
-                        <a:rPr lang="fr-FR" sz="1400" cap="none" spc="0" noProof="0" dirty="0" err="1">
-                          <a:solidFill>
-                            <a:schemeClr val="tx1"/>
-                          </a:solidFill>
-                        </a:rPr>
-                        <a:t>ipsum</a:t>
-                      </a:r>
-                      <a:r>
-                        <a:rPr lang="fr-FR" sz="1400" cap="none" spc="0" noProof="0" dirty="0">
-                          <a:solidFill>
-                            <a:schemeClr val="tx1"/>
-                          </a:solidFill>
-                        </a:rPr>
-                        <a:t> et </a:t>
-                      </a:r>
-                      <a:r>
-                        <a:rPr lang="fr-FR" sz="1400" cap="none" spc="0" noProof="0" dirty="0" err="1">
-                          <a:solidFill>
-                            <a:schemeClr val="tx1"/>
-                          </a:solidFill>
-                        </a:rPr>
-                        <a:t>lorem</a:t>
-                      </a:r>
-                      <a:r>
-                        <a:rPr lang="fr-FR" sz="1400" cap="none" spc="0" noProof="0" dirty="0">
-                          <a:solidFill>
-                            <a:schemeClr val="tx1"/>
-                          </a:solidFill>
-                        </a:rPr>
-                        <a:t> </a:t>
-                      </a:r>
-                      <a:r>
-                        <a:rPr lang="fr-FR" sz="1400" cap="none" spc="0" noProof="0" dirty="0" err="1">
-                          <a:solidFill>
-                            <a:schemeClr val="tx1"/>
-                          </a:solidFill>
-                        </a:rPr>
-                        <a:t>ipsum</a:t>
-                      </a:r>
-                      <a:r>
-                        <a:rPr lang="fr-FR" sz="1400" cap="none" spc="0" noProof="0" dirty="0">
-                          <a:solidFill>
-                            <a:schemeClr val="tx1"/>
-                          </a:solidFill>
-                        </a:rPr>
-                        <a:t> </a:t>
-                      </a:r>
-                    </a:p>
-                  </a:txBody>
-                  <a:tcPr marL="151061" marR="151061" marT="151061" marB="151061">
-                    <a:lnL w="12700" cmpd="sng">
-                      <a:noFill/>
-                      <a:prstDash val="solid"/>
-                    </a:lnL>
-                    <a:lnR w="12700" cmpd="sng">
-                      <a:noFill/>
-                      <a:prstDash val="solid"/>
-                    </a:lnR>
-                    <a:lnT w="38100" cmpd="sng">
-                      <a:noFill/>
-                    </a:lnT>
-                    <a:lnB w="12700" cmpd="sng">
-                      <a:noFill/>
-                      <a:prstDash val="solid"/>
-                    </a:lnB>
-                    <a:noFill/>
-                  </a:tcPr>
-                </a:tc>
-                <a:tc>
-                  <a:txBody>
-                    <a:bodyPr/>
-                    <a:lstStyle/>
-                    <a:p>
-                      <a:pPr marL="0" marR="0" lvl="0" indent="0" algn="l" defTabSz="914400" rtl="0" eaLnBrk="1" fontAlgn="auto" latinLnBrk="0" hangingPunct="1">
-                        <a:lnSpc>
-                          <a:spcPct val="100000"/>
-                        </a:lnSpc>
-                        <a:spcBef>
-                          <a:spcPts val="0"/>
-                        </a:spcBef>
-                        <a:spcAft>
-                          <a:spcPts val="0"/>
-                        </a:spcAft>
-                        <a:buClrTx/>
-                        <a:buSzTx/>
-                        <a:buFontTx/>
-                        <a:buNone/>
-                        <a:tabLst/>
-                        <a:defRPr/>
-                      </a:pPr>
-                      <a:r>
-                        <a:rPr lang="fr-FR" sz="1400" cap="none" spc="0" noProof="0" dirty="0" err="1">
-                          <a:solidFill>
-                            <a:schemeClr val="tx1"/>
-                          </a:solidFill>
-                        </a:rPr>
-                        <a:t>Lorem</a:t>
-                      </a:r>
-                      <a:r>
-                        <a:rPr lang="fr-FR" sz="1400" cap="none" spc="0" noProof="0" dirty="0">
-                          <a:solidFill>
-                            <a:schemeClr val="tx1"/>
-                          </a:solidFill>
-                        </a:rPr>
-                        <a:t> </a:t>
-                      </a:r>
-                      <a:r>
-                        <a:rPr lang="fr-FR" sz="1400" cap="none" spc="0" noProof="0" dirty="0" err="1">
-                          <a:solidFill>
-                            <a:schemeClr val="tx1"/>
-                          </a:solidFill>
-                        </a:rPr>
-                        <a:t>ipsum</a:t>
-                      </a:r>
-                      <a:r>
-                        <a:rPr lang="fr-FR" sz="1400" cap="none" spc="0" noProof="0" dirty="0">
-                          <a:solidFill>
-                            <a:schemeClr val="tx1"/>
-                          </a:solidFill>
-                        </a:rPr>
-                        <a:t> et </a:t>
-                      </a:r>
-                      <a:r>
-                        <a:rPr lang="fr-FR" sz="1400" cap="none" spc="0" noProof="0" dirty="0" err="1">
-                          <a:solidFill>
-                            <a:schemeClr val="tx1"/>
-                          </a:solidFill>
-                        </a:rPr>
-                        <a:t>tula</a:t>
-                      </a:r>
-                      <a:r>
-                        <a:rPr lang="fr-FR" sz="1400" cap="none" spc="0" noProof="0" dirty="0">
-                          <a:solidFill>
-                            <a:schemeClr val="tx1"/>
-                          </a:solidFill>
-                        </a:rPr>
-                        <a:t> </a:t>
-                      </a:r>
-                      <a:r>
-                        <a:rPr lang="fr-FR" sz="1400" cap="none" spc="0" noProof="0" dirty="0" err="1">
-                          <a:solidFill>
-                            <a:schemeClr val="tx1"/>
-                          </a:solidFill>
-                        </a:rPr>
-                        <a:t>lorem</a:t>
-                      </a:r>
-                      <a:r>
-                        <a:rPr lang="fr-FR" sz="1400" cap="none" spc="0" noProof="0" dirty="0">
-                          <a:solidFill>
-                            <a:schemeClr val="tx1"/>
-                          </a:solidFill>
-                        </a:rPr>
-                        <a:t> </a:t>
-                      </a:r>
-                      <a:r>
-                        <a:rPr lang="fr-FR" sz="1400" cap="none" spc="0" noProof="0" dirty="0" err="1">
-                          <a:solidFill>
-                            <a:schemeClr val="tx1"/>
-                          </a:solidFill>
-                        </a:rPr>
-                        <a:t>ipsum</a:t>
-                      </a:r>
-                      <a:r>
-                        <a:rPr lang="fr-FR" sz="1400" cap="none" spc="0" noProof="0" dirty="0">
-                          <a:solidFill>
-                            <a:schemeClr val="tx1"/>
-                          </a:solidFill>
-                        </a:rPr>
-                        <a:t> et </a:t>
-                      </a:r>
-                      <a:r>
-                        <a:rPr lang="fr-FR" sz="1400" cap="none" spc="0" noProof="0" dirty="0" err="1">
-                          <a:solidFill>
-                            <a:schemeClr val="tx1"/>
-                          </a:solidFill>
-                        </a:rPr>
-                        <a:t>lorem</a:t>
-                      </a:r>
-                      <a:r>
-                        <a:rPr lang="fr-FR" sz="1400" cap="none" spc="0" noProof="0" dirty="0">
-                          <a:solidFill>
-                            <a:schemeClr val="tx1"/>
-                          </a:solidFill>
-                        </a:rPr>
-                        <a:t> </a:t>
-                      </a:r>
-                      <a:r>
-                        <a:rPr lang="fr-FR" sz="1400" cap="none" spc="0" noProof="0" dirty="0" err="1">
-                          <a:solidFill>
-                            <a:schemeClr val="tx1"/>
-                          </a:solidFill>
-                        </a:rPr>
-                        <a:t>ipsum</a:t>
-                      </a:r>
-                      <a:r>
-                        <a:rPr lang="fr-FR" sz="1400" cap="none" spc="0" noProof="0" dirty="0">
-                          <a:solidFill>
-                            <a:schemeClr val="tx1"/>
-                          </a:solidFill>
-                        </a:rPr>
-                        <a:t> </a:t>
-                      </a:r>
-                    </a:p>
-                    <a:p>
-                      <a:pPr rtl="0"/>
-                      <a:endParaRPr lang="fr-FR" sz="1400" cap="none" spc="0" noProof="0" dirty="0">
-                        <a:solidFill>
-                          <a:schemeClr val="tx1"/>
-                        </a:solidFill>
-                      </a:endParaRPr>
-                    </a:p>
-                  </a:txBody>
-                  <a:tcPr marL="151061" marR="151061" marT="151061" marB="151061">
-                    <a:lnL w="12700" cmpd="sng">
-                      <a:noFill/>
-                      <a:prstDash val="solid"/>
-                    </a:lnL>
-                    <a:lnR w="12700" cmpd="sng">
-                      <a:noFill/>
-                      <a:prstDash val="solid"/>
-                    </a:lnR>
-                    <a:lnT w="38100" cmpd="sng">
-                      <a:noFill/>
-                    </a:lnT>
-                    <a:lnB w="12700" cmpd="sng">
-                      <a:noFill/>
-                      <a:prstDash val="solid"/>
-                    </a:lnB>
-                    <a:noFill/>
-                  </a:tcPr>
-                </a:tc>
-                <a:tc>
-                  <a:txBody>
-                    <a:bodyPr/>
-                    <a:lstStyle/>
-                    <a:p>
-                      <a:pPr marL="0" marR="0" lvl="0" indent="0" algn="l" defTabSz="914400" rtl="0" eaLnBrk="1" fontAlgn="auto" latinLnBrk="0" hangingPunct="1">
-                        <a:lnSpc>
-                          <a:spcPct val="100000"/>
-                        </a:lnSpc>
-                        <a:spcBef>
-                          <a:spcPts val="0"/>
-                        </a:spcBef>
-                        <a:spcAft>
-                          <a:spcPts val="0"/>
-                        </a:spcAft>
-                        <a:buClrTx/>
-                        <a:buSzTx/>
-                        <a:buFontTx/>
-                        <a:buNone/>
-                        <a:tabLst/>
-                        <a:defRPr/>
-                      </a:pPr>
-                      <a:r>
-                        <a:rPr lang="fr-FR" sz="1400" cap="none" spc="0" noProof="0" dirty="0" err="1">
-                          <a:solidFill>
-                            <a:schemeClr val="tx1"/>
-                          </a:solidFill>
-                        </a:rPr>
-                        <a:t>Lorem</a:t>
-                      </a:r>
-                      <a:r>
-                        <a:rPr lang="fr-FR" sz="1400" cap="none" spc="0" noProof="0" dirty="0">
-                          <a:solidFill>
-                            <a:schemeClr val="tx1"/>
-                          </a:solidFill>
-                        </a:rPr>
-                        <a:t> </a:t>
-                      </a:r>
-                      <a:r>
-                        <a:rPr lang="fr-FR" sz="1400" cap="none" spc="0" noProof="0" dirty="0" err="1">
-                          <a:solidFill>
-                            <a:schemeClr val="tx1"/>
-                          </a:solidFill>
-                        </a:rPr>
-                        <a:t>ipsum</a:t>
-                      </a:r>
-                      <a:r>
-                        <a:rPr lang="fr-FR" sz="1400" cap="none" spc="0" noProof="0" dirty="0">
-                          <a:solidFill>
-                            <a:schemeClr val="tx1"/>
-                          </a:solidFill>
-                        </a:rPr>
-                        <a:t> et </a:t>
-                      </a:r>
-                      <a:r>
-                        <a:rPr lang="fr-FR" sz="1400" cap="none" spc="0" noProof="0" dirty="0" err="1">
-                          <a:solidFill>
-                            <a:schemeClr val="tx1"/>
-                          </a:solidFill>
-                        </a:rPr>
-                        <a:t>tula</a:t>
-                      </a:r>
-                      <a:r>
-                        <a:rPr lang="fr-FR" sz="1400" cap="none" spc="0" noProof="0" dirty="0">
-                          <a:solidFill>
-                            <a:schemeClr val="tx1"/>
-                          </a:solidFill>
-                        </a:rPr>
-                        <a:t> </a:t>
-                      </a:r>
-                      <a:r>
-                        <a:rPr lang="fr-FR" sz="1400" cap="none" spc="0" noProof="0" dirty="0" err="1">
-                          <a:solidFill>
-                            <a:schemeClr val="tx1"/>
-                          </a:solidFill>
-                        </a:rPr>
-                        <a:t>lorem</a:t>
-                      </a:r>
-                      <a:r>
-                        <a:rPr lang="fr-FR" sz="1400" cap="none" spc="0" noProof="0" dirty="0">
-                          <a:solidFill>
-                            <a:schemeClr val="tx1"/>
-                          </a:solidFill>
-                        </a:rPr>
-                        <a:t> </a:t>
-                      </a:r>
-                      <a:r>
-                        <a:rPr lang="fr-FR" sz="1400" cap="none" spc="0" noProof="0" dirty="0" err="1">
-                          <a:solidFill>
-                            <a:schemeClr val="tx1"/>
-                          </a:solidFill>
-                        </a:rPr>
-                        <a:t>ipsum</a:t>
-                      </a:r>
-                      <a:r>
-                        <a:rPr lang="fr-FR" sz="1400" cap="none" spc="0" noProof="0" dirty="0">
-                          <a:solidFill>
-                            <a:schemeClr val="tx1"/>
-                          </a:solidFill>
-                        </a:rPr>
-                        <a:t> et </a:t>
-                      </a:r>
-                      <a:r>
-                        <a:rPr lang="fr-FR" sz="1400" cap="none" spc="0" noProof="0" dirty="0" err="1">
-                          <a:solidFill>
-                            <a:schemeClr val="tx1"/>
-                          </a:solidFill>
-                        </a:rPr>
-                        <a:t>lorem</a:t>
-                      </a:r>
-                      <a:r>
-                        <a:rPr lang="fr-FR" sz="1400" cap="none" spc="0" noProof="0" dirty="0">
-                          <a:solidFill>
-                            <a:schemeClr val="tx1"/>
-                          </a:solidFill>
-                        </a:rPr>
-                        <a:t> </a:t>
-                      </a:r>
-                      <a:r>
-                        <a:rPr lang="fr-FR" sz="1400" cap="none" spc="0" noProof="0" dirty="0" err="1">
-                          <a:solidFill>
-                            <a:schemeClr val="tx1"/>
-                          </a:solidFill>
-                        </a:rPr>
-                        <a:t>ipsum</a:t>
-                      </a:r>
-                      <a:r>
-                        <a:rPr lang="fr-FR" sz="1400" cap="none" spc="0" noProof="0" dirty="0">
-                          <a:solidFill>
-                            <a:schemeClr val="tx1"/>
-                          </a:solidFill>
-                        </a:rPr>
-                        <a:t> </a:t>
-                      </a:r>
-                    </a:p>
-                    <a:p>
-                      <a:pPr rtl="0"/>
-                      <a:endParaRPr lang="fr-FR" sz="1400" cap="none" spc="0" noProof="0" dirty="0">
-                        <a:solidFill>
-                          <a:schemeClr val="tx1"/>
-                        </a:solidFill>
-                      </a:endParaRPr>
-                    </a:p>
-                  </a:txBody>
-                  <a:tcPr marL="151061" marR="151061" marT="151061" marB="151061">
-                    <a:lnL w="12700" cmpd="sng">
-                      <a:noFill/>
-                      <a:prstDash val="solid"/>
-                    </a:lnL>
-                    <a:lnR w="12700" cmpd="sng">
-                      <a:noFill/>
-                      <a:prstDash val="solid"/>
-                    </a:lnR>
-                    <a:lnT w="38100" cmpd="sng">
-                      <a:noFill/>
-                    </a:lnT>
-                    <a:lnB w="12700" cmpd="sng">
-                      <a:noFill/>
-                      <a:prstDash val="solid"/>
-                    </a:lnB>
-                    <a:noFill/>
-                  </a:tcPr>
-                </a:tc>
-                <a:tc>
-                  <a:txBody>
-                    <a:bodyPr/>
-                    <a:lstStyle/>
-                    <a:p>
-                      <a:pPr marL="0" marR="0" lvl="0" indent="0" algn="l" defTabSz="914400" rtl="0" eaLnBrk="1" fontAlgn="auto" latinLnBrk="0" hangingPunct="1">
-                        <a:lnSpc>
-                          <a:spcPct val="100000"/>
-                        </a:lnSpc>
-                        <a:spcBef>
-                          <a:spcPts val="0"/>
-                        </a:spcBef>
-                        <a:spcAft>
-                          <a:spcPts val="0"/>
-                        </a:spcAft>
-                        <a:buClrTx/>
-                        <a:buSzTx/>
-                        <a:buFontTx/>
-                        <a:buNone/>
-                        <a:tabLst/>
-                        <a:defRPr/>
-                      </a:pPr>
-                      <a:r>
-                        <a:rPr lang="fr-FR" sz="1400" cap="none" spc="0" noProof="0" dirty="0" err="1">
-                          <a:solidFill>
-                            <a:schemeClr val="tx1"/>
-                          </a:solidFill>
-                        </a:rPr>
-                        <a:t>Lorem</a:t>
-                      </a:r>
-                      <a:r>
-                        <a:rPr lang="fr-FR" sz="1400" cap="none" spc="0" noProof="0" dirty="0">
-                          <a:solidFill>
-                            <a:schemeClr val="tx1"/>
-                          </a:solidFill>
-                        </a:rPr>
-                        <a:t> </a:t>
-                      </a:r>
-                      <a:r>
-                        <a:rPr lang="fr-FR" sz="1400" cap="none" spc="0" noProof="0" dirty="0" err="1">
-                          <a:solidFill>
-                            <a:schemeClr val="tx1"/>
-                          </a:solidFill>
-                        </a:rPr>
-                        <a:t>ipsum</a:t>
-                      </a:r>
-                      <a:r>
-                        <a:rPr lang="fr-FR" sz="1400" cap="none" spc="0" noProof="0" dirty="0">
-                          <a:solidFill>
-                            <a:schemeClr val="tx1"/>
-                          </a:solidFill>
-                        </a:rPr>
-                        <a:t> et </a:t>
-                      </a:r>
-                      <a:r>
-                        <a:rPr lang="fr-FR" sz="1400" cap="none" spc="0" noProof="0" dirty="0" err="1">
-                          <a:solidFill>
-                            <a:schemeClr val="tx1"/>
-                          </a:solidFill>
-                        </a:rPr>
-                        <a:t>tula</a:t>
-                      </a:r>
-                      <a:r>
-                        <a:rPr lang="fr-FR" sz="1400" cap="none" spc="0" noProof="0" dirty="0">
-                          <a:solidFill>
-                            <a:schemeClr val="tx1"/>
-                          </a:solidFill>
-                        </a:rPr>
-                        <a:t> </a:t>
-                      </a:r>
-                      <a:r>
-                        <a:rPr lang="fr-FR" sz="1400" cap="none" spc="0" noProof="0" dirty="0" err="1">
-                          <a:solidFill>
-                            <a:schemeClr val="tx1"/>
-                          </a:solidFill>
-                        </a:rPr>
-                        <a:t>lorem</a:t>
-                      </a:r>
-                      <a:r>
-                        <a:rPr lang="fr-FR" sz="1400" cap="none" spc="0" noProof="0" dirty="0">
-                          <a:solidFill>
-                            <a:schemeClr val="tx1"/>
-                          </a:solidFill>
-                        </a:rPr>
-                        <a:t> </a:t>
-                      </a:r>
-                      <a:r>
-                        <a:rPr lang="fr-FR" sz="1400" cap="none" spc="0" noProof="0" dirty="0" err="1">
-                          <a:solidFill>
-                            <a:schemeClr val="tx1"/>
-                          </a:solidFill>
-                        </a:rPr>
-                        <a:t>ipsum</a:t>
-                      </a:r>
-                      <a:r>
-                        <a:rPr lang="fr-FR" sz="1400" cap="none" spc="0" noProof="0" dirty="0">
-                          <a:solidFill>
-                            <a:schemeClr val="tx1"/>
-                          </a:solidFill>
-                        </a:rPr>
-                        <a:t> et </a:t>
-                      </a:r>
-                      <a:r>
-                        <a:rPr lang="fr-FR" sz="1400" cap="none" spc="0" noProof="0" dirty="0" err="1">
-                          <a:solidFill>
-                            <a:schemeClr val="tx1"/>
-                          </a:solidFill>
-                        </a:rPr>
-                        <a:t>lorem</a:t>
-                      </a:r>
-                      <a:r>
-                        <a:rPr lang="fr-FR" sz="1400" cap="none" spc="0" noProof="0" dirty="0">
-                          <a:solidFill>
-                            <a:schemeClr val="tx1"/>
-                          </a:solidFill>
-                        </a:rPr>
-                        <a:t> </a:t>
-                      </a:r>
-                      <a:r>
-                        <a:rPr lang="fr-FR" sz="1400" cap="none" spc="0" noProof="0" dirty="0" err="1">
-                          <a:solidFill>
-                            <a:schemeClr val="tx1"/>
-                          </a:solidFill>
-                        </a:rPr>
-                        <a:t>ipsum</a:t>
-                      </a:r>
-                      <a:r>
-                        <a:rPr lang="fr-FR" sz="1400" cap="none" spc="0" noProof="0" dirty="0">
-                          <a:solidFill>
-                            <a:schemeClr val="tx1"/>
-                          </a:solidFill>
-                        </a:rPr>
-                        <a:t> </a:t>
-                      </a:r>
-                    </a:p>
-                    <a:p>
-                      <a:pPr rtl="0"/>
-                      <a:endParaRPr lang="fr-FR" sz="1400" cap="none" spc="0" noProof="0" dirty="0">
-                        <a:solidFill>
-                          <a:schemeClr val="tx1"/>
-                        </a:solidFill>
-                      </a:endParaRPr>
-                    </a:p>
-                  </a:txBody>
-                  <a:tcPr marL="151061" marR="151061" marT="151061" marB="151061">
-                    <a:lnL w="12700" cmpd="sng">
-                      <a:noFill/>
-                      <a:prstDash val="solid"/>
-                    </a:lnL>
-                    <a:lnR w="12700" cmpd="sng">
-                      <a:noFill/>
-                      <a:prstDash val="solid"/>
-                    </a:lnR>
-                    <a:lnT w="38100" cmpd="sng">
-                      <a:noFill/>
-                    </a:lnT>
-                    <a:lnB w="12700" cmpd="sng">
-                      <a:noFill/>
-                      <a:prstDash val="solid"/>
-                    </a:lnB>
-                    <a:noFill/>
-                  </a:tcPr>
-                </a:tc>
-                <a:extLst>
-                  <a:ext uri="{0D108BD9-81ED-4DB2-BD59-A6C34878D82A}">
-                    <a16:rowId xmlns:a16="http://schemas.microsoft.com/office/drawing/2014/main" val="2085369860"/>
-                  </a:ext>
-                </a:extLst>
-              </a:tr>
-              <a:tr h="978778">
-                <a:tc>
-                  <a:txBody>
-                    <a:bodyPr/>
-                    <a:lstStyle/>
-                    <a:p>
-                      <a:pPr marL="0" marR="0" lvl="0" indent="0" algn="l" defTabSz="914400" rtl="0" eaLnBrk="1" fontAlgn="auto" latinLnBrk="0" hangingPunct="1">
-                        <a:lnSpc>
-                          <a:spcPct val="100000"/>
-                        </a:lnSpc>
-                        <a:spcBef>
-                          <a:spcPts val="0"/>
-                        </a:spcBef>
-                        <a:spcAft>
-                          <a:spcPts val="0"/>
-                        </a:spcAft>
-                        <a:buClrTx/>
-                        <a:buSzTx/>
-                        <a:buFontTx/>
-                        <a:buNone/>
-                        <a:tabLst/>
-                        <a:defRPr/>
-                      </a:pPr>
-                      <a:r>
-                        <a:rPr lang="fr-FR" sz="1400" cap="none" spc="0" noProof="0" dirty="0" err="1">
-                          <a:solidFill>
-                            <a:schemeClr val="tx1"/>
-                          </a:solidFill>
-                        </a:rPr>
-                        <a:t>Lorem</a:t>
-                      </a:r>
-                      <a:r>
-                        <a:rPr lang="fr-FR" sz="1400" cap="none" spc="0" noProof="0" dirty="0">
-                          <a:solidFill>
-                            <a:schemeClr val="tx1"/>
-                          </a:solidFill>
-                        </a:rPr>
-                        <a:t> </a:t>
-                      </a:r>
-                      <a:r>
-                        <a:rPr lang="fr-FR" sz="1400" cap="none" spc="0" noProof="0" dirty="0" err="1">
-                          <a:solidFill>
-                            <a:schemeClr val="tx1"/>
-                          </a:solidFill>
-                        </a:rPr>
-                        <a:t>ipsum</a:t>
-                      </a:r>
-                      <a:r>
-                        <a:rPr lang="fr-FR" sz="1400" cap="none" spc="0" noProof="0" dirty="0">
-                          <a:solidFill>
-                            <a:schemeClr val="tx1"/>
-                          </a:solidFill>
-                        </a:rPr>
-                        <a:t> et </a:t>
-                      </a:r>
-                      <a:r>
-                        <a:rPr lang="fr-FR" sz="1400" cap="none" spc="0" noProof="0" dirty="0" err="1">
-                          <a:solidFill>
-                            <a:schemeClr val="tx1"/>
-                          </a:solidFill>
-                        </a:rPr>
-                        <a:t>tula</a:t>
-                      </a:r>
-                      <a:r>
-                        <a:rPr lang="fr-FR" sz="1400" cap="none" spc="0" noProof="0" dirty="0">
-                          <a:solidFill>
-                            <a:schemeClr val="tx1"/>
-                          </a:solidFill>
-                        </a:rPr>
-                        <a:t> </a:t>
-                      </a:r>
-                      <a:r>
-                        <a:rPr lang="fr-FR" sz="1400" cap="none" spc="0" noProof="0" dirty="0" err="1">
-                          <a:solidFill>
-                            <a:schemeClr val="tx1"/>
-                          </a:solidFill>
-                        </a:rPr>
-                        <a:t>lorem</a:t>
-                      </a:r>
-                      <a:r>
-                        <a:rPr lang="fr-FR" sz="1400" cap="none" spc="0" noProof="0" dirty="0">
-                          <a:solidFill>
-                            <a:schemeClr val="tx1"/>
-                          </a:solidFill>
-                        </a:rPr>
-                        <a:t> </a:t>
-                      </a:r>
-                      <a:r>
-                        <a:rPr lang="fr-FR" sz="1400" cap="none" spc="0" noProof="0" dirty="0" err="1">
-                          <a:solidFill>
-                            <a:schemeClr val="tx1"/>
-                          </a:solidFill>
-                        </a:rPr>
-                        <a:t>ipsum</a:t>
-                      </a:r>
-                      <a:r>
-                        <a:rPr lang="fr-FR" sz="1400" cap="none" spc="0" noProof="0" dirty="0">
-                          <a:solidFill>
-                            <a:schemeClr val="tx1"/>
-                          </a:solidFill>
-                        </a:rPr>
-                        <a:t> et </a:t>
-                      </a:r>
-                      <a:r>
-                        <a:rPr lang="fr-FR" sz="1400" cap="none" spc="0" noProof="0" dirty="0" err="1">
-                          <a:solidFill>
-                            <a:schemeClr val="tx1"/>
-                          </a:solidFill>
-                        </a:rPr>
-                        <a:t>lorem</a:t>
-                      </a:r>
-                      <a:r>
-                        <a:rPr lang="fr-FR" sz="1400" cap="none" spc="0" noProof="0" dirty="0">
-                          <a:solidFill>
-                            <a:schemeClr val="tx1"/>
-                          </a:solidFill>
-                        </a:rPr>
-                        <a:t> </a:t>
-                      </a:r>
-                      <a:r>
-                        <a:rPr lang="fr-FR" sz="1400" cap="none" spc="0" noProof="0" dirty="0" err="1">
-                          <a:solidFill>
-                            <a:schemeClr val="tx1"/>
-                          </a:solidFill>
-                        </a:rPr>
-                        <a:t>ipsum</a:t>
-                      </a:r>
-                      <a:r>
-                        <a:rPr lang="fr-FR" sz="1400" cap="none" spc="0" noProof="0" dirty="0">
-                          <a:solidFill>
-                            <a:schemeClr val="tx1"/>
-                          </a:solidFill>
-                        </a:rPr>
-                        <a:t> </a:t>
-                      </a:r>
-                    </a:p>
-                    <a:p>
-                      <a:pPr rtl="0"/>
-                      <a:endParaRPr lang="fr-FR" sz="1400" cap="none" spc="0" noProof="0" dirty="0">
-                        <a:solidFill>
-                          <a:schemeClr val="tx1"/>
-                        </a:solidFill>
-                      </a:endParaRPr>
-                    </a:p>
-                  </a:txBody>
-                  <a:tcPr marL="151061" marR="151061" marT="151061" marB="151061">
-                    <a:lnL w="12700" cmpd="sng">
-                      <a:noFill/>
-                      <a:prstDash val="solid"/>
-                    </a:lnL>
-                    <a:lnR w="12700" cmpd="sng">
-                      <a:noFill/>
-                      <a:prstDash val="solid"/>
-                    </a:lnR>
-                    <a:lnT w="12700" cmpd="sng">
-                      <a:noFill/>
-                      <a:prstDash val="solid"/>
-                    </a:lnT>
-                    <a:lnB w="12700" cmpd="sng">
-                      <a:noFill/>
-                      <a:prstDash val="solid"/>
-                    </a:lnB>
-                    <a:solidFill>
-                      <a:srgbClr val="000000">
-                        <a:alpha val="7843"/>
-                      </a:srgbClr>
-                    </a:solidFill>
-                  </a:tcPr>
-                </a:tc>
-                <a:tc>
-                  <a:txBody>
-                    <a:bodyPr/>
-                    <a:lstStyle/>
-                    <a:p>
-                      <a:pPr marL="0" marR="0" lvl="0" indent="0" algn="l" defTabSz="914400" rtl="0" eaLnBrk="1" fontAlgn="auto" latinLnBrk="0" hangingPunct="1">
-                        <a:lnSpc>
-                          <a:spcPct val="100000"/>
-                        </a:lnSpc>
-                        <a:spcBef>
-                          <a:spcPts val="0"/>
-                        </a:spcBef>
-                        <a:spcAft>
-                          <a:spcPts val="0"/>
-                        </a:spcAft>
-                        <a:buClrTx/>
-                        <a:buSzTx/>
-                        <a:buFontTx/>
-                        <a:buNone/>
-                        <a:tabLst/>
-                        <a:defRPr/>
-                      </a:pPr>
-                      <a:r>
-                        <a:rPr lang="fr-FR" sz="1400" cap="none" spc="0" noProof="0" dirty="0" err="1">
-                          <a:solidFill>
-                            <a:schemeClr val="tx1"/>
-                          </a:solidFill>
-                        </a:rPr>
-                        <a:t>Lorem</a:t>
-                      </a:r>
-                      <a:r>
-                        <a:rPr lang="fr-FR" sz="1400" cap="none" spc="0" noProof="0" dirty="0">
-                          <a:solidFill>
-                            <a:schemeClr val="tx1"/>
-                          </a:solidFill>
-                        </a:rPr>
-                        <a:t> </a:t>
-                      </a:r>
-                      <a:r>
-                        <a:rPr lang="fr-FR" sz="1400" cap="none" spc="0" noProof="0" dirty="0" err="1">
-                          <a:solidFill>
-                            <a:schemeClr val="tx1"/>
-                          </a:solidFill>
-                        </a:rPr>
-                        <a:t>ipsum</a:t>
-                      </a:r>
-                      <a:r>
-                        <a:rPr lang="fr-FR" sz="1400" cap="none" spc="0" noProof="0" dirty="0">
-                          <a:solidFill>
-                            <a:schemeClr val="tx1"/>
-                          </a:solidFill>
-                        </a:rPr>
-                        <a:t> et </a:t>
-                      </a:r>
-                      <a:r>
-                        <a:rPr lang="fr-FR" sz="1400" cap="none" spc="0" noProof="0" dirty="0" err="1">
-                          <a:solidFill>
-                            <a:schemeClr val="tx1"/>
-                          </a:solidFill>
-                        </a:rPr>
-                        <a:t>tula</a:t>
-                      </a:r>
-                      <a:r>
-                        <a:rPr lang="fr-FR" sz="1400" cap="none" spc="0" noProof="0" dirty="0">
-                          <a:solidFill>
-                            <a:schemeClr val="tx1"/>
-                          </a:solidFill>
-                        </a:rPr>
-                        <a:t> </a:t>
-                      </a:r>
-                      <a:r>
-                        <a:rPr lang="fr-FR" sz="1400" cap="none" spc="0" noProof="0" dirty="0" err="1">
-                          <a:solidFill>
-                            <a:schemeClr val="tx1"/>
-                          </a:solidFill>
-                        </a:rPr>
-                        <a:t>lorem</a:t>
-                      </a:r>
-                      <a:r>
-                        <a:rPr lang="fr-FR" sz="1400" cap="none" spc="0" noProof="0" dirty="0">
-                          <a:solidFill>
-                            <a:schemeClr val="tx1"/>
-                          </a:solidFill>
-                        </a:rPr>
-                        <a:t> </a:t>
-                      </a:r>
-                      <a:r>
-                        <a:rPr lang="fr-FR" sz="1400" cap="none" spc="0" noProof="0" dirty="0" err="1">
-                          <a:solidFill>
-                            <a:schemeClr val="tx1"/>
-                          </a:solidFill>
-                        </a:rPr>
-                        <a:t>ipsum</a:t>
-                      </a:r>
-                      <a:r>
-                        <a:rPr lang="fr-FR" sz="1400" cap="none" spc="0" noProof="0" dirty="0">
-                          <a:solidFill>
-                            <a:schemeClr val="tx1"/>
-                          </a:solidFill>
-                        </a:rPr>
-                        <a:t> et </a:t>
-                      </a:r>
-                      <a:r>
-                        <a:rPr lang="fr-FR" sz="1400" cap="none" spc="0" noProof="0" dirty="0" err="1">
-                          <a:solidFill>
-                            <a:schemeClr val="tx1"/>
-                          </a:solidFill>
-                        </a:rPr>
-                        <a:t>lorem</a:t>
-                      </a:r>
-                      <a:r>
-                        <a:rPr lang="fr-FR" sz="1400" cap="none" spc="0" noProof="0" dirty="0">
-                          <a:solidFill>
-                            <a:schemeClr val="tx1"/>
-                          </a:solidFill>
-                        </a:rPr>
-                        <a:t> </a:t>
-                      </a:r>
-                      <a:r>
-                        <a:rPr lang="fr-FR" sz="1400" cap="none" spc="0" noProof="0" dirty="0" err="1">
-                          <a:solidFill>
-                            <a:schemeClr val="tx1"/>
-                          </a:solidFill>
-                        </a:rPr>
-                        <a:t>ipsum</a:t>
-                      </a:r>
-                      <a:r>
-                        <a:rPr lang="fr-FR" sz="1400" cap="none" spc="0" noProof="0" dirty="0">
-                          <a:solidFill>
-                            <a:schemeClr val="tx1"/>
-                          </a:solidFill>
-                        </a:rPr>
-                        <a:t> </a:t>
-                      </a:r>
-                    </a:p>
-                    <a:p>
-                      <a:pPr rtl="0"/>
-                      <a:endParaRPr lang="fr-FR" sz="1400" cap="none" spc="0" noProof="0" dirty="0">
-                        <a:solidFill>
-                          <a:schemeClr val="tx1"/>
-                        </a:solidFill>
-                      </a:endParaRPr>
-                    </a:p>
-                  </a:txBody>
-                  <a:tcPr marL="151061" marR="151061" marT="151061" marB="151061">
-                    <a:lnL w="12700" cmpd="sng">
-                      <a:noFill/>
-                      <a:prstDash val="solid"/>
-                    </a:lnL>
-                    <a:lnR w="12700" cmpd="sng">
-                      <a:noFill/>
-                      <a:prstDash val="solid"/>
-                    </a:lnR>
-                    <a:lnT w="12700" cmpd="sng">
-                      <a:noFill/>
-                      <a:prstDash val="solid"/>
-                    </a:lnT>
-                    <a:lnB w="12700" cmpd="sng">
-                      <a:noFill/>
-                      <a:prstDash val="solid"/>
-                    </a:lnB>
-                    <a:solidFill>
-                      <a:srgbClr val="000000">
-                        <a:alpha val="7843"/>
-                      </a:srgbClr>
-                    </a:solidFill>
-                  </a:tcPr>
-                </a:tc>
-                <a:tc>
-                  <a:txBody>
-                    <a:bodyPr/>
-                    <a:lstStyle/>
-                    <a:p>
-                      <a:pPr marL="0" marR="0" lvl="0" indent="0" algn="l" defTabSz="914400" rtl="0" eaLnBrk="1" fontAlgn="auto" latinLnBrk="0" hangingPunct="1">
-                        <a:lnSpc>
-                          <a:spcPct val="100000"/>
-                        </a:lnSpc>
-                        <a:spcBef>
-                          <a:spcPts val="0"/>
-                        </a:spcBef>
-                        <a:spcAft>
-                          <a:spcPts val="0"/>
-                        </a:spcAft>
-                        <a:buClrTx/>
-                        <a:buSzTx/>
-                        <a:buFontTx/>
-                        <a:buNone/>
-                        <a:tabLst/>
-                        <a:defRPr/>
-                      </a:pPr>
-                      <a:r>
-                        <a:rPr lang="fr-FR" sz="1400" cap="none" spc="0" noProof="0" dirty="0" err="1">
-                          <a:solidFill>
-                            <a:schemeClr val="tx1"/>
-                          </a:solidFill>
-                        </a:rPr>
-                        <a:t>Lorem</a:t>
-                      </a:r>
-                      <a:r>
-                        <a:rPr lang="fr-FR" sz="1400" cap="none" spc="0" noProof="0" dirty="0">
-                          <a:solidFill>
-                            <a:schemeClr val="tx1"/>
-                          </a:solidFill>
-                        </a:rPr>
-                        <a:t> </a:t>
-                      </a:r>
-                      <a:r>
-                        <a:rPr lang="fr-FR" sz="1400" cap="none" spc="0" noProof="0" dirty="0" err="1">
-                          <a:solidFill>
-                            <a:schemeClr val="tx1"/>
-                          </a:solidFill>
-                        </a:rPr>
-                        <a:t>ipsum</a:t>
-                      </a:r>
-                      <a:r>
-                        <a:rPr lang="fr-FR" sz="1400" cap="none" spc="0" noProof="0" dirty="0">
-                          <a:solidFill>
-                            <a:schemeClr val="tx1"/>
-                          </a:solidFill>
-                        </a:rPr>
-                        <a:t> et </a:t>
-                      </a:r>
-                      <a:r>
-                        <a:rPr lang="fr-FR" sz="1400" cap="none" spc="0" noProof="0" dirty="0" err="1">
-                          <a:solidFill>
-                            <a:schemeClr val="tx1"/>
-                          </a:solidFill>
-                        </a:rPr>
-                        <a:t>tula</a:t>
-                      </a:r>
-                      <a:r>
-                        <a:rPr lang="fr-FR" sz="1400" cap="none" spc="0" noProof="0" dirty="0">
-                          <a:solidFill>
-                            <a:schemeClr val="tx1"/>
-                          </a:solidFill>
-                        </a:rPr>
-                        <a:t> </a:t>
-                      </a:r>
-                      <a:r>
-                        <a:rPr lang="fr-FR" sz="1400" cap="none" spc="0" noProof="0" dirty="0" err="1">
-                          <a:solidFill>
-                            <a:schemeClr val="tx1"/>
-                          </a:solidFill>
-                        </a:rPr>
-                        <a:t>lorem</a:t>
-                      </a:r>
-                      <a:r>
-                        <a:rPr lang="fr-FR" sz="1400" cap="none" spc="0" noProof="0" dirty="0">
-                          <a:solidFill>
-                            <a:schemeClr val="tx1"/>
-                          </a:solidFill>
-                        </a:rPr>
-                        <a:t> </a:t>
-                      </a:r>
-                      <a:r>
-                        <a:rPr lang="fr-FR" sz="1400" cap="none" spc="0" noProof="0" dirty="0" err="1">
-                          <a:solidFill>
-                            <a:schemeClr val="tx1"/>
-                          </a:solidFill>
-                        </a:rPr>
-                        <a:t>ipsum</a:t>
-                      </a:r>
-                      <a:r>
-                        <a:rPr lang="fr-FR" sz="1400" cap="none" spc="0" noProof="0" dirty="0">
-                          <a:solidFill>
-                            <a:schemeClr val="tx1"/>
-                          </a:solidFill>
-                        </a:rPr>
-                        <a:t> et </a:t>
-                      </a:r>
-                      <a:r>
-                        <a:rPr lang="fr-FR" sz="1400" cap="none" spc="0" noProof="0" dirty="0" err="1">
-                          <a:solidFill>
-                            <a:schemeClr val="tx1"/>
-                          </a:solidFill>
-                        </a:rPr>
-                        <a:t>lorem</a:t>
-                      </a:r>
-                      <a:r>
-                        <a:rPr lang="fr-FR" sz="1400" cap="none" spc="0" noProof="0" dirty="0">
-                          <a:solidFill>
-                            <a:schemeClr val="tx1"/>
-                          </a:solidFill>
-                        </a:rPr>
-                        <a:t> </a:t>
-                      </a:r>
-                      <a:r>
-                        <a:rPr lang="fr-FR" sz="1400" cap="none" spc="0" noProof="0" dirty="0" err="1">
-                          <a:solidFill>
-                            <a:schemeClr val="tx1"/>
-                          </a:solidFill>
-                        </a:rPr>
-                        <a:t>ipsum</a:t>
-                      </a:r>
-                      <a:r>
-                        <a:rPr lang="fr-FR" sz="1400" cap="none" spc="0" noProof="0" dirty="0">
-                          <a:solidFill>
-                            <a:schemeClr val="tx1"/>
-                          </a:solidFill>
-                        </a:rPr>
-                        <a:t> </a:t>
-                      </a:r>
-                    </a:p>
-                    <a:p>
-                      <a:pPr rtl="0"/>
-                      <a:endParaRPr lang="fr-FR" sz="1400" cap="none" spc="0" noProof="0" dirty="0">
-                        <a:solidFill>
-                          <a:schemeClr val="tx1"/>
-                        </a:solidFill>
-                      </a:endParaRPr>
-                    </a:p>
-                  </a:txBody>
-                  <a:tcPr marL="151061" marR="151061" marT="151061" marB="151061">
-                    <a:lnL w="12700" cmpd="sng">
-                      <a:noFill/>
-                      <a:prstDash val="solid"/>
-                    </a:lnL>
-                    <a:lnR w="12700" cmpd="sng">
-                      <a:noFill/>
-                      <a:prstDash val="solid"/>
-                    </a:lnR>
-                    <a:lnT w="12700" cmpd="sng">
-                      <a:noFill/>
-                      <a:prstDash val="solid"/>
-                    </a:lnT>
-                    <a:lnB w="12700" cmpd="sng">
-                      <a:noFill/>
-                      <a:prstDash val="solid"/>
-                    </a:lnB>
-                    <a:solidFill>
-                      <a:srgbClr val="000000">
-                        <a:alpha val="7843"/>
-                      </a:srgbClr>
-                    </a:solidFill>
-                  </a:tcPr>
-                </a:tc>
-                <a:tc>
-                  <a:txBody>
-                    <a:bodyPr/>
-                    <a:lstStyle/>
-                    <a:p>
-                      <a:pPr marL="0" marR="0" lvl="0" indent="0" algn="l" defTabSz="914400" rtl="0" eaLnBrk="1" fontAlgn="auto" latinLnBrk="0" hangingPunct="1">
-                        <a:lnSpc>
-                          <a:spcPct val="100000"/>
-                        </a:lnSpc>
-                        <a:spcBef>
-                          <a:spcPts val="0"/>
-                        </a:spcBef>
-                        <a:spcAft>
-                          <a:spcPts val="0"/>
-                        </a:spcAft>
-                        <a:buClrTx/>
-                        <a:buSzTx/>
-                        <a:buFontTx/>
-                        <a:buNone/>
-                        <a:tabLst/>
-                        <a:defRPr/>
-                      </a:pPr>
-                      <a:r>
-                        <a:rPr lang="fr-FR" sz="1400" cap="none" spc="0" noProof="0" dirty="0" err="1">
-                          <a:solidFill>
-                            <a:schemeClr val="tx1"/>
-                          </a:solidFill>
-                        </a:rPr>
-                        <a:t>Lorem</a:t>
-                      </a:r>
-                      <a:r>
-                        <a:rPr lang="fr-FR" sz="1400" cap="none" spc="0" noProof="0" dirty="0">
-                          <a:solidFill>
-                            <a:schemeClr val="tx1"/>
-                          </a:solidFill>
-                        </a:rPr>
-                        <a:t> </a:t>
-                      </a:r>
-                      <a:r>
-                        <a:rPr lang="fr-FR" sz="1400" cap="none" spc="0" noProof="0" dirty="0" err="1">
-                          <a:solidFill>
-                            <a:schemeClr val="tx1"/>
-                          </a:solidFill>
-                        </a:rPr>
-                        <a:t>ipsum</a:t>
-                      </a:r>
-                      <a:r>
-                        <a:rPr lang="fr-FR" sz="1400" cap="none" spc="0" noProof="0" dirty="0">
-                          <a:solidFill>
-                            <a:schemeClr val="tx1"/>
-                          </a:solidFill>
-                        </a:rPr>
-                        <a:t> et </a:t>
-                      </a:r>
-                      <a:r>
-                        <a:rPr lang="fr-FR" sz="1400" cap="none" spc="0" noProof="0" dirty="0" err="1">
-                          <a:solidFill>
-                            <a:schemeClr val="tx1"/>
-                          </a:solidFill>
-                        </a:rPr>
-                        <a:t>tula</a:t>
-                      </a:r>
-                      <a:r>
-                        <a:rPr lang="fr-FR" sz="1400" cap="none" spc="0" noProof="0" dirty="0">
-                          <a:solidFill>
-                            <a:schemeClr val="tx1"/>
-                          </a:solidFill>
-                        </a:rPr>
-                        <a:t> </a:t>
-                      </a:r>
-                      <a:r>
-                        <a:rPr lang="fr-FR" sz="1400" cap="none" spc="0" noProof="0" dirty="0" err="1">
-                          <a:solidFill>
-                            <a:schemeClr val="tx1"/>
-                          </a:solidFill>
-                        </a:rPr>
-                        <a:t>lorem</a:t>
-                      </a:r>
-                      <a:r>
-                        <a:rPr lang="fr-FR" sz="1400" cap="none" spc="0" noProof="0" dirty="0">
-                          <a:solidFill>
-                            <a:schemeClr val="tx1"/>
-                          </a:solidFill>
-                        </a:rPr>
-                        <a:t> </a:t>
-                      </a:r>
-                      <a:r>
-                        <a:rPr lang="fr-FR" sz="1400" cap="none" spc="0" noProof="0" dirty="0" err="1">
-                          <a:solidFill>
-                            <a:schemeClr val="tx1"/>
-                          </a:solidFill>
-                        </a:rPr>
-                        <a:t>ipsum</a:t>
-                      </a:r>
-                      <a:r>
-                        <a:rPr lang="fr-FR" sz="1400" cap="none" spc="0" noProof="0" dirty="0">
-                          <a:solidFill>
-                            <a:schemeClr val="tx1"/>
-                          </a:solidFill>
-                        </a:rPr>
-                        <a:t> et </a:t>
-                      </a:r>
-                      <a:r>
-                        <a:rPr lang="fr-FR" sz="1400" cap="none" spc="0" noProof="0" dirty="0" err="1">
-                          <a:solidFill>
-                            <a:schemeClr val="tx1"/>
-                          </a:solidFill>
-                        </a:rPr>
-                        <a:t>lorem</a:t>
-                      </a:r>
-                      <a:r>
-                        <a:rPr lang="fr-FR" sz="1400" cap="none" spc="0" noProof="0" dirty="0">
-                          <a:solidFill>
-                            <a:schemeClr val="tx1"/>
-                          </a:solidFill>
-                        </a:rPr>
-                        <a:t> </a:t>
-                      </a:r>
-                      <a:r>
-                        <a:rPr lang="fr-FR" sz="1400" cap="none" spc="0" noProof="0" dirty="0" err="1">
-                          <a:solidFill>
-                            <a:schemeClr val="tx1"/>
-                          </a:solidFill>
-                        </a:rPr>
-                        <a:t>ipsum</a:t>
-                      </a:r>
-                      <a:r>
-                        <a:rPr lang="fr-FR" sz="1400" cap="none" spc="0" noProof="0" dirty="0">
-                          <a:solidFill>
-                            <a:schemeClr val="tx1"/>
-                          </a:solidFill>
-                        </a:rPr>
-                        <a:t> </a:t>
-                      </a:r>
-                    </a:p>
-                    <a:p>
-                      <a:pPr rtl="0"/>
-                      <a:endParaRPr lang="fr-FR" sz="1400" cap="none" spc="0" noProof="0" dirty="0">
-                        <a:solidFill>
-                          <a:schemeClr val="tx1"/>
-                        </a:solidFill>
-                      </a:endParaRPr>
-                    </a:p>
-                  </a:txBody>
-                  <a:tcPr marL="151061" marR="151061" marT="151061" marB="151061">
-                    <a:lnL w="12700" cmpd="sng">
-                      <a:noFill/>
-                      <a:prstDash val="solid"/>
-                    </a:lnL>
-                    <a:lnR w="12700" cmpd="sng">
-                      <a:noFill/>
-                      <a:prstDash val="solid"/>
-                    </a:lnR>
-                    <a:lnT w="12700" cmpd="sng">
-                      <a:noFill/>
-                      <a:prstDash val="solid"/>
-                    </a:lnT>
-                    <a:lnB w="12700" cmpd="sng">
-                      <a:noFill/>
-                      <a:prstDash val="solid"/>
-                    </a:lnB>
-                    <a:solidFill>
-                      <a:srgbClr val="000000">
-                        <a:alpha val="7843"/>
-                      </a:srgbClr>
-                    </a:solidFill>
-                  </a:tcPr>
-                </a:tc>
-                <a:extLst>
-                  <a:ext uri="{0D108BD9-81ED-4DB2-BD59-A6C34878D82A}">
-                    <a16:rowId xmlns:a16="http://schemas.microsoft.com/office/drawing/2014/main" val="4252228359"/>
-                  </a:ext>
-                </a:extLst>
-              </a:tr>
-              <a:tr h="978778">
-                <a:tc>
-                  <a:txBody>
-                    <a:bodyPr/>
-                    <a:lstStyle/>
-                    <a:p>
-                      <a:pPr marL="0" marR="0" lvl="0" indent="0" algn="l" defTabSz="914400" rtl="0" eaLnBrk="1" fontAlgn="auto" latinLnBrk="0" hangingPunct="1">
-                        <a:lnSpc>
-                          <a:spcPct val="100000"/>
-                        </a:lnSpc>
-                        <a:spcBef>
-                          <a:spcPts val="0"/>
-                        </a:spcBef>
-                        <a:spcAft>
-                          <a:spcPts val="0"/>
-                        </a:spcAft>
-                        <a:buClrTx/>
-                        <a:buSzTx/>
-                        <a:buFontTx/>
-                        <a:buNone/>
-                        <a:tabLst/>
-                        <a:defRPr/>
-                      </a:pPr>
-                      <a:r>
-                        <a:rPr lang="fr-FR" sz="1400" cap="none" spc="0" noProof="0" dirty="0" err="1">
-                          <a:solidFill>
-                            <a:schemeClr val="tx1"/>
-                          </a:solidFill>
-                        </a:rPr>
-                        <a:t>Lorem</a:t>
-                      </a:r>
-                      <a:r>
-                        <a:rPr lang="fr-FR" sz="1400" cap="none" spc="0" noProof="0" dirty="0">
-                          <a:solidFill>
-                            <a:schemeClr val="tx1"/>
-                          </a:solidFill>
-                        </a:rPr>
-                        <a:t> </a:t>
-                      </a:r>
-                      <a:r>
-                        <a:rPr lang="fr-FR" sz="1400" cap="none" spc="0" noProof="0" dirty="0" err="1">
-                          <a:solidFill>
-                            <a:schemeClr val="tx1"/>
-                          </a:solidFill>
-                        </a:rPr>
-                        <a:t>ipsum</a:t>
-                      </a:r>
-                      <a:r>
-                        <a:rPr lang="fr-FR" sz="1400" cap="none" spc="0" noProof="0" dirty="0">
-                          <a:solidFill>
-                            <a:schemeClr val="tx1"/>
-                          </a:solidFill>
-                        </a:rPr>
-                        <a:t> et </a:t>
-                      </a:r>
-                      <a:r>
-                        <a:rPr lang="fr-FR" sz="1400" cap="none" spc="0" noProof="0" dirty="0" err="1">
-                          <a:solidFill>
-                            <a:schemeClr val="tx1"/>
-                          </a:solidFill>
-                        </a:rPr>
-                        <a:t>tula</a:t>
-                      </a:r>
-                      <a:r>
-                        <a:rPr lang="fr-FR" sz="1400" cap="none" spc="0" noProof="0" dirty="0">
-                          <a:solidFill>
-                            <a:schemeClr val="tx1"/>
-                          </a:solidFill>
-                        </a:rPr>
-                        <a:t> </a:t>
-                      </a:r>
-                      <a:r>
-                        <a:rPr lang="fr-FR" sz="1400" cap="none" spc="0" noProof="0" dirty="0" err="1">
-                          <a:solidFill>
-                            <a:schemeClr val="tx1"/>
-                          </a:solidFill>
-                        </a:rPr>
-                        <a:t>lorem</a:t>
-                      </a:r>
-                      <a:r>
-                        <a:rPr lang="fr-FR" sz="1400" cap="none" spc="0" noProof="0" dirty="0">
-                          <a:solidFill>
-                            <a:schemeClr val="tx1"/>
-                          </a:solidFill>
-                        </a:rPr>
-                        <a:t> </a:t>
-                      </a:r>
-                      <a:r>
-                        <a:rPr lang="fr-FR" sz="1400" cap="none" spc="0" noProof="0" dirty="0" err="1">
-                          <a:solidFill>
-                            <a:schemeClr val="tx1"/>
-                          </a:solidFill>
-                        </a:rPr>
-                        <a:t>ipsum</a:t>
-                      </a:r>
-                      <a:r>
-                        <a:rPr lang="fr-FR" sz="1400" cap="none" spc="0" noProof="0" dirty="0">
-                          <a:solidFill>
-                            <a:schemeClr val="tx1"/>
-                          </a:solidFill>
-                        </a:rPr>
-                        <a:t> et </a:t>
-                      </a:r>
-                      <a:r>
-                        <a:rPr lang="fr-FR" sz="1400" cap="none" spc="0" noProof="0" dirty="0" err="1">
-                          <a:solidFill>
-                            <a:schemeClr val="tx1"/>
-                          </a:solidFill>
-                        </a:rPr>
-                        <a:t>lorem</a:t>
-                      </a:r>
-                      <a:r>
-                        <a:rPr lang="fr-FR" sz="1400" cap="none" spc="0" noProof="0" dirty="0">
-                          <a:solidFill>
-                            <a:schemeClr val="tx1"/>
-                          </a:solidFill>
-                        </a:rPr>
-                        <a:t> </a:t>
-                      </a:r>
-                      <a:r>
-                        <a:rPr lang="fr-FR" sz="1400" cap="none" spc="0" noProof="0" dirty="0" err="1">
-                          <a:solidFill>
-                            <a:schemeClr val="tx1"/>
-                          </a:solidFill>
-                        </a:rPr>
-                        <a:t>ipsum</a:t>
-                      </a:r>
-                      <a:r>
-                        <a:rPr lang="fr-FR" sz="1400" cap="none" spc="0" noProof="0" dirty="0">
-                          <a:solidFill>
-                            <a:schemeClr val="tx1"/>
-                          </a:solidFill>
-                        </a:rPr>
-                        <a:t> </a:t>
-                      </a:r>
-                    </a:p>
-                    <a:p>
-                      <a:pPr rtl="0"/>
-                      <a:endParaRPr lang="fr-FR" sz="1400" cap="none" spc="0" noProof="0" dirty="0">
-                        <a:solidFill>
-                          <a:schemeClr val="tx1"/>
-                        </a:solidFill>
-                      </a:endParaRPr>
-                    </a:p>
-                  </a:txBody>
-                  <a:tcPr marL="151061" marR="151061" marT="151061" marB="151061">
-                    <a:lnL w="12700" cmpd="sng">
-                      <a:noFill/>
-                      <a:prstDash val="solid"/>
-                    </a:lnL>
-                    <a:lnR w="12700" cmpd="sng">
-                      <a:noFill/>
-                      <a:prstDash val="solid"/>
-                    </a:lnR>
-                    <a:lnT w="12700" cmpd="sng">
-                      <a:noFill/>
-                      <a:prstDash val="solid"/>
-                    </a:lnT>
-                    <a:lnB w="12700" cmpd="sng">
-                      <a:noFill/>
-                      <a:prstDash val="solid"/>
-                    </a:lnB>
-                    <a:noFill/>
-                  </a:tcPr>
-                </a:tc>
-                <a:tc>
-                  <a:txBody>
-                    <a:bodyPr/>
-                    <a:lstStyle/>
-                    <a:p>
-                      <a:pPr marL="0" marR="0" lvl="0" indent="0" algn="l" defTabSz="914400" rtl="0" eaLnBrk="1" fontAlgn="auto" latinLnBrk="0" hangingPunct="1">
-                        <a:lnSpc>
-                          <a:spcPct val="100000"/>
-                        </a:lnSpc>
-                        <a:spcBef>
-                          <a:spcPts val="0"/>
-                        </a:spcBef>
-                        <a:spcAft>
-                          <a:spcPts val="0"/>
-                        </a:spcAft>
-                        <a:buClrTx/>
-                        <a:buSzTx/>
-                        <a:buFontTx/>
-                        <a:buNone/>
-                        <a:tabLst/>
-                        <a:defRPr/>
-                      </a:pPr>
-                      <a:r>
-                        <a:rPr lang="fr-FR" sz="1400" cap="none" spc="0" noProof="0" dirty="0" err="1">
-                          <a:solidFill>
-                            <a:schemeClr val="tx1"/>
-                          </a:solidFill>
-                        </a:rPr>
-                        <a:t>Lorem</a:t>
-                      </a:r>
-                      <a:r>
-                        <a:rPr lang="fr-FR" sz="1400" cap="none" spc="0" noProof="0" dirty="0">
-                          <a:solidFill>
-                            <a:schemeClr val="tx1"/>
-                          </a:solidFill>
-                        </a:rPr>
-                        <a:t> </a:t>
-                      </a:r>
-                      <a:r>
-                        <a:rPr lang="fr-FR" sz="1400" cap="none" spc="0" noProof="0" dirty="0" err="1">
-                          <a:solidFill>
-                            <a:schemeClr val="tx1"/>
-                          </a:solidFill>
-                        </a:rPr>
-                        <a:t>ipsum</a:t>
-                      </a:r>
-                      <a:r>
-                        <a:rPr lang="fr-FR" sz="1400" cap="none" spc="0" noProof="0" dirty="0">
-                          <a:solidFill>
-                            <a:schemeClr val="tx1"/>
-                          </a:solidFill>
-                        </a:rPr>
-                        <a:t> et </a:t>
-                      </a:r>
-                      <a:r>
-                        <a:rPr lang="fr-FR" sz="1400" cap="none" spc="0" noProof="0" dirty="0" err="1">
-                          <a:solidFill>
-                            <a:schemeClr val="tx1"/>
-                          </a:solidFill>
-                        </a:rPr>
-                        <a:t>tula</a:t>
-                      </a:r>
-                      <a:r>
-                        <a:rPr lang="fr-FR" sz="1400" cap="none" spc="0" noProof="0" dirty="0">
-                          <a:solidFill>
-                            <a:schemeClr val="tx1"/>
-                          </a:solidFill>
-                        </a:rPr>
-                        <a:t> </a:t>
-                      </a:r>
-                      <a:r>
-                        <a:rPr lang="fr-FR" sz="1400" cap="none" spc="0" noProof="0" dirty="0" err="1">
-                          <a:solidFill>
-                            <a:schemeClr val="tx1"/>
-                          </a:solidFill>
-                        </a:rPr>
-                        <a:t>lorem</a:t>
-                      </a:r>
-                      <a:r>
-                        <a:rPr lang="fr-FR" sz="1400" cap="none" spc="0" noProof="0" dirty="0">
-                          <a:solidFill>
-                            <a:schemeClr val="tx1"/>
-                          </a:solidFill>
-                        </a:rPr>
-                        <a:t> </a:t>
-                      </a:r>
-                      <a:r>
-                        <a:rPr lang="fr-FR" sz="1400" cap="none" spc="0" noProof="0" dirty="0" err="1">
-                          <a:solidFill>
-                            <a:schemeClr val="tx1"/>
-                          </a:solidFill>
-                        </a:rPr>
-                        <a:t>ipsum</a:t>
-                      </a:r>
-                      <a:r>
-                        <a:rPr lang="fr-FR" sz="1400" cap="none" spc="0" noProof="0" dirty="0">
-                          <a:solidFill>
-                            <a:schemeClr val="tx1"/>
-                          </a:solidFill>
-                        </a:rPr>
-                        <a:t> et </a:t>
-                      </a:r>
-                      <a:r>
-                        <a:rPr lang="fr-FR" sz="1400" cap="none" spc="0" noProof="0" dirty="0" err="1">
-                          <a:solidFill>
-                            <a:schemeClr val="tx1"/>
-                          </a:solidFill>
-                        </a:rPr>
-                        <a:t>lorem</a:t>
-                      </a:r>
-                      <a:r>
-                        <a:rPr lang="fr-FR" sz="1400" cap="none" spc="0" noProof="0" dirty="0">
-                          <a:solidFill>
-                            <a:schemeClr val="tx1"/>
-                          </a:solidFill>
-                        </a:rPr>
-                        <a:t> </a:t>
-                      </a:r>
-                      <a:r>
-                        <a:rPr lang="fr-FR" sz="1400" cap="none" spc="0" noProof="0" dirty="0" err="1">
-                          <a:solidFill>
-                            <a:schemeClr val="tx1"/>
-                          </a:solidFill>
-                        </a:rPr>
-                        <a:t>ipsum</a:t>
-                      </a:r>
-                      <a:r>
-                        <a:rPr lang="fr-FR" sz="1400" cap="none" spc="0" noProof="0" dirty="0">
-                          <a:solidFill>
-                            <a:schemeClr val="tx1"/>
-                          </a:solidFill>
-                        </a:rPr>
-                        <a:t> </a:t>
-                      </a:r>
-                    </a:p>
-                    <a:p>
-                      <a:pPr rtl="0"/>
-                      <a:endParaRPr lang="fr-FR" sz="1400" cap="none" spc="0" noProof="0" dirty="0">
-                        <a:solidFill>
-                          <a:schemeClr val="tx1"/>
-                        </a:solidFill>
-                      </a:endParaRPr>
-                    </a:p>
-                  </a:txBody>
-                  <a:tcPr marL="151061" marR="151061" marT="151061" marB="151061">
-                    <a:lnL w="12700" cmpd="sng">
-                      <a:noFill/>
-                      <a:prstDash val="solid"/>
-                    </a:lnL>
-                    <a:lnR w="12700" cmpd="sng">
-                      <a:noFill/>
-                      <a:prstDash val="solid"/>
-                    </a:lnR>
-                    <a:lnT w="12700" cmpd="sng">
-                      <a:noFill/>
-                      <a:prstDash val="solid"/>
-                    </a:lnT>
-                    <a:lnB w="12700" cmpd="sng">
-                      <a:noFill/>
-                      <a:prstDash val="solid"/>
-                    </a:lnB>
-                    <a:noFill/>
-                  </a:tcPr>
-                </a:tc>
-                <a:tc>
-                  <a:txBody>
-                    <a:bodyPr/>
-                    <a:lstStyle/>
-                    <a:p>
-                      <a:pPr marL="0" marR="0" lvl="0" indent="0" algn="l" defTabSz="914400" rtl="0" eaLnBrk="1" fontAlgn="auto" latinLnBrk="0" hangingPunct="1">
-                        <a:lnSpc>
-                          <a:spcPct val="100000"/>
-                        </a:lnSpc>
-                        <a:spcBef>
-                          <a:spcPts val="0"/>
-                        </a:spcBef>
-                        <a:spcAft>
-                          <a:spcPts val="0"/>
-                        </a:spcAft>
-                        <a:buClrTx/>
-                        <a:buSzTx/>
-                        <a:buFontTx/>
-                        <a:buNone/>
-                        <a:tabLst/>
-                        <a:defRPr/>
-                      </a:pPr>
-                      <a:r>
-                        <a:rPr lang="fr-FR" sz="1400" cap="none" spc="0" noProof="0" dirty="0" err="1">
-                          <a:solidFill>
-                            <a:schemeClr val="tx1"/>
-                          </a:solidFill>
-                        </a:rPr>
-                        <a:t>Lorem</a:t>
-                      </a:r>
-                      <a:r>
-                        <a:rPr lang="fr-FR" sz="1400" cap="none" spc="0" noProof="0" dirty="0">
-                          <a:solidFill>
-                            <a:schemeClr val="tx1"/>
-                          </a:solidFill>
-                        </a:rPr>
-                        <a:t> </a:t>
-                      </a:r>
-                      <a:r>
-                        <a:rPr lang="fr-FR" sz="1400" cap="none" spc="0" noProof="0" dirty="0" err="1">
-                          <a:solidFill>
-                            <a:schemeClr val="tx1"/>
-                          </a:solidFill>
-                        </a:rPr>
-                        <a:t>ipsum</a:t>
-                      </a:r>
-                      <a:r>
-                        <a:rPr lang="fr-FR" sz="1400" cap="none" spc="0" noProof="0" dirty="0">
-                          <a:solidFill>
-                            <a:schemeClr val="tx1"/>
-                          </a:solidFill>
-                        </a:rPr>
-                        <a:t> et </a:t>
-                      </a:r>
-                      <a:r>
-                        <a:rPr lang="fr-FR" sz="1400" cap="none" spc="0" noProof="0" dirty="0" err="1">
-                          <a:solidFill>
-                            <a:schemeClr val="tx1"/>
-                          </a:solidFill>
-                        </a:rPr>
-                        <a:t>tula</a:t>
-                      </a:r>
-                      <a:r>
-                        <a:rPr lang="fr-FR" sz="1400" cap="none" spc="0" noProof="0" dirty="0">
-                          <a:solidFill>
-                            <a:schemeClr val="tx1"/>
-                          </a:solidFill>
-                        </a:rPr>
-                        <a:t> </a:t>
-                      </a:r>
-                      <a:r>
-                        <a:rPr lang="fr-FR" sz="1400" cap="none" spc="0" noProof="0" dirty="0" err="1">
-                          <a:solidFill>
-                            <a:schemeClr val="tx1"/>
-                          </a:solidFill>
-                        </a:rPr>
-                        <a:t>lorem</a:t>
-                      </a:r>
-                      <a:r>
-                        <a:rPr lang="fr-FR" sz="1400" cap="none" spc="0" noProof="0" dirty="0">
-                          <a:solidFill>
-                            <a:schemeClr val="tx1"/>
-                          </a:solidFill>
-                        </a:rPr>
-                        <a:t> </a:t>
-                      </a:r>
-                      <a:r>
-                        <a:rPr lang="fr-FR" sz="1400" cap="none" spc="0" noProof="0" dirty="0" err="1">
-                          <a:solidFill>
-                            <a:schemeClr val="tx1"/>
-                          </a:solidFill>
-                        </a:rPr>
-                        <a:t>ipsum</a:t>
-                      </a:r>
-                      <a:r>
-                        <a:rPr lang="fr-FR" sz="1400" cap="none" spc="0" noProof="0" dirty="0">
-                          <a:solidFill>
-                            <a:schemeClr val="tx1"/>
-                          </a:solidFill>
-                        </a:rPr>
-                        <a:t> et </a:t>
-                      </a:r>
-                      <a:r>
-                        <a:rPr lang="fr-FR" sz="1400" cap="none" spc="0" noProof="0" dirty="0" err="1">
-                          <a:solidFill>
-                            <a:schemeClr val="tx1"/>
-                          </a:solidFill>
-                        </a:rPr>
-                        <a:t>lorem</a:t>
-                      </a:r>
-                      <a:r>
-                        <a:rPr lang="fr-FR" sz="1400" cap="none" spc="0" noProof="0" dirty="0">
-                          <a:solidFill>
-                            <a:schemeClr val="tx1"/>
-                          </a:solidFill>
-                        </a:rPr>
-                        <a:t> </a:t>
-                      </a:r>
-                      <a:r>
-                        <a:rPr lang="fr-FR" sz="1400" cap="none" spc="0" noProof="0" dirty="0" err="1">
-                          <a:solidFill>
-                            <a:schemeClr val="tx1"/>
-                          </a:solidFill>
-                        </a:rPr>
-                        <a:t>ipsum</a:t>
-                      </a:r>
-                      <a:r>
-                        <a:rPr lang="fr-FR" sz="1400" cap="none" spc="0" noProof="0" dirty="0">
-                          <a:solidFill>
-                            <a:schemeClr val="tx1"/>
-                          </a:solidFill>
-                        </a:rPr>
-                        <a:t> </a:t>
-                      </a:r>
-                    </a:p>
-                    <a:p>
-                      <a:pPr rtl="0"/>
-                      <a:endParaRPr lang="fr-FR" sz="1400" cap="none" spc="0" noProof="0" dirty="0">
-                        <a:solidFill>
-                          <a:schemeClr val="tx1"/>
-                        </a:solidFill>
-                      </a:endParaRPr>
-                    </a:p>
-                  </a:txBody>
-                  <a:tcPr marL="151061" marR="151061" marT="151061" marB="151061">
-                    <a:lnL w="12700" cmpd="sng">
-                      <a:noFill/>
-                      <a:prstDash val="solid"/>
-                    </a:lnL>
-                    <a:lnR w="12700" cmpd="sng">
-                      <a:noFill/>
-                      <a:prstDash val="solid"/>
-                    </a:lnR>
-                    <a:lnT w="12700" cmpd="sng">
-                      <a:noFill/>
-                      <a:prstDash val="solid"/>
-                    </a:lnT>
-                    <a:lnB w="12700" cmpd="sng">
-                      <a:noFill/>
-                      <a:prstDash val="solid"/>
-                    </a:lnB>
-                    <a:noFill/>
-                  </a:tcPr>
-                </a:tc>
-                <a:tc>
-                  <a:txBody>
-                    <a:bodyPr/>
-                    <a:lstStyle/>
-                    <a:p>
-                      <a:pPr marL="0" marR="0" lvl="0" indent="0" algn="l" defTabSz="914400" rtl="0" eaLnBrk="1" fontAlgn="auto" latinLnBrk="0" hangingPunct="1">
-                        <a:lnSpc>
-                          <a:spcPct val="100000"/>
-                        </a:lnSpc>
-                        <a:spcBef>
-                          <a:spcPts val="0"/>
-                        </a:spcBef>
-                        <a:spcAft>
-                          <a:spcPts val="0"/>
-                        </a:spcAft>
-                        <a:buClrTx/>
-                        <a:buSzTx/>
-                        <a:buFontTx/>
-                        <a:buNone/>
-                        <a:tabLst/>
-                        <a:defRPr/>
-                      </a:pPr>
-                      <a:r>
-                        <a:rPr lang="fr-FR" sz="1400" cap="none" spc="0" noProof="0" dirty="0" err="1">
-                          <a:solidFill>
-                            <a:schemeClr val="tx1"/>
-                          </a:solidFill>
-                        </a:rPr>
-                        <a:t>Lorem</a:t>
-                      </a:r>
-                      <a:r>
-                        <a:rPr lang="fr-FR" sz="1400" cap="none" spc="0" noProof="0" dirty="0">
-                          <a:solidFill>
-                            <a:schemeClr val="tx1"/>
-                          </a:solidFill>
-                        </a:rPr>
-                        <a:t> </a:t>
-                      </a:r>
-                      <a:r>
-                        <a:rPr lang="fr-FR" sz="1400" cap="none" spc="0" noProof="0" dirty="0" err="1">
-                          <a:solidFill>
-                            <a:schemeClr val="tx1"/>
-                          </a:solidFill>
-                        </a:rPr>
-                        <a:t>ipsum</a:t>
-                      </a:r>
-                      <a:r>
-                        <a:rPr lang="fr-FR" sz="1400" cap="none" spc="0" noProof="0" dirty="0">
-                          <a:solidFill>
-                            <a:schemeClr val="tx1"/>
-                          </a:solidFill>
-                        </a:rPr>
-                        <a:t> et </a:t>
-                      </a:r>
-                      <a:r>
-                        <a:rPr lang="fr-FR" sz="1400" cap="none" spc="0" noProof="0" dirty="0" err="1">
-                          <a:solidFill>
-                            <a:schemeClr val="tx1"/>
-                          </a:solidFill>
-                        </a:rPr>
-                        <a:t>tula</a:t>
-                      </a:r>
-                      <a:r>
-                        <a:rPr lang="fr-FR" sz="1400" cap="none" spc="0" noProof="0" dirty="0">
-                          <a:solidFill>
-                            <a:schemeClr val="tx1"/>
-                          </a:solidFill>
-                        </a:rPr>
-                        <a:t> </a:t>
-                      </a:r>
-                      <a:r>
-                        <a:rPr lang="fr-FR" sz="1400" cap="none" spc="0" noProof="0" dirty="0" err="1">
-                          <a:solidFill>
-                            <a:schemeClr val="tx1"/>
-                          </a:solidFill>
-                        </a:rPr>
-                        <a:t>lorem</a:t>
-                      </a:r>
-                      <a:r>
-                        <a:rPr lang="fr-FR" sz="1400" cap="none" spc="0" noProof="0" dirty="0">
-                          <a:solidFill>
-                            <a:schemeClr val="tx1"/>
-                          </a:solidFill>
-                        </a:rPr>
-                        <a:t> </a:t>
-                      </a:r>
-                      <a:r>
-                        <a:rPr lang="fr-FR" sz="1400" cap="none" spc="0" noProof="0" dirty="0" err="1">
-                          <a:solidFill>
-                            <a:schemeClr val="tx1"/>
-                          </a:solidFill>
-                        </a:rPr>
-                        <a:t>ipsum</a:t>
-                      </a:r>
-                      <a:r>
-                        <a:rPr lang="fr-FR" sz="1400" cap="none" spc="0" noProof="0" dirty="0">
-                          <a:solidFill>
-                            <a:schemeClr val="tx1"/>
-                          </a:solidFill>
-                        </a:rPr>
-                        <a:t> et </a:t>
-                      </a:r>
-                      <a:r>
-                        <a:rPr lang="fr-FR" sz="1400" cap="none" spc="0" noProof="0" dirty="0" err="1">
-                          <a:solidFill>
-                            <a:schemeClr val="tx1"/>
-                          </a:solidFill>
-                        </a:rPr>
-                        <a:t>lorem</a:t>
-                      </a:r>
-                      <a:r>
-                        <a:rPr lang="fr-FR" sz="1400" cap="none" spc="0" noProof="0" dirty="0">
-                          <a:solidFill>
-                            <a:schemeClr val="tx1"/>
-                          </a:solidFill>
-                        </a:rPr>
-                        <a:t> </a:t>
-                      </a:r>
-                      <a:r>
-                        <a:rPr lang="fr-FR" sz="1400" cap="none" spc="0" noProof="0" dirty="0" err="1">
-                          <a:solidFill>
-                            <a:schemeClr val="tx1"/>
-                          </a:solidFill>
-                        </a:rPr>
-                        <a:t>ipsum</a:t>
-                      </a:r>
-                      <a:r>
-                        <a:rPr lang="fr-FR" sz="1400" cap="none" spc="0" noProof="0" dirty="0">
-                          <a:solidFill>
-                            <a:schemeClr val="tx1"/>
-                          </a:solidFill>
-                        </a:rPr>
-                        <a:t> </a:t>
-                      </a:r>
-                    </a:p>
-                    <a:p>
-                      <a:pPr rtl="0"/>
-                      <a:endParaRPr lang="fr-FR" sz="1400" cap="none" spc="0" noProof="0" dirty="0">
-                        <a:solidFill>
-                          <a:schemeClr val="tx1"/>
-                        </a:solidFill>
-                      </a:endParaRPr>
-                    </a:p>
-                  </a:txBody>
-                  <a:tcPr marL="151061" marR="151061" marT="151061" marB="151061">
-                    <a:lnL w="12700" cmpd="sng">
-                      <a:noFill/>
-                      <a:prstDash val="solid"/>
-                    </a:lnL>
-                    <a:lnR w="12700" cmpd="sng">
-                      <a:noFill/>
-                      <a:prstDash val="solid"/>
-                    </a:lnR>
-                    <a:lnT w="12700" cmpd="sng">
-                      <a:noFill/>
-                      <a:prstDash val="solid"/>
-                    </a:lnT>
-                    <a:lnB w="12700" cmpd="sng">
-                      <a:noFill/>
-                      <a:prstDash val="solid"/>
-                    </a:lnB>
-                    <a:noFill/>
-                  </a:tcPr>
-                </a:tc>
-                <a:extLst>
-                  <a:ext uri="{0D108BD9-81ED-4DB2-BD59-A6C34878D82A}">
-                    <a16:rowId xmlns:a16="http://schemas.microsoft.com/office/drawing/2014/main" val="2578144993"/>
-                  </a:ext>
-                </a:extLst>
-              </a:tr>
-            </a:tbl>
-          </a:graphicData>
-        </a:graphic>
-      </p:graphicFrame>
+          <p:cNvPicPr>
+            <a:picLocks noChangeAspect="1"/>
+          </p:cNvPicPr>
+          <p:nvPr/>
+        </p:nvPicPr>
+        <p:blipFill>
+          <a:blip r:embed="rId4"/>
+          <a:stretch>
+            <a:fillRect/>
+          </a:stretch>
+        </p:blipFill>
+        <p:spPr>
+          <a:xfrm>
+            <a:off x="1164291" y="2140654"/>
+            <a:ext cx="1750695" cy="3800475"/>
+          </a:xfrm>
+          <a:prstGeom prst="rect">
+            <a:avLst/>
+          </a:prstGeom>
+        </p:spPr>
+      </p:pic>
+      <p:pic>
+        <p:nvPicPr>
+          <p:cNvPr id="8" name="Image 7">
+            <a:extLst>
+              <a:ext uri="{FF2B5EF4-FFF2-40B4-BE49-F238E27FC236}">
+                <a16:creationId xmlns:a16="http://schemas.microsoft.com/office/drawing/2014/main" id="{99CC872D-38D2-A08F-CF39-12E01DA5DD65}"/>
+              </a:ext>
+            </a:extLst>
+          </p:cNvPr>
+          <p:cNvPicPr>
+            <a:picLocks noChangeAspect="1"/>
+          </p:cNvPicPr>
+          <p:nvPr/>
+        </p:nvPicPr>
+        <p:blipFill>
+          <a:blip r:embed="rId5"/>
+          <a:stretch>
+            <a:fillRect/>
+          </a:stretch>
+        </p:blipFill>
+        <p:spPr>
+          <a:xfrm>
+            <a:off x="3669911" y="3089076"/>
+            <a:ext cx="7357798" cy="1056450"/>
+          </a:xfrm>
+          <a:prstGeom prst="rect">
+            <a:avLst/>
+          </a:prstGeom>
+        </p:spPr>
+      </p:pic>
     </p:spTree>
     <p:extLst>
       <p:ext uri="{BB962C8B-B14F-4D97-AF65-F5344CB8AC3E}">
         <p14:creationId xmlns:p14="http://schemas.microsoft.com/office/powerpoint/2010/main" val="2933514334"/>
+      </p:ext>
+    </p:extLst>
+  </p:cSld>
+  <p:clrMapOvr>
+    <a:masterClrMapping/>
+  </p:clrMapOvr>
+</p:sld>
+</file>
+
+<file path=ppt/slides/slide3.xml><?xml version="1.0" encoding="utf-8"?>
+<p:sld xmlns:a="http://schemas.openxmlformats.org/drawingml/2006/main" xmlns:r="http://schemas.openxmlformats.org/officeDocument/2006/relationships" xmlns:p="http://schemas.openxmlformats.org/presentationml/2006/main">
+  <p:cSld>
+    <p:bg>
+      <p:bgPr>
+        <a:solidFill>
+          <a:schemeClr val="bg1"/>
+        </a:solidFill>
+        <a:effectLst/>
+      </p:bgPr>
+    </p:bg>
+    <p:spTree>
+      <p:nvGrpSpPr>
+        <p:cNvPr id="1" name=""/>
+        <p:cNvGrpSpPr/>
+        <p:nvPr/>
+      </p:nvGrpSpPr>
+      <p:grpSpPr>
+        <a:xfrm>
+          <a:off x="0" y="0"/>
+          <a:ext cx="0" cy="0"/>
+          <a:chOff x="0" y="0"/>
+          <a:chExt cx="0" cy="0"/>
+        </a:xfrm>
+      </p:grpSpPr>
+      <p:sp>
+        <p:nvSpPr>
+          <p:cNvPr id="2" name="Titre 1">
+            <a:extLst>
+              <a:ext uri="{FF2B5EF4-FFF2-40B4-BE49-F238E27FC236}">
+                <a16:creationId xmlns:a16="http://schemas.microsoft.com/office/drawing/2014/main" id="{75AC86D3-8FD1-4F47-A319-7D0542E48B2F}"/>
+              </a:ext>
+            </a:extLst>
+          </p:cNvPr>
+          <p:cNvSpPr>
+            <a:spLocks noGrp="1"/>
+          </p:cNvSpPr>
+          <p:nvPr>
+            <p:ph type="title"/>
+          </p:nvPr>
+        </p:nvSpPr>
+        <p:spPr>
+          <a:xfrm>
+            <a:off x="1097280" y="286603"/>
+            <a:ext cx="10058400" cy="1450757"/>
+          </a:xfrm>
+        </p:spPr>
+        <p:txBody>
+          <a:bodyPr vert="horz" lIns="91440" tIns="45720" rIns="91440" bIns="45720" rtlCol="0">
+            <a:normAutofit/>
+          </a:bodyPr>
+          <a:lstStyle/>
+          <a:p>
+            <a:r>
+              <a:rPr lang="fr-FR" dirty="0"/>
+              <a:t>Analyse 1 : Nombre de doses</a:t>
+            </a:r>
+          </a:p>
+        </p:txBody>
+      </p:sp>
+      <p:pic>
+        <p:nvPicPr>
+          <p:cNvPr id="3" name="Image 2">
+            <a:extLst>
+              <a:ext uri="{FF2B5EF4-FFF2-40B4-BE49-F238E27FC236}">
+                <a16:creationId xmlns:a16="http://schemas.microsoft.com/office/drawing/2014/main" id="{B9E799B4-DAC6-9812-3080-37931D2474BB}"/>
+              </a:ext>
+            </a:extLst>
+          </p:cNvPr>
+          <p:cNvPicPr>
+            <a:picLocks noChangeAspect="1"/>
+          </p:cNvPicPr>
+          <p:nvPr/>
+        </p:nvPicPr>
+        <p:blipFill>
+          <a:blip r:embed="rId4"/>
+          <a:stretch>
+            <a:fillRect/>
+          </a:stretch>
+        </p:blipFill>
+        <p:spPr>
+          <a:xfrm>
+            <a:off x="145040" y="2415166"/>
+            <a:ext cx="5760085" cy="3811270"/>
+          </a:xfrm>
+          <a:prstGeom prst="rect">
+            <a:avLst/>
+          </a:prstGeom>
+        </p:spPr>
+      </p:pic>
+      <p:pic>
+        <p:nvPicPr>
+          <p:cNvPr id="5" name="Image 4">
+            <a:extLst>
+              <a:ext uri="{FF2B5EF4-FFF2-40B4-BE49-F238E27FC236}">
+                <a16:creationId xmlns:a16="http://schemas.microsoft.com/office/drawing/2014/main" id="{669DFECB-D87D-4032-F13F-944A8B510333}"/>
+              </a:ext>
+            </a:extLst>
+          </p:cNvPr>
+          <p:cNvPicPr>
+            <a:picLocks noChangeAspect="1"/>
+          </p:cNvPicPr>
+          <p:nvPr/>
+        </p:nvPicPr>
+        <p:blipFill>
+          <a:blip r:embed="rId5"/>
+          <a:stretch>
+            <a:fillRect/>
+          </a:stretch>
+        </p:blipFill>
+        <p:spPr>
+          <a:xfrm>
+            <a:off x="4977807" y="2223903"/>
+            <a:ext cx="6617885" cy="904307"/>
+          </a:xfrm>
+          <a:prstGeom prst="rect">
+            <a:avLst/>
+          </a:prstGeom>
+        </p:spPr>
+      </p:pic>
+    </p:spTree>
+    <p:extLst>
+      <p:ext uri="{BB962C8B-B14F-4D97-AF65-F5344CB8AC3E}">
+        <p14:creationId xmlns:p14="http://schemas.microsoft.com/office/powerpoint/2010/main" val="195958555"/>
+      </p:ext>
+    </p:extLst>
+  </p:cSld>
+  <p:clrMapOvr>
+    <a:masterClrMapping/>
+  </p:clrMapOvr>
+</p:sld>
+</file>
+
+<file path=ppt/slides/slide4.xml><?xml version="1.0" encoding="utf-8"?>
+<p:sld xmlns:a="http://schemas.openxmlformats.org/drawingml/2006/main" xmlns:r="http://schemas.openxmlformats.org/officeDocument/2006/relationships" xmlns:p="http://schemas.openxmlformats.org/presentationml/2006/main">
+  <p:cSld>
+    <p:spTree>
+      <p:nvGrpSpPr>
+        <p:cNvPr id="1" name=""/>
+        <p:cNvGrpSpPr/>
+        <p:nvPr/>
+      </p:nvGrpSpPr>
+      <p:grpSpPr>
+        <a:xfrm>
+          <a:off x="0" y="0"/>
+          <a:ext cx="0" cy="0"/>
+          <a:chOff x="0" y="0"/>
+          <a:chExt cx="0" cy="0"/>
+        </a:xfrm>
+      </p:grpSpPr>
+      <p:sp>
+        <p:nvSpPr>
+          <p:cNvPr id="2" name="Titre 1">
+            <a:extLst>
+              <a:ext uri="{FF2B5EF4-FFF2-40B4-BE49-F238E27FC236}">
+                <a16:creationId xmlns:a16="http://schemas.microsoft.com/office/drawing/2014/main" id="{0D36E084-7C94-E141-D02F-80090670BE2D}"/>
+              </a:ext>
+            </a:extLst>
+          </p:cNvPr>
+          <p:cNvSpPr>
+            <a:spLocks noGrp="1"/>
+          </p:cNvSpPr>
+          <p:nvPr>
+            <p:ph type="title"/>
+          </p:nvPr>
+        </p:nvSpPr>
+        <p:spPr/>
+        <p:txBody>
+          <a:bodyPr/>
+          <a:lstStyle/>
+          <a:p>
+            <a:r>
+              <a:rPr lang="fr-FR" dirty="0"/>
+              <a:t>Analyse 1 : Nombre de doses</a:t>
+            </a:r>
+          </a:p>
+        </p:txBody>
+      </p:sp>
+      <p:sp>
+        <p:nvSpPr>
+          <p:cNvPr id="3" name="Espace réservé du contenu 2">
+            <a:extLst>
+              <a:ext uri="{FF2B5EF4-FFF2-40B4-BE49-F238E27FC236}">
+                <a16:creationId xmlns:a16="http://schemas.microsoft.com/office/drawing/2014/main" id="{F408AF1D-0725-7EE1-938C-D2F8E03F777A}"/>
+              </a:ext>
+            </a:extLst>
+          </p:cNvPr>
+          <p:cNvSpPr>
+            <a:spLocks noGrp="1"/>
+          </p:cNvSpPr>
+          <p:nvPr>
+            <p:ph idx="1"/>
+          </p:nvPr>
+        </p:nvSpPr>
+        <p:spPr/>
+        <p:txBody>
+          <a:bodyPr/>
+          <a:lstStyle/>
+          <a:p>
+            <a:endParaRPr lang="fr-FR" dirty="0"/>
+          </a:p>
+        </p:txBody>
+      </p:sp>
+    </p:spTree>
+    <p:extLst>
+      <p:ext uri="{BB962C8B-B14F-4D97-AF65-F5344CB8AC3E}">
+        <p14:creationId xmlns:p14="http://schemas.microsoft.com/office/powerpoint/2010/main" val="2975657321"/>
+      </p:ext>
+    </p:extLst>
+  </p:cSld>
+  <p:clrMapOvr>
+    <a:masterClrMapping/>
+  </p:clrMapOvr>
+</p:sld>
+</file>
+
+<file path=ppt/slides/slide5.xml><?xml version="1.0" encoding="utf-8"?>
+<p:sld xmlns:a="http://schemas.openxmlformats.org/drawingml/2006/main" xmlns:r="http://schemas.openxmlformats.org/officeDocument/2006/relationships" xmlns:p="http://schemas.openxmlformats.org/presentationml/2006/main">
+  <p:cSld>
+    <p:bg>
+      <p:bgPr>
+        <a:solidFill>
+          <a:schemeClr val="bg1"/>
+        </a:solidFill>
+        <a:effectLst/>
+      </p:bgPr>
+    </p:bg>
+    <p:spTree>
+      <p:nvGrpSpPr>
+        <p:cNvPr id="1" name=""/>
+        <p:cNvGrpSpPr/>
+        <p:nvPr/>
+      </p:nvGrpSpPr>
+      <p:grpSpPr>
+        <a:xfrm>
+          <a:off x="0" y="0"/>
+          <a:ext cx="0" cy="0"/>
+          <a:chOff x="0" y="0"/>
+          <a:chExt cx="0" cy="0"/>
+        </a:xfrm>
+      </p:grpSpPr>
+      <p:sp>
+        <p:nvSpPr>
+          <p:cNvPr id="2" name="Titre 1">
+            <a:extLst>
+              <a:ext uri="{FF2B5EF4-FFF2-40B4-BE49-F238E27FC236}">
+                <a16:creationId xmlns:a16="http://schemas.microsoft.com/office/drawing/2014/main" id="{75AC86D3-8FD1-4F47-A319-7D0542E48B2F}"/>
+              </a:ext>
+            </a:extLst>
+          </p:cNvPr>
+          <p:cNvSpPr>
+            <a:spLocks noGrp="1"/>
+          </p:cNvSpPr>
+          <p:nvPr>
+            <p:ph type="title"/>
+          </p:nvPr>
+        </p:nvSpPr>
+        <p:spPr>
+          <a:xfrm>
+            <a:off x="1097279" y="286603"/>
+            <a:ext cx="10679917" cy="1450757"/>
+          </a:xfrm>
+        </p:spPr>
+        <p:txBody>
+          <a:bodyPr vert="horz" lIns="91440" tIns="45720" rIns="91440" bIns="45720" rtlCol="0">
+            <a:normAutofit/>
+          </a:bodyPr>
+          <a:lstStyle/>
+          <a:p>
+            <a:r>
+              <a:rPr lang="fr-FR" dirty="0"/>
+              <a:t>Analyse 2 : Nombre vacciné (2R,HF)</a:t>
+            </a:r>
+          </a:p>
+        </p:txBody>
+      </p:sp>
+      <p:pic>
+        <p:nvPicPr>
+          <p:cNvPr id="3" name="Image 2" descr="Une image contenant table&#10;&#10;Description générée automatiquement">
+            <a:extLst>
+              <a:ext uri="{FF2B5EF4-FFF2-40B4-BE49-F238E27FC236}">
+                <a16:creationId xmlns:a16="http://schemas.microsoft.com/office/drawing/2014/main" id="{4E102902-F8A4-19D6-8FB6-FFA27522A581}"/>
+              </a:ext>
+            </a:extLst>
+          </p:cNvPr>
+          <p:cNvPicPr>
+            <a:picLocks noChangeAspect="1"/>
+          </p:cNvPicPr>
+          <p:nvPr/>
+        </p:nvPicPr>
+        <p:blipFill>
+          <a:blip r:embed="rId4"/>
+          <a:stretch>
+            <a:fillRect/>
+          </a:stretch>
+        </p:blipFill>
+        <p:spPr>
+          <a:xfrm>
+            <a:off x="653356" y="2349471"/>
+            <a:ext cx="3807956" cy="3521939"/>
+          </a:xfrm>
+          <a:prstGeom prst="rect">
+            <a:avLst/>
+          </a:prstGeom>
+        </p:spPr>
+      </p:pic>
+      <p:pic>
+        <p:nvPicPr>
+          <p:cNvPr id="5" name="Image 4">
+            <a:extLst>
+              <a:ext uri="{FF2B5EF4-FFF2-40B4-BE49-F238E27FC236}">
+                <a16:creationId xmlns:a16="http://schemas.microsoft.com/office/drawing/2014/main" id="{FCCF3473-3406-11C1-E131-1BA0A294F801}"/>
+              </a:ext>
+            </a:extLst>
+          </p:cNvPr>
+          <p:cNvPicPr>
+            <a:picLocks noChangeAspect="1"/>
+          </p:cNvPicPr>
+          <p:nvPr/>
+        </p:nvPicPr>
+        <p:blipFill>
+          <a:blip r:embed="rId5"/>
+          <a:stretch>
+            <a:fillRect/>
+          </a:stretch>
+        </p:blipFill>
+        <p:spPr>
+          <a:xfrm>
+            <a:off x="4779481" y="3224787"/>
+            <a:ext cx="7080218" cy="885653"/>
+          </a:xfrm>
+          <a:prstGeom prst="rect">
+            <a:avLst/>
+          </a:prstGeom>
+        </p:spPr>
+      </p:pic>
+    </p:spTree>
+    <p:extLst>
+      <p:ext uri="{BB962C8B-B14F-4D97-AF65-F5344CB8AC3E}">
+        <p14:creationId xmlns:p14="http://schemas.microsoft.com/office/powerpoint/2010/main" val="3163268142"/>
+      </p:ext>
+    </p:extLst>
+  </p:cSld>
+  <p:clrMapOvr>
+    <a:masterClrMapping/>
+  </p:clrMapOvr>
+</p:sld>
+</file>
+
+<file path=ppt/slides/slide6.xml><?xml version="1.0" encoding="utf-8"?>
+<p:sld xmlns:a="http://schemas.openxmlformats.org/drawingml/2006/main" xmlns:r="http://schemas.openxmlformats.org/officeDocument/2006/relationships" xmlns:p="http://schemas.openxmlformats.org/presentationml/2006/main">
+  <p:cSld>
+    <p:bg>
+      <p:bgPr>
+        <a:solidFill>
+          <a:schemeClr val="bg1"/>
+        </a:solidFill>
+        <a:effectLst/>
+      </p:bgPr>
+    </p:bg>
+    <p:spTree>
+      <p:nvGrpSpPr>
+        <p:cNvPr id="1" name=""/>
+        <p:cNvGrpSpPr/>
+        <p:nvPr/>
+      </p:nvGrpSpPr>
+      <p:grpSpPr>
+        <a:xfrm>
+          <a:off x="0" y="0"/>
+          <a:ext cx="0" cy="0"/>
+          <a:chOff x="0" y="0"/>
+          <a:chExt cx="0" cy="0"/>
+        </a:xfrm>
+      </p:grpSpPr>
+      <p:sp>
+        <p:nvSpPr>
+          <p:cNvPr id="2" name="Titre 1">
+            <a:extLst>
+              <a:ext uri="{FF2B5EF4-FFF2-40B4-BE49-F238E27FC236}">
+                <a16:creationId xmlns:a16="http://schemas.microsoft.com/office/drawing/2014/main" id="{75AC86D3-8FD1-4F47-A319-7D0542E48B2F}"/>
+              </a:ext>
+            </a:extLst>
+          </p:cNvPr>
+          <p:cNvSpPr>
+            <a:spLocks noGrp="1"/>
+          </p:cNvSpPr>
+          <p:nvPr>
+            <p:ph type="title"/>
+          </p:nvPr>
+        </p:nvSpPr>
+        <p:spPr>
+          <a:xfrm>
+            <a:off x="1097279" y="286603"/>
+            <a:ext cx="10679917" cy="1450757"/>
+          </a:xfrm>
+        </p:spPr>
+        <p:txBody>
+          <a:bodyPr vert="horz" lIns="91440" tIns="45720" rIns="91440" bIns="45720" rtlCol="0">
+            <a:normAutofit/>
+          </a:bodyPr>
+          <a:lstStyle/>
+          <a:p>
+            <a:r>
+              <a:rPr lang="fr-FR" dirty="0"/>
+              <a:t>Analyse 2 : Nombre vacciné (2R,HF)</a:t>
+            </a:r>
+          </a:p>
+        </p:txBody>
+      </p:sp>
+      <p:pic>
+        <p:nvPicPr>
+          <p:cNvPr id="3" name="Image 2" descr="Une image contenant table&#10;&#10;Description générée automatiquement">
+            <a:extLst>
+              <a:ext uri="{FF2B5EF4-FFF2-40B4-BE49-F238E27FC236}">
+                <a16:creationId xmlns:a16="http://schemas.microsoft.com/office/drawing/2014/main" id="{4E102902-F8A4-19D6-8FB6-FFA27522A581}"/>
+              </a:ext>
+            </a:extLst>
+          </p:cNvPr>
+          <p:cNvPicPr>
+            <a:picLocks noChangeAspect="1"/>
+          </p:cNvPicPr>
+          <p:nvPr/>
+        </p:nvPicPr>
+        <p:blipFill>
+          <a:blip r:embed="rId4"/>
+          <a:stretch>
+            <a:fillRect/>
+          </a:stretch>
+        </p:blipFill>
+        <p:spPr>
+          <a:xfrm>
+            <a:off x="89590" y="2414643"/>
+            <a:ext cx="3217375" cy="2975717"/>
+          </a:xfrm>
+          <a:prstGeom prst="rect">
+            <a:avLst/>
+          </a:prstGeom>
+        </p:spPr>
+      </p:pic>
+      <p:pic>
+        <p:nvPicPr>
+          <p:cNvPr id="5" name="Image 4">
+            <a:extLst>
+              <a:ext uri="{FF2B5EF4-FFF2-40B4-BE49-F238E27FC236}">
+                <a16:creationId xmlns:a16="http://schemas.microsoft.com/office/drawing/2014/main" id="{FCCF3473-3406-11C1-E131-1BA0A294F801}"/>
+              </a:ext>
+            </a:extLst>
+          </p:cNvPr>
+          <p:cNvPicPr>
+            <a:picLocks noChangeAspect="1"/>
+          </p:cNvPicPr>
+          <p:nvPr/>
+        </p:nvPicPr>
+        <p:blipFill>
+          <a:blip r:embed="rId5"/>
+          <a:stretch>
+            <a:fillRect/>
+          </a:stretch>
+        </p:blipFill>
+        <p:spPr>
+          <a:xfrm>
+            <a:off x="5671046" y="2893682"/>
+            <a:ext cx="6454576" cy="807392"/>
+          </a:xfrm>
+          <a:prstGeom prst="rect">
+            <a:avLst/>
+          </a:prstGeom>
+        </p:spPr>
+      </p:pic>
+      <p:pic>
+        <p:nvPicPr>
+          <p:cNvPr id="4" name="Image 3" descr="Une image contenant table&#10;&#10;Description générée automatiquement">
+            <a:extLst>
+              <a:ext uri="{FF2B5EF4-FFF2-40B4-BE49-F238E27FC236}">
+                <a16:creationId xmlns:a16="http://schemas.microsoft.com/office/drawing/2014/main" id="{012DF421-3800-D43B-5A79-C8BF447D6B24}"/>
+              </a:ext>
+            </a:extLst>
+          </p:cNvPr>
+          <p:cNvPicPr>
+            <a:picLocks noChangeAspect="1"/>
+          </p:cNvPicPr>
+          <p:nvPr/>
+        </p:nvPicPr>
+        <p:blipFill>
+          <a:blip r:embed="rId6"/>
+          <a:stretch>
+            <a:fillRect/>
+          </a:stretch>
+        </p:blipFill>
+        <p:spPr>
+          <a:xfrm>
+            <a:off x="3457667" y="2414644"/>
+            <a:ext cx="2124001" cy="3067513"/>
+          </a:xfrm>
+          <a:prstGeom prst="rect">
+            <a:avLst/>
+          </a:prstGeom>
+        </p:spPr>
+      </p:pic>
+    </p:spTree>
+    <p:extLst>
+      <p:ext uri="{BB962C8B-B14F-4D97-AF65-F5344CB8AC3E}">
+        <p14:creationId xmlns:p14="http://schemas.microsoft.com/office/powerpoint/2010/main" val="1820583722"/>
+      </p:ext>
+    </p:extLst>
+  </p:cSld>
+  <p:clrMapOvr>
+    <a:masterClrMapping/>
+  </p:clrMapOvr>
+</p:sld>
+</file>
+
+<file path=ppt/slides/slide7.xml><?xml version="1.0" encoding="utf-8"?>
+<p:sld xmlns:a="http://schemas.openxmlformats.org/drawingml/2006/main" xmlns:r="http://schemas.openxmlformats.org/officeDocument/2006/relationships" xmlns:p="http://schemas.openxmlformats.org/presentationml/2006/main">
+  <p:cSld>
+    <p:bg>
+      <p:bgPr>
+        <a:solidFill>
+          <a:schemeClr val="bg1"/>
+        </a:solidFill>
+        <a:effectLst/>
+      </p:bgPr>
+    </p:bg>
+    <p:spTree>
+      <p:nvGrpSpPr>
+        <p:cNvPr id="1" name=""/>
+        <p:cNvGrpSpPr/>
+        <p:nvPr/>
+      </p:nvGrpSpPr>
+      <p:grpSpPr>
+        <a:xfrm>
+          <a:off x="0" y="0"/>
+          <a:ext cx="0" cy="0"/>
+          <a:chOff x="0" y="0"/>
+          <a:chExt cx="0" cy="0"/>
+        </a:xfrm>
+      </p:grpSpPr>
+      <p:sp>
+        <p:nvSpPr>
+          <p:cNvPr id="2" name="Titre 1">
+            <a:extLst>
+              <a:ext uri="{FF2B5EF4-FFF2-40B4-BE49-F238E27FC236}">
+                <a16:creationId xmlns:a16="http://schemas.microsoft.com/office/drawing/2014/main" id="{75AC86D3-8FD1-4F47-A319-7D0542E48B2F}"/>
+              </a:ext>
+            </a:extLst>
+          </p:cNvPr>
+          <p:cNvSpPr>
+            <a:spLocks noGrp="1"/>
+          </p:cNvSpPr>
+          <p:nvPr>
+            <p:ph type="title"/>
+          </p:nvPr>
+        </p:nvSpPr>
+        <p:spPr>
+          <a:xfrm>
+            <a:off x="1097279" y="286603"/>
+            <a:ext cx="10679917" cy="1450757"/>
+          </a:xfrm>
+        </p:spPr>
+        <p:txBody>
+          <a:bodyPr vert="horz" lIns="91440" tIns="45720" rIns="91440" bIns="45720" rtlCol="0">
+            <a:normAutofit/>
+          </a:bodyPr>
+          <a:lstStyle/>
+          <a:p>
+            <a:r>
+              <a:rPr lang="fr-FR" dirty="0"/>
+              <a:t>Analyse 2 : Nombre vacciné (2R,HF)</a:t>
+            </a:r>
+          </a:p>
+        </p:txBody>
+      </p:sp>
+      <p:pic>
+        <p:nvPicPr>
+          <p:cNvPr id="6" name="Image 5" descr="Une image contenant table&#10;&#10;Description générée automatiquement">
+            <a:extLst>
+              <a:ext uri="{FF2B5EF4-FFF2-40B4-BE49-F238E27FC236}">
+                <a16:creationId xmlns:a16="http://schemas.microsoft.com/office/drawing/2014/main" id="{84E44756-6AA2-2B93-22C5-EAB23F2B1983}"/>
+              </a:ext>
+            </a:extLst>
+          </p:cNvPr>
+          <p:cNvPicPr>
+            <a:picLocks noChangeAspect="1"/>
+          </p:cNvPicPr>
+          <p:nvPr/>
+        </p:nvPicPr>
+        <p:blipFill>
+          <a:blip r:embed="rId4"/>
+          <a:stretch>
+            <a:fillRect/>
+          </a:stretch>
+        </p:blipFill>
+        <p:spPr>
+          <a:xfrm>
+            <a:off x="61000" y="2272805"/>
+            <a:ext cx="3517265" cy="3157220"/>
+          </a:xfrm>
+          <a:prstGeom prst="rect">
+            <a:avLst/>
+          </a:prstGeom>
+        </p:spPr>
+      </p:pic>
+      <p:pic>
+        <p:nvPicPr>
+          <p:cNvPr id="7" name="Image 6">
+            <a:extLst>
+              <a:ext uri="{FF2B5EF4-FFF2-40B4-BE49-F238E27FC236}">
+                <a16:creationId xmlns:a16="http://schemas.microsoft.com/office/drawing/2014/main" id="{B1DAD603-8097-1F2F-07E1-74F9A8990E0D}"/>
+              </a:ext>
+            </a:extLst>
+          </p:cNvPr>
+          <p:cNvPicPr>
+            <a:picLocks noChangeAspect="1"/>
+          </p:cNvPicPr>
+          <p:nvPr/>
+        </p:nvPicPr>
+        <p:blipFill>
+          <a:blip r:embed="rId5"/>
+          <a:stretch>
+            <a:fillRect/>
+          </a:stretch>
+        </p:blipFill>
+        <p:spPr>
+          <a:xfrm>
+            <a:off x="2668678" y="3496588"/>
+            <a:ext cx="2969857" cy="2670455"/>
+          </a:xfrm>
+          <a:prstGeom prst="rect">
+            <a:avLst/>
+          </a:prstGeom>
+        </p:spPr>
+      </p:pic>
+      <p:pic>
+        <p:nvPicPr>
+          <p:cNvPr id="9" name="Image 8">
+            <a:extLst>
+              <a:ext uri="{FF2B5EF4-FFF2-40B4-BE49-F238E27FC236}">
+                <a16:creationId xmlns:a16="http://schemas.microsoft.com/office/drawing/2014/main" id="{D8A91786-B271-8F58-0F4D-A093B0E2B0E9}"/>
+              </a:ext>
+            </a:extLst>
+          </p:cNvPr>
+          <p:cNvPicPr>
+            <a:picLocks noChangeAspect="1"/>
+          </p:cNvPicPr>
+          <p:nvPr/>
+        </p:nvPicPr>
+        <p:blipFill>
+          <a:blip r:embed="rId6"/>
+          <a:stretch>
+            <a:fillRect/>
+          </a:stretch>
+        </p:blipFill>
+        <p:spPr>
+          <a:xfrm>
+            <a:off x="6096000" y="2512603"/>
+            <a:ext cx="5746862" cy="2808793"/>
+          </a:xfrm>
+          <a:prstGeom prst="rect">
+            <a:avLst/>
+          </a:prstGeom>
+        </p:spPr>
+      </p:pic>
+    </p:spTree>
+    <p:extLst>
+      <p:ext uri="{BB962C8B-B14F-4D97-AF65-F5344CB8AC3E}">
+        <p14:creationId xmlns:p14="http://schemas.microsoft.com/office/powerpoint/2010/main" val="1432980747"/>
+      </p:ext>
+    </p:extLst>
+  </p:cSld>
+  <p:clrMapOvr>
+    <a:masterClrMapping/>
+  </p:clrMapOvr>
+</p:sld>
+</file>
+
+<file path=ppt/slides/slide8.xml><?xml version="1.0" encoding="utf-8"?>
+<p:sld xmlns:a="http://schemas.openxmlformats.org/drawingml/2006/main" xmlns:r="http://schemas.openxmlformats.org/officeDocument/2006/relationships" xmlns:p="http://schemas.openxmlformats.org/presentationml/2006/main">
+  <p:cSld>
+    <p:bg>
+      <p:bgPr>
+        <a:solidFill>
+          <a:schemeClr val="bg1"/>
+        </a:solidFill>
+        <a:effectLst/>
+      </p:bgPr>
+    </p:bg>
+    <p:spTree>
+      <p:nvGrpSpPr>
+        <p:cNvPr id="1" name=""/>
+        <p:cNvGrpSpPr/>
+        <p:nvPr/>
+      </p:nvGrpSpPr>
+      <p:grpSpPr>
+        <a:xfrm>
+          <a:off x="0" y="0"/>
+          <a:ext cx="0" cy="0"/>
+          <a:chOff x="0" y="0"/>
+          <a:chExt cx="0" cy="0"/>
+        </a:xfrm>
+      </p:grpSpPr>
+      <p:sp>
+        <p:nvSpPr>
+          <p:cNvPr id="2" name="Titre 1">
+            <a:extLst>
+              <a:ext uri="{FF2B5EF4-FFF2-40B4-BE49-F238E27FC236}">
+                <a16:creationId xmlns:a16="http://schemas.microsoft.com/office/drawing/2014/main" id="{75AC86D3-8FD1-4F47-A319-7D0542E48B2F}"/>
+              </a:ext>
+            </a:extLst>
+          </p:cNvPr>
+          <p:cNvSpPr>
+            <a:spLocks noGrp="1"/>
+          </p:cNvSpPr>
+          <p:nvPr>
+            <p:ph type="title"/>
+          </p:nvPr>
+        </p:nvSpPr>
+        <p:spPr>
+          <a:xfrm>
+            <a:off x="1097279" y="286603"/>
+            <a:ext cx="10679917" cy="1450757"/>
+          </a:xfrm>
+        </p:spPr>
+        <p:txBody>
+          <a:bodyPr vert="horz" lIns="91440" tIns="45720" rIns="91440" bIns="45720" rtlCol="0">
+            <a:normAutofit/>
+          </a:bodyPr>
+          <a:lstStyle/>
+          <a:p>
+            <a:r>
+              <a:rPr lang="fr-FR" dirty="0"/>
+              <a:t>Analyse 2 : Nombre vacciné (2R,HF)</a:t>
+            </a:r>
+          </a:p>
+        </p:txBody>
+      </p:sp>
+      <p:pic>
+        <p:nvPicPr>
+          <p:cNvPr id="3" name="Image 2">
+            <a:extLst>
+              <a:ext uri="{FF2B5EF4-FFF2-40B4-BE49-F238E27FC236}">
+                <a16:creationId xmlns:a16="http://schemas.microsoft.com/office/drawing/2014/main" id="{79B893DE-084B-3495-66B7-BA2723D5DC86}"/>
+              </a:ext>
+            </a:extLst>
+          </p:cNvPr>
+          <p:cNvPicPr>
+            <a:picLocks noChangeAspect="1"/>
+          </p:cNvPicPr>
+          <p:nvPr/>
+        </p:nvPicPr>
+        <p:blipFill>
+          <a:blip r:embed="rId4"/>
+          <a:stretch>
+            <a:fillRect/>
+          </a:stretch>
+        </p:blipFill>
+        <p:spPr>
+          <a:xfrm>
+            <a:off x="197749" y="2184994"/>
+            <a:ext cx="5760085" cy="3725545"/>
+          </a:xfrm>
+          <a:prstGeom prst="rect">
+            <a:avLst/>
+          </a:prstGeom>
+        </p:spPr>
+      </p:pic>
+      <p:pic>
+        <p:nvPicPr>
+          <p:cNvPr id="5" name="Image 4">
+            <a:extLst>
+              <a:ext uri="{FF2B5EF4-FFF2-40B4-BE49-F238E27FC236}">
+                <a16:creationId xmlns:a16="http://schemas.microsoft.com/office/drawing/2014/main" id="{7344494B-8DEC-6B7E-EFD8-75D5CF16BD89}"/>
+              </a:ext>
+            </a:extLst>
+          </p:cNvPr>
+          <p:cNvPicPr>
+            <a:picLocks noChangeAspect="1"/>
+          </p:cNvPicPr>
+          <p:nvPr/>
+        </p:nvPicPr>
+        <p:blipFill>
+          <a:blip r:embed="rId5"/>
+          <a:stretch>
+            <a:fillRect/>
+          </a:stretch>
+        </p:blipFill>
+        <p:spPr>
+          <a:xfrm>
+            <a:off x="6586497" y="2301765"/>
+            <a:ext cx="5010759" cy="1589591"/>
+          </a:xfrm>
+          <a:prstGeom prst="rect">
+            <a:avLst/>
+          </a:prstGeom>
+        </p:spPr>
+      </p:pic>
+      <p:pic>
+        <p:nvPicPr>
+          <p:cNvPr id="10" name="Image 9">
+            <a:extLst>
+              <a:ext uri="{FF2B5EF4-FFF2-40B4-BE49-F238E27FC236}">
+                <a16:creationId xmlns:a16="http://schemas.microsoft.com/office/drawing/2014/main" id="{9CDDFDB4-ADDB-CFA1-9973-DF725735C753}"/>
+              </a:ext>
+            </a:extLst>
+          </p:cNvPr>
+          <p:cNvPicPr>
+            <a:picLocks noChangeAspect="1"/>
+          </p:cNvPicPr>
+          <p:nvPr/>
+        </p:nvPicPr>
+        <p:blipFill>
+          <a:blip r:embed="rId6"/>
+          <a:stretch>
+            <a:fillRect/>
+          </a:stretch>
+        </p:blipFill>
+        <p:spPr>
+          <a:xfrm>
+            <a:off x="6586497" y="4022035"/>
+            <a:ext cx="3616282" cy="1704678"/>
+          </a:xfrm>
+          <a:prstGeom prst="rect">
+            <a:avLst/>
+          </a:prstGeom>
+        </p:spPr>
+      </p:pic>
+    </p:spTree>
+    <p:extLst>
+      <p:ext uri="{BB962C8B-B14F-4D97-AF65-F5344CB8AC3E}">
+        <p14:creationId xmlns:p14="http://schemas.microsoft.com/office/powerpoint/2010/main" val="3344351138"/>
       </p:ext>
     </p:extLst>
   </p:cSld>
@@ -7675,25 +6812,222 @@
 </a:themeOverride>
 </file>
 
-<file path=customXml/item1.xml><?xml version="1.0" encoding="utf-8"?>
-<p:properties xmlns:p="http://schemas.microsoft.com/office/2006/metadata/properties" xmlns:xsi="http://www.w3.org/2001/XMLSchema-instance" xmlns:pc="http://schemas.microsoft.com/office/infopath/2007/PartnerControls">
-  <documentManagement>
-    <Status xmlns="71af3243-3dd4-4a8d-8c0d-dd76da1f02a5">Not started</Status>
-    <MediaServiceKeyPoints xmlns="71af3243-3dd4-4a8d-8c0d-dd76da1f02a5" xsi:nil="true"/>
-  </documentManagement>
-</p:properties>
+<file path=ppt/theme/themeOverride3.xml><?xml version="1.0" encoding="utf-8"?>
+<a:themeOverride xmlns:a="http://schemas.openxmlformats.org/drawingml/2006/main">
+  <a:clrScheme name="Parcel">
+    <a:dk1>
+      <a:srgbClr val="000000"/>
+    </a:dk1>
+    <a:lt1>
+      <a:srgbClr val="FFFFFF"/>
+    </a:lt1>
+    <a:dk2>
+      <a:srgbClr val="4A5356"/>
+    </a:dk2>
+    <a:lt2>
+      <a:srgbClr val="E8E3CE"/>
+    </a:lt2>
+    <a:accent1>
+      <a:srgbClr val="F6A21D"/>
+    </a:accent1>
+    <a:accent2>
+      <a:srgbClr val="9BAFB5"/>
+    </a:accent2>
+    <a:accent3>
+      <a:srgbClr val="C96731"/>
+    </a:accent3>
+    <a:accent4>
+      <a:srgbClr val="9CA383"/>
+    </a:accent4>
+    <a:accent5>
+      <a:srgbClr val="87795D"/>
+    </a:accent5>
+    <a:accent6>
+      <a:srgbClr val="A0988C"/>
+    </a:accent6>
+    <a:hlink>
+      <a:srgbClr val="00B0F0"/>
+    </a:hlink>
+    <a:folHlink>
+      <a:srgbClr val="738F97"/>
+    </a:folHlink>
+  </a:clrScheme>
+</a:themeOverride>
 </file>
 
-<file path=customXml/item2.xml><?xml version="1.0" encoding="utf-8"?>
-<?mso-contentType ?>
-<FormTemplates xmlns="http://schemas.microsoft.com/sharepoint/v3/contenttype/forms">
-  <Display>DocumentLibraryForm</Display>
-  <Edit>DocumentLibraryForm</Edit>
-  <New>DocumentLibraryForm</New>
-</FormTemplates>
+<file path=ppt/theme/themeOverride4.xml><?xml version="1.0" encoding="utf-8"?>
+<a:themeOverride xmlns:a="http://schemas.openxmlformats.org/drawingml/2006/main">
+  <a:clrScheme name="Parcel">
+    <a:dk1>
+      <a:srgbClr val="000000"/>
+    </a:dk1>
+    <a:lt1>
+      <a:srgbClr val="FFFFFF"/>
+    </a:lt1>
+    <a:dk2>
+      <a:srgbClr val="4A5356"/>
+    </a:dk2>
+    <a:lt2>
+      <a:srgbClr val="E8E3CE"/>
+    </a:lt2>
+    <a:accent1>
+      <a:srgbClr val="F6A21D"/>
+    </a:accent1>
+    <a:accent2>
+      <a:srgbClr val="9BAFB5"/>
+    </a:accent2>
+    <a:accent3>
+      <a:srgbClr val="C96731"/>
+    </a:accent3>
+    <a:accent4>
+      <a:srgbClr val="9CA383"/>
+    </a:accent4>
+    <a:accent5>
+      <a:srgbClr val="87795D"/>
+    </a:accent5>
+    <a:accent6>
+      <a:srgbClr val="A0988C"/>
+    </a:accent6>
+    <a:hlink>
+      <a:srgbClr val="00B0F0"/>
+    </a:hlink>
+    <a:folHlink>
+      <a:srgbClr val="738F97"/>
+    </a:folHlink>
+  </a:clrScheme>
+</a:themeOverride>
 </file>
 
-<file path=customXml/item3.xml><?xml version="1.0" encoding="utf-8"?>
+<file path=ppt/theme/themeOverride5.xml><?xml version="1.0" encoding="utf-8"?>
+<a:themeOverride xmlns:a="http://schemas.openxmlformats.org/drawingml/2006/main">
+  <a:clrScheme name="Parcel">
+    <a:dk1>
+      <a:srgbClr val="000000"/>
+    </a:dk1>
+    <a:lt1>
+      <a:srgbClr val="FFFFFF"/>
+    </a:lt1>
+    <a:dk2>
+      <a:srgbClr val="4A5356"/>
+    </a:dk2>
+    <a:lt2>
+      <a:srgbClr val="E8E3CE"/>
+    </a:lt2>
+    <a:accent1>
+      <a:srgbClr val="F6A21D"/>
+    </a:accent1>
+    <a:accent2>
+      <a:srgbClr val="9BAFB5"/>
+    </a:accent2>
+    <a:accent3>
+      <a:srgbClr val="C96731"/>
+    </a:accent3>
+    <a:accent4>
+      <a:srgbClr val="9CA383"/>
+    </a:accent4>
+    <a:accent5>
+      <a:srgbClr val="87795D"/>
+    </a:accent5>
+    <a:accent6>
+      <a:srgbClr val="A0988C"/>
+    </a:accent6>
+    <a:hlink>
+      <a:srgbClr val="00B0F0"/>
+    </a:hlink>
+    <a:folHlink>
+      <a:srgbClr val="738F97"/>
+    </a:folHlink>
+  </a:clrScheme>
+</a:themeOverride>
+</file>
+
+<file path=ppt/theme/themeOverride6.xml><?xml version="1.0" encoding="utf-8"?>
+<a:themeOverride xmlns:a="http://schemas.openxmlformats.org/drawingml/2006/main">
+  <a:clrScheme name="Parcel">
+    <a:dk1>
+      <a:srgbClr val="000000"/>
+    </a:dk1>
+    <a:lt1>
+      <a:srgbClr val="FFFFFF"/>
+    </a:lt1>
+    <a:dk2>
+      <a:srgbClr val="4A5356"/>
+    </a:dk2>
+    <a:lt2>
+      <a:srgbClr val="E8E3CE"/>
+    </a:lt2>
+    <a:accent1>
+      <a:srgbClr val="F6A21D"/>
+    </a:accent1>
+    <a:accent2>
+      <a:srgbClr val="9BAFB5"/>
+    </a:accent2>
+    <a:accent3>
+      <a:srgbClr val="C96731"/>
+    </a:accent3>
+    <a:accent4>
+      <a:srgbClr val="9CA383"/>
+    </a:accent4>
+    <a:accent5>
+      <a:srgbClr val="87795D"/>
+    </a:accent5>
+    <a:accent6>
+      <a:srgbClr val="A0988C"/>
+    </a:accent6>
+    <a:hlink>
+      <a:srgbClr val="00B0F0"/>
+    </a:hlink>
+    <a:folHlink>
+      <a:srgbClr val="738F97"/>
+    </a:folHlink>
+  </a:clrScheme>
+</a:themeOverride>
+</file>
+
+<file path=ppt/theme/themeOverride7.xml><?xml version="1.0" encoding="utf-8"?>
+<a:themeOverride xmlns:a="http://schemas.openxmlformats.org/drawingml/2006/main">
+  <a:clrScheme name="Parcel">
+    <a:dk1>
+      <a:srgbClr val="000000"/>
+    </a:dk1>
+    <a:lt1>
+      <a:srgbClr val="FFFFFF"/>
+    </a:lt1>
+    <a:dk2>
+      <a:srgbClr val="4A5356"/>
+    </a:dk2>
+    <a:lt2>
+      <a:srgbClr val="E8E3CE"/>
+    </a:lt2>
+    <a:accent1>
+      <a:srgbClr val="F6A21D"/>
+    </a:accent1>
+    <a:accent2>
+      <a:srgbClr val="9BAFB5"/>
+    </a:accent2>
+    <a:accent3>
+      <a:srgbClr val="C96731"/>
+    </a:accent3>
+    <a:accent4>
+      <a:srgbClr val="9CA383"/>
+    </a:accent4>
+    <a:accent5>
+      <a:srgbClr val="87795D"/>
+    </a:accent5>
+    <a:accent6>
+      <a:srgbClr val="A0988C"/>
+    </a:accent6>
+    <a:hlink>
+      <a:srgbClr val="00B0F0"/>
+    </a:hlink>
+    <a:folHlink>
+      <a:srgbClr val="738F97"/>
+    </a:folHlink>
+  </a:clrScheme>
+</a:themeOverride>
+</file>
+
+<file path=customXml/item1.xml><?xml version="1.0" encoding="utf-8"?>
 <ct:contentTypeSchema xmlns:ct="http://schemas.microsoft.com/office/2006/metadata/contentType" xmlns:ma="http://schemas.microsoft.com/office/2006/metadata/properties/metaAttributes" ct:_="" ma:_="" ma:contentTypeName="Document" ma:contentTypeID="0x01010079F111ED35F8CC479449609E8A0923A6" ma:contentTypeVersion="12" ma:contentTypeDescription="Create a new document." ma:contentTypeScope="" ma:versionID="a410dd7f93c95333ffa1b60ed6adedd1">
   <xsd:schema xmlns:xsd="http://www.w3.org/2001/XMLSchema" xmlns:xs="http://www.w3.org/2001/XMLSchema" xmlns:p="http://schemas.microsoft.com/office/2006/metadata/properties" xmlns:ns2="71af3243-3dd4-4a8d-8c0d-dd76da1f02a5" xmlns:ns3="16c05727-aa75-4e4a-9b5f-8a80a1165891" targetNamespace="http://schemas.microsoft.com/office/2006/metadata/properties" ma:root="true" ma:fieldsID="a936d9baba76aa3866493feff160faab" ns2:_="" ns3:_="">
     <xsd:import namespace="71af3243-3dd4-4a8d-8c0d-dd76da1f02a5"/>
@@ -7914,25 +7248,25 @@
 </ct:contentTypeSchema>
 </file>
 
-<file path=customXml/itemProps1.xml><?xml version="1.0" encoding="utf-8"?>
-<ds:datastoreItem xmlns:ds="http://schemas.openxmlformats.org/officeDocument/2006/customXml" ds:itemID="{A03EEFF0-FB57-4CB4-8BFC-DF397689E2ED}">
-  <ds:schemaRefs>
-    <ds:schemaRef ds:uri="http://schemas.microsoft.com/office/2006/metadata/properties"/>
-    <ds:schemaRef ds:uri="http://schemas.microsoft.com/office/infopath/2007/PartnerControls"/>
-    <ds:schemaRef ds:uri="71af3243-3dd4-4a8d-8c0d-dd76da1f02a5"/>
-  </ds:schemaRefs>
-</ds:datastoreItem>
+<file path=customXml/item2.xml><?xml version="1.0" encoding="utf-8"?>
+<?mso-contentType ?>
+<FormTemplates xmlns="http://schemas.microsoft.com/sharepoint/v3/contenttype/forms">
+  <Display>DocumentLibraryForm</Display>
+  <Edit>DocumentLibraryForm</Edit>
+  <New>DocumentLibraryForm</New>
+</FormTemplates>
 </file>
 
-<file path=customXml/itemProps2.xml><?xml version="1.0" encoding="utf-8"?>
-<ds:datastoreItem xmlns:ds="http://schemas.openxmlformats.org/officeDocument/2006/customXml" ds:itemID="{AA3F7EDC-E5B4-4BBC-9D2A-CBE6D46C37AD}">
-  <ds:schemaRefs>
-    <ds:schemaRef ds:uri="http://schemas.microsoft.com/sharepoint/v3/contenttype/forms"/>
-  </ds:schemaRefs>
-</ds:datastoreItem>
+<file path=customXml/item3.xml><?xml version="1.0" encoding="utf-8"?>
+<p:properties xmlns:p="http://schemas.microsoft.com/office/2006/metadata/properties" xmlns:xsi="http://www.w3.org/2001/XMLSchema-instance" xmlns:pc="http://schemas.microsoft.com/office/infopath/2007/PartnerControls">
+  <documentManagement>
+    <Status xmlns="71af3243-3dd4-4a8d-8c0d-dd76da1f02a5">Not started</Status>
+    <MediaServiceKeyPoints xmlns="71af3243-3dd4-4a8d-8c0d-dd76da1f02a5" xsi:nil="true"/>
+  </documentManagement>
+</p:properties>
 </file>
 
-<file path=customXml/itemProps3.xml><?xml version="1.0" encoding="utf-8"?>
+<file path=customXml/itemProps1.xml><?xml version="1.0" encoding="utf-8"?>
 <ds:datastoreItem xmlns:ds="http://schemas.openxmlformats.org/officeDocument/2006/customXml" ds:itemID="{93932EF5-314F-409E-8020-FEE5FA0795B9}">
   <ds:schemaRefs>
     <ds:schemaRef ds:uri="http://schemas.microsoft.com/office/2006/metadata/contentType"/>
@@ -7949,4 +7283,22 @@
     <ds:schemaRef ds:uri="http://schemas.microsoft.com/internal/obd"/>
   </ds:schemaRefs>
 </ds:datastoreItem>
+</file>
+
+<file path=customXml/itemProps2.xml><?xml version="1.0" encoding="utf-8"?>
+<ds:datastoreItem xmlns:ds="http://schemas.openxmlformats.org/officeDocument/2006/customXml" ds:itemID="{AA3F7EDC-E5B4-4BBC-9D2A-CBE6D46C37AD}">
+  <ds:schemaRefs>
+    <ds:schemaRef ds:uri="http://schemas.microsoft.com/sharepoint/v3/contenttype/forms"/>
+  </ds:schemaRefs>
+</ds:datastoreItem>
+</file>
+
+<file path=customXml/itemProps3.xml><?xml version="1.0" encoding="utf-8"?>
+<ds:datastoreItem xmlns:ds="http://schemas.openxmlformats.org/officeDocument/2006/customXml" ds:itemID="{A03EEFF0-FB57-4CB4-8BFC-DF397689E2ED}">
+  <ds:schemaRefs>
+    <ds:schemaRef ds:uri="http://schemas.microsoft.com/office/2006/metadata/properties"/>
+    <ds:schemaRef ds:uri="http://schemas.microsoft.com/office/infopath/2007/PartnerControls"/>
+    <ds:schemaRef ds:uri="71af3243-3dd4-4a8d-8c0d-dd76da1f02a5"/>
+  </ds:schemaRefs>
+</ds:datastoreItem>
 </file>
--- a/Stats.pptx
+++ b/Stats.pptx
@@ -4606,7 +4606,7 @@
         </p:blipFill>
         <p:spPr>
           <a:xfrm>
-            <a:off x="20" y="975"/>
+            <a:off x="20" y="14725"/>
             <a:ext cx="12191980" cy="6858000"/>
           </a:xfrm>
           <a:prstGeom prst="rect">
@@ -4742,37 +4742,8 @@
                   <a:schemeClr val="tx1"/>
                 </a:solidFill>
               </a:rPr>
-              <a:t>Titre </a:t>
+              <a:t>Stats</a:t>
             </a:r>
-            <a:r>
-              <a:rPr lang="fr-FR" sz="4400" dirty="0" err="1">
-                <a:solidFill>
-                  <a:schemeClr val="tx1"/>
-                </a:solidFill>
-              </a:rPr>
-              <a:t>Lorem</a:t>
-            </a:r>
-            <a:r>
-              <a:rPr lang="fr-FR" sz="4400" dirty="0">
-                <a:solidFill>
-                  <a:schemeClr val="tx1"/>
-                </a:solidFill>
-              </a:rPr>
-              <a:t> </a:t>
-            </a:r>
-            <a:r>
-              <a:rPr lang="fr-FR" sz="4400" dirty="0" err="1">
-                <a:solidFill>
-                  <a:schemeClr val="tx1"/>
-                </a:solidFill>
-              </a:rPr>
-              <a:t>Ipsum</a:t>
-            </a:r>
-            <a:endParaRPr lang="fr-FR" sz="4400" dirty="0">
-              <a:solidFill>
-                <a:schemeClr val="tx1"/>
-              </a:solidFill>
-            </a:endParaRPr>
           </a:p>
         </p:txBody>
       </p:sp>
@@ -4794,8 +4765,8 @@
         </p:nvSpPr>
         <p:spPr>
           <a:xfrm>
-            <a:off x="8127750" y="4608576"/>
-            <a:ext cx="3205640" cy="774186"/>
+            <a:off x="7960847" y="4608580"/>
+            <a:ext cx="3539444" cy="774186"/>
           </a:xfrm>
         </p:spPr>
         <p:txBody>
@@ -4810,21 +4781,22 @@
               </a:lnSpc>
             </a:pPr>
             <a:r>
+              <a:rPr lang="fr-FR" sz="1600" dirty="0"/>
+              <a:t>Doray – </a:t>
+            </a:r>
+            <a:r>
               <a:rPr lang="fr-FR" sz="1600" dirty="0" err="1"/>
-              <a:t>Dolor</a:t>
+              <a:t>lahoucine</a:t>
             </a:r>
             <a:r>
               <a:rPr lang="fr-FR" sz="1600" dirty="0"/>
-              <a:t> </a:t>
+              <a:t> - </a:t>
             </a:r>
             <a:r>
               <a:rPr lang="fr-FR" sz="1600" dirty="0" err="1"/>
-              <a:t>Sit</a:t>
+              <a:t>hicham</a:t>
             </a:r>
-            <a:r>
-              <a:rPr lang="fr-FR" sz="1600" dirty="0"/>
-              <a:t> Amet</a:t>
-            </a:r>
+            <a:endParaRPr lang="fr-FR" sz="1600" dirty="0"/>
           </a:p>
         </p:txBody>
       </p:sp>
@@ -5034,36 +5006,6 @@
           <a:xfrm>
             <a:off x="1164291" y="2140654"/>
             <a:ext cx="1750695" cy="3800475"/>
-          </a:xfrm>
-          <a:prstGeom prst="rect">
-            <a:avLst/>
-          </a:prstGeom>
-        </p:spPr>
-      </p:pic>
-      <p:pic>
-        <p:nvPicPr>
-          <p:cNvPr id="8" name="Image 7">
-            <a:extLst>
-              <a:ext uri="{FF2B5EF4-FFF2-40B4-BE49-F238E27FC236}">
-                <a16:creationId xmlns:a16="http://schemas.microsoft.com/office/drawing/2014/main" id="{99CC872D-38D2-A08F-CF39-12E01DA5DD65}"/>
-              </a:ext>
-            </a:extLst>
-          </p:cNvPr>
-          <p:cNvPicPr>
-            <a:picLocks noChangeAspect="1"/>
-          </p:cNvPicPr>
-          <p:nvPr/>
-        </p:nvPicPr>
-        <p:blipFill>
-          <a:blip r:embed="rId5"/>
-          <a:stretch>
-            <a:fillRect/>
-          </a:stretch>
-        </p:blipFill>
-        <p:spPr>
-          <a:xfrm>
-            <a:off x="3669911" y="3089076"/>
-            <a:ext cx="7357798" cy="1056450"/>
           </a:xfrm>
           <a:prstGeom prst="rect">
             <a:avLst/>
@@ -5173,36 +5115,6 @@
           </a:prstGeom>
         </p:spPr>
       </p:pic>
-      <p:pic>
-        <p:nvPicPr>
-          <p:cNvPr id="5" name="Image 4">
-            <a:extLst>
-              <a:ext uri="{FF2B5EF4-FFF2-40B4-BE49-F238E27FC236}">
-                <a16:creationId xmlns:a16="http://schemas.microsoft.com/office/drawing/2014/main" id="{669DFECB-D87D-4032-F13F-944A8B510333}"/>
-              </a:ext>
-            </a:extLst>
-          </p:cNvPr>
-          <p:cNvPicPr>
-            <a:picLocks noChangeAspect="1"/>
-          </p:cNvPicPr>
-          <p:nvPr/>
-        </p:nvPicPr>
-        <p:blipFill>
-          <a:blip r:embed="rId5"/>
-          <a:stretch>
-            <a:fillRect/>
-          </a:stretch>
-        </p:blipFill>
-        <p:spPr>
-          <a:xfrm>
-            <a:off x="4977807" y="2223903"/>
-            <a:ext cx="6617885" cy="904307"/>
-          </a:xfrm>
-          <a:prstGeom prst="rect">
-            <a:avLst/>
-          </a:prstGeom>
-        </p:spPr>
-      </p:pic>
     </p:spTree>
     <p:extLst>
       <p:ext uri="{BB962C8B-B14F-4D97-AF65-F5344CB8AC3E}">
@@ -5261,31 +5173,102 @@
           </a:p>
         </p:txBody>
       </p:sp>
-      <p:sp>
-        <p:nvSpPr>
-          <p:cNvPr id="3" name="Espace réservé du contenu 2">
+      <p:pic>
+        <p:nvPicPr>
+          <p:cNvPr id="1026" name="Picture 2" descr="image">
             <a:extLst>
               <a:ext uri="{FF2B5EF4-FFF2-40B4-BE49-F238E27FC236}">
-                <a16:creationId xmlns:a16="http://schemas.microsoft.com/office/drawing/2014/main" id="{F408AF1D-0725-7EE1-938C-D2F8E03F777A}"/>
+                <a16:creationId xmlns:a16="http://schemas.microsoft.com/office/drawing/2014/main" id="{648FA1DF-B564-D571-FE6A-CE7B5A9BA383}"/>
               </a:ext>
             </a:extLst>
           </p:cNvPr>
-          <p:cNvSpPr>
-            <a:spLocks noGrp="1"/>
-          </p:cNvSpPr>
+          <p:cNvPicPr>
+            <a:picLocks noGrp="1" noChangeAspect="1" noChangeArrowheads="1"/>
+          </p:cNvPicPr>
           <p:nvPr>
             <p:ph idx="1"/>
           </p:nvPr>
-        </p:nvSpPr>
-        <p:spPr/>
-        <p:txBody>
-          <a:bodyPr/>
-          <a:lstStyle/>
-          <a:p>
-            <a:endParaRPr lang="fr-FR" dirty="0"/>
-          </a:p>
-        </p:txBody>
-      </p:sp>
+        </p:nvPicPr>
+        <p:blipFill>
+          <a:blip r:embed="rId2">
+            <a:extLst>
+              <a:ext uri="{28A0092B-C50C-407E-A947-70E740481C1C}">
+                <a14:useLocalDpi xmlns:a14="http://schemas.microsoft.com/office/drawing/2010/main" val="0"/>
+              </a:ext>
+            </a:extLst>
+          </a:blip>
+          <a:srcRect/>
+          <a:stretch>
+            <a:fillRect/>
+          </a:stretch>
+        </p:blipFill>
+        <p:spPr bwMode="auto">
+          <a:xfrm>
+            <a:off x="261449" y="2462343"/>
+            <a:ext cx="6378493" cy="3086367"/>
+          </a:xfrm>
+          <a:prstGeom prst="rect">
+            <a:avLst/>
+          </a:prstGeom>
+          <a:noFill/>
+          <a:extLst>
+            <a:ext uri="{909E8E84-426E-40DD-AFC4-6F175D3DCCD1}">
+              <a14:hiddenFill xmlns:a14="http://schemas.microsoft.com/office/drawing/2010/main">
+                <a:solidFill>
+                  <a:srgbClr val="FFFFFF"/>
+                </a:solidFill>
+              </a14:hiddenFill>
+            </a:ext>
+          </a:extLst>
+        </p:spPr>
+      </p:pic>
+      <p:pic>
+        <p:nvPicPr>
+          <p:cNvPr id="3" name="Picture 2" descr="image">
+            <a:extLst>
+              <a:ext uri="{FF2B5EF4-FFF2-40B4-BE49-F238E27FC236}">
+                <a16:creationId xmlns:a16="http://schemas.microsoft.com/office/drawing/2014/main" id="{BE0D4E47-8065-1640-EFC9-79F1A3F27912}"/>
+              </a:ext>
+            </a:extLst>
+          </p:cNvPr>
+          <p:cNvPicPr>
+            <a:picLocks noChangeAspect="1" noChangeArrowheads="1"/>
+          </p:cNvPicPr>
+          <p:nvPr/>
+        </p:nvPicPr>
+        <p:blipFill>
+          <a:blip r:embed="rId3">
+            <a:extLst>
+              <a:ext uri="{28A0092B-C50C-407E-A947-70E740481C1C}">
+                <a14:useLocalDpi xmlns:a14="http://schemas.microsoft.com/office/drawing/2010/main" val="0"/>
+              </a:ext>
+            </a:extLst>
+          </a:blip>
+          <a:srcRect/>
+          <a:stretch>
+            <a:fillRect/>
+          </a:stretch>
+        </p:blipFill>
+        <p:spPr bwMode="auto">
+          <a:xfrm>
+            <a:off x="8285819" y="2434591"/>
+            <a:ext cx="2495550" cy="2686050"/>
+          </a:xfrm>
+          <a:prstGeom prst="rect">
+            <a:avLst/>
+          </a:prstGeom>
+          <a:noFill/>
+          <a:extLst>
+            <a:ext uri="{909E8E84-426E-40DD-AFC4-6F175D3DCCD1}">
+              <a14:hiddenFill xmlns:a14="http://schemas.microsoft.com/office/drawing/2010/main">
+                <a:solidFill>
+                  <a:srgbClr val="FFFFFF"/>
+                </a:solidFill>
+              </a14:hiddenFill>
+            </a:ext>
+          </a:extLst>
+        </p:spPr>
+      </p:pic>
     </p:spTree>
     <p:extLst>
       <p:ext uri="{BB962C8B-B14F-4D97-AF65-F5344CB8AC3E}">
@@ -5381,38 +5364,8 @@
         </p:blipFill>
         <p:spPr>
           <a:xfrm>
-            <a:off x="653356" y="2349471"/>
-            <a:ext cx="3807956" cy="3521939"/>
-          </a:xfrm>
-          <a:prstGeom prst="rect">
-            <a:avLst/>
-          </a:prstGeom>
-        </p:spPr>
-      </p:pic>
-      <p:pic>
-        <p:nvPicPr>
-          <p:cNvPr id="5" name="Image 4">
-            <a:extLst>
-              <a:ext uri="{FF2B5EF4-FFF2-40B4-BE49-F238E27FC236}">
-                <a16:creationId xmlns:a16="http://schemas.microsoft.com/office/drawing/2014/main" id="{FCCF3473-3406-11C1-E131-1BA0A294F801}"/>
-              </a:ext>
-            </a:extLst>
-          </p:cNvPr>
-          <p:cNvPicPr>
-            <a:picLocks noChangeAspect="1"/>
-          </p:cNvPicPr>
-          <p:nvPr/>
-        </p:nvPicPr>
-        <p:blipFill>
-          <a:blip r:embed="rId5"/>
-          <a:stretch>
-            <a:fillRect/>
-          </a:stretch>
-        </p:blipFill>
-        <p:spPr>
-          <a:xfrm>
-            <a:off x="4779481" y="3224787"/>
-            <a:ext cx="7080218" cy="885653"/>
+            <a:off x="653355" y="2349471"/>
+            <a:ext cx="4014897" cy="3713337"/>
           </a:xfrm>
           <a:prstGeom prst="rect">
             <a:avLst/>
@@ -5514,38 +5467,8 @@
         </p:blipFill>
         <p:spPr>
           <a:xfrm>
-            <a:off x="89590" y="2414643"/>
-            <a:ext cx="3217375" cy="2975717"/>
-          </a:xfrm>
-          <a:prstGeom prst="rect">
-            <a:avLst/>
-          </a:prstGeom>
-        </p:spPr>
-      </p:pic>
-      <p:pic>
-        <p:nvPicPr>
-          <p:cNvPr id="5" name="Image 4">
-            <a:extLst>
-              <a:ext uri="{FF2B5EF4-FFF2-40B4-BE49-F238E27FC236}">
-                <a16:creationId xmlns:a16="http://schemas.microsoft.com/office/drawing/2014/main" id="{FCCF3473-3406-11C1-E131-1BA0A294F801}"/>
-              </a:ext>
-            </a:extLst>
-          </p:cNvPr>
-          <p:cNvPicPr>
-            <a:picLocks noChangeAspect="1"/>
-          </p:cNvPicPr>
-          <p:nvPr/>
-        </p:nvPicPr>
-        <p:blipFill>
-          <a:blip r:embed="rId5"/>
-          <a:stretch>
-            <a:fillRect/>
-          </a:stretch>
-        </p:blipFill>
-        <p:spPr>
-          <a:xfrm>
-            <a:off x="5671046" y="2893682"/>
-            <a:ext cx="6454576" cy="807392"/>
+            <a:off x="330222" y="2414643"/>
+            <a:ext cx="3959895" cy="3662466"/>
           </a:xfrm>
           <a:prstGeom prst="rect">
             <a:avLst/>
@@ -5567,15 +5490,15 @@
           <p:nvPr/>
         </p:nvPicPr>
         <p:blipFill>
-          <a:blip r:embed="rId6"/>
+          <a:blip r:embed="rId5"/>
           <a:stretch>
             <a:fillRect/>
           </a:stretch>
         </p:blipFill>
         <p:spPr>
           <a:xfrm>
-            <a:off x="3457667" y="2414644"/>
-            <a:ext cx="2124001" cy="3067513"/>
+            <a:off x="6348093" y="2414643"/>
+            <a:ext cx="2548400" cy="3680436"/>
           </a:xfrm>
           <a:prstGeom prst="rect">
             <a:avLst/>
@@ -5677,8 +5600,8 @@
         </p:blipFill>
         <p:spPr>
           <a:xfrm>
-            <a:off x="61000" y="2272805"/>
-            <a:ext cx="3517265" cy="3157220"/>
+            <a:off x="267256" y="2128426"/>
+            <a:ext cx="4359746" cy="3913460"/>
           </a:xfrm>
           <a:prstGeom prst="rect">
             <a:avLst/>
@@ -5707,38 +5630,8 @@
         </p:blipFill>
         <p:spPr>
           <a:xfrm>
-            <a:off x="2668678" y="3496588"/>
-            <a:ext cx="2969857" cy="2670455"/>
-          </a:xfrm>
-          <a:prstGeom prst="rect">
-            <a:avLst/>
-          </a:prstGeom>
-        </p:spPr>
-      </p:pic>
-      <p:pic>
-        <p:nvPicPr>
-          <p:cNvPr id="9" name="Image 8">
-            <a:extLst>
-              <a:ext uri="{FF2B5EF4-FFF2-40B4-BE49-F238E27FC236}">
-                <a16:creationId xmlns:a16="http://schemas.microsoft.com/office/drawing/2014/main" id="{D8A91786-B271-8F58-0F4D-A093B0E2B0E9}"/>
-              </a:ext>
-            </a:extLst>
-          </p:cNvPr>
-          <p:cNvPicPr>
-            <a:picLocks noChangeAspect="1"/>
-          </p:cNvPicPr>
-          <p:nvPr/>
-        </p:nvPicPr>
-        <p:blipFill>
-          <a:blip r:embed="rId6"/>
-          <a:stretch>
-            <a:fillRect/>
-          </a:stretch>
-        </p:blipFill>
-        <p:spPr>
-          <a:xfrm>
-            <a:off x="6096000" y="2512603"/>
-            <a:ext cx="5746862" cy="2808793"/>
+            <a:off x="5824389" y="2128426"/>
+            <a:ext cx="4352223" cy="3913460"/>
           </a:xfrm>
           <a:prstGeom prst="rect">
             <a:avLst/>
@@ -5840,68 +5733,8 @@
         </p:blipFill>
         <p:spPr>
           <a:xfrm>
-            <a:off x="197749" y="2184994"/>
+            <a:off x="3215957" y="2405000"/>
             <a:ext cx="5760085" cy="3725545"/>
-          </a:xfrm>
-          <a:prstGeom prst="rect">
-            <a:avLst/>
-          </a:prstGeom>
-        </p:spPr>
-      </p:pic>
-      <p:pic>
-        <p:nvPicPr>
-          <p:cNvPr id="5" name="Image 4">
-            <a:extLst>
-              <a:ext uri="{FF2B5EF4-FFF2-40B4-BE49-F238E27FC236}">
-                <a16:creationId xmlns:a16="http://schemas.microsoft.com/office/drawing/2014/main" id="{7344494B-8DEC-6B7E-EFD8-75D5CF16BD89}"/>
-              </a:ext>
-            </a:extLst>
-          </p:cNvPr>
-          <p:cNvPicPr>
-            <a:picLocks noChangeAspect="1"/>
-          </p:cNvPicPr>
-          <p:nvPr/>
-        </p:nvPicPr>
-        <p:blipFill>
-          <a:blip r:embed="rId5"/>
-          <a:stretch>
-            <a:fillRect/>
-          </a:stretch>
-        </p:blipFill>
-        <p:spPr>
-          <a:xfrm>
-            <a:off x="6586497" y="2301765"/>
-            <a:ext cx="5010759" cy="1589591"/>
-          </a:xfrm>
-          <a:prstGeom prst="rect">
-            <a:avLst/>
-          </a:prstGeom>
-        </p:spPr>
-      </p:pic>
-      <p:pic>
-        <p:nvPicPr>
-          <p:cNvPr id="10" name="Image 9">
-            <a:extLst>
-              <a:ext uri="{FF2B5EF4-FFF2-40B4-BE49-F238E27FC236}">
-                <a16:creationId xmlns:a16="http://schemas.microsoft.com/office/drawing/2014/main" id="{9CDDFDB4-ADDB-CFA1-9973-DF725735C753}"/>
-              </a:ext>
-            </a:extLst>
-          </p:cNvPr>
-          <p:cNvPicPr>
-            <a:picLocks noChangeAspect="1"/>
-          </p:cNvPicPr>
-          <p:nvPr/>
-        </p:nvPicPr>
-        <p:blipFill>
-          <a:blip r:embed="rId6"/>
-          <a:stretch>
-            <a:fillRect/>
-          </a:stretch>
-        </p:blipFill>
-        <p:spPr>
-          <a:xfrm>
-            <a:off x="6586497" y="4022035"/>
-            <a:ext cx="3616282" cy="1704678"/>
           </a:xfrm>
           <a:prstGeom prst="rect">
             <a:avLst/>

--- a/Stats.pptx
+++ b/Stats.pptx
@@ -5,20 +5,25 @@
     <p:sldMasterId id="2147483660" r:id="rId4"/>
   </p:sldMasterIdLst>
   <p:notesMasterIdLst>
-    <p:notesMasterId r:id="rId13"/>
+    <p:notesMasterId r:id="rId18"/>
   </p:notesMasterIdLst>
   <p:handoutMasterIdLst>
-    <p:handoutMasterId r:id="rId14"/>
+    <p:handoutMasterId r:id="rId19"/>
   </p:handoutMasterIdLst>
   <p:sldIdLst>
     <p:sldId id="298" r:id="rId5"/>
     <p:sldId id="300" r:id="rId6"/>
     <p:sldId id="301" r:id="rId7"/>
     <p:sldId id="302" r:id="rId8"/>
-    <p:sldId id="303" r:id="rId9"/>
-    <p:sldId id="304" r:id="rId10"/>
-    <p:sldId id="305" r:id="rId11"/>
-    <p:sldId id="306" r:id="rId12"/>
+    <p:sldId id="304" r:id="rId9"/>
+    <p:sldId id="305" r:id="rId10"/>
+    <p:sldId id="308" r:id="rId11"/>
+    <p:sldId id="307" r:id="rId12"/>
+    <p:sldId id="309" r:id="rId13"/>
+    <p:sldId id="310" r:id="rId14"/>
+    <p:sldId id="306" r:id="rId15"/>
+    <p:sldId id="311" r:id="rId16"/>
+    <p:sldId id="312" r:id="rId17"/>
   </p:sldIdLst>
   <p:sldSz cx="12192000" cy="6858000"/>
   <p:notesSz cx="6858000" cy="9144000"/>
@@ -726,6 +731,258 @@
 </p:notes>
 </file>
 
+<file path=ppt/notesSlides/notesSlide10.xml><?xml version="1.0" encoding="utf-8"?>
+<p:notes xmlns:a="http://schemas.openxmlformats.org/drawingml/2006/main" xmlns:r="http://schemas.openxmlformats.org/officeDocument/2006/relationships" xmlns:p="http://schemas.openxmlformats.org/presentationml/2006/main">
+  <p:cSld>
+    <p:spTree>
+      <p:nvGrpSpPr>
+        <p:cNvPr id="1" name=""/>
+        <p:cNvGrpSpPr/>
+        <p:nvPr/>
+      </p:nvGrpSpPr>
+      <p:grpSpPr>
+        <a:xfrm>
+          <a:off x="0" y="0"/>
+          <a:ext cx="0" cy="0"/>
+          <a:chOff x="0" y="0"/>
+          <a:chExt cx="0" cy="0"/>
+        </a:xfrm>
+      </p:grpSpPr>
+      <p:sp>
+        <p:nvSpPr>
+          <p:cNvPr id="2" name="Espace réservé de l'image des diapositives 1"/>
+          <p:cNvSpPr>
+            <a:spLocks noGrp="1" noRot="1" noChangeAspect="1"/>
+          </p:cNvSpPr>
+          <p:nvPr>
+            <p:ph type="sldImg"/>
+          </p:nvPr>
+        </p:nvSpPr>
+        <p:spPr/>
+      </p:sp>
+      <p:sp>
+        <p:nvSpPr>
+          <p:cNvPr id="3" name="Espace réservé des notes 2"/>
+          <p:cNvSpPr>
+            <a:spLocks noGrp="1"/>
+          </p:cNvSpPr>
+          <p:nvPr>
+            <p:ph type="body" idx="1"/>
+          </p:nvPr>
+        </p:nvSpPr>
+        <p:spPr/>
+        <p:txBody>
+          <a:bodyPr/>
+          <a:lstStyle/>
+          <a:p>
+            <a:endParaRPr lang="fr-FR" dirty="0"/>
+          </a:p>
+        </p:txBody>
+      </p:sp>
+      <p:sp>
+        <p:nvSpPr>
+          <p:cNvPr id="4" name="Espace réservé du numéro de diapositive 3"/>
+          <p:cNvSpPr>
+            <a:spLocks noGrp="1"/>
+          </p:cNvSpPr>
+          <p:nvPr>
+            <p:ph type="sldNum" sz="quarter" idx="10"/>
+          </p:nvPr>
+        </p:nvSpPr>
+        <p:spPr/>
+        <p:txBody>
+          <a:bodyPr/>
+          <a:lstStyle/>
+          <a:p>
+            <a:fld id="{1DB0C060-F7D4-4C65-826A-795CA5BE88E2}" type="slidenum">
+              <a:rPr lang="fr-FR" smtClean="0"/>
+              <a:t>11</a:t>
+            </a:fld>
+            <a:endParaRPr lang="fr-FR" dirty="0"/>
+          </a:p>
+        </p:txBody>
+      </p:sp>
+    </p:spTree>
+    <p:extLst>
+      <p:ext uri="{BB962C8B-B14F-4D97-AF65-F5344CB8AC3E}">
+        <p14:creationId xmlns:p14="http://schemas.microsoft.com/office/powerpoint/2010/main" val="263710019"/>
+      </p:ext>
+    </p:extLst>
+  </p:cSld>
+  <p:clrMapOvr>
+    <a:masterClrMapping/>
+  </p:clrMapOvr>
+</p:notes>
+</file>
+
+<file path=ppt/notesSlides/notesSlide11.xml><?xml version="1.0" encoding="utf-8"?>
+<p:notes xmlns:a="http://schemas.openxmlformats.org/drawingml/2006/main" xmlns:r="http://schemas.openxmlformats.org/officeDocument/2006/relationships" xmlns:p="http://schemas.openxmlformats.org/presentationml/2006/main">
+  <p:cSld>
+    <p:spTree>
+      <p:nvGrpSpPr>
+        <p:cNvPr id="1" name=""/>
+        <p:cNvGrpSpPr/>
+        <p:nvPr/>
+      </p:nvGrpSpPr>
+      <p:grpSpPr>
+        <a:xfrm>
+          <a:off x="0" y="0"/>
+          <a:ext cx="0" cy="0"/>
+          <a:chOff x="0" y="0"/>
+          <a:chExt cx="0" cy="0"/>
+        </a:xfrm>
+      </p:grpSpPr>
+      <p:sp>
+        <p:nvSpPr>
+          <p:cNvPr id="2" name="Espace réservé de l'image des diapositives 1"/>
+          <p:cNvSpPr>
+            <a:spLocks noGrp="1" noRot="1" noChangeAspect="1"/>
+          </p:cNvSpPr>
+          <p:nvPr>
+            <p:ph type="sldImg"/>
+          </p:nvPr>
+        </p:nvSpPr>
+        <p:spPr/>
+      </p:sp>
+      <p:sp>
+        <p:nvSpPr>
+          <p:cNvPr id="3" name="Espace réservé des notes 2"/>
+          <p:cNvSpPr>
+            <a:spLocks noGrp="1"/>
+          </p:cNvSpPr>
+          <p:nvPr>
+            <p:ph type="body" idx="1"/>
+          </p:nvPr>
+        </p:nvSpPr>
+        <p:spPr/>
+        <p:txBody>
+          <a:bodyPr/>
+          <a:lstStyle/>
+          <a:p>
+            <a:endParaRPr lang="fr-FR" dirty="0"/>
+          </a:p>
+        </p:txBody>
+      </p:sp>
+      <p:sp>
+        <p:nvSpPr>
+          <p:cNvPr id="4" name="Espace réservé du numéro de diapositive 3"/>
+          <p:cNvSpPr>
+            <a:spLocks noGrp="1"/>
+          </p:cNvSpPr>
+          <p:nvPr>
+            <p:ph type="sldNum" sz="quarter" idx="10"/>
+          </p:nvPr>
+        </p:nvSpPr>
+        <p:spPr/>
+        <p:txBody>
+          <a:bodyPr/>
+          <a:lstStyle/>
+          <a:p>
+            <a:fld id="{1DB0C060-F7D4-4C65-826A-795CA5BE88E2}" type="slidenum">
+              <a:rPr lang="fr-FR" smtClean="0"/>
+              <a:t>12</a:t>
+            </a:fld>
+            <a:endParaRPr lang="fr-FR" dirty="0"/>
+          </a:p>
+        </p:txBody>
+      </p:sp>
+    </p:spTree>
+    <p:extLst>
+      <p:ext uri="{BB962C8B-B14F-4D97-AF65-F5344CB8AC3E}">
+        <p14:creationId xmlns:p14="http://schemas.microsoft.com/office/powerpoint/2010/main" val="2732436969"/>
+      </p:ext>
+    </p:extLst>
+  </p:cSld>
+  <p:clrMapOvr>
+    <a:masterClrMapping/>
+  </p:clrMapOvr>
+</p:notes>
+</file>
+
+<file path=ppt/notesSlides/notesSlide12.xml><?xml version="1.0" encoding="utf-8"?>
+<p:notes xmlns:a="http://schemas.openxmlformats.org/drawingml/2006/main" xmlns:r="http://schemas.openxmlformats.org/officeDocument/2006/relationships" xmlns:p="http://schemas.openxmlformats.org/presentationml/2006/main">
+  <p:cSld>
+    <p:spTree>
+      <p:nvGrpSpPr>
+        <p:cNvPr id="1" name=""/>
+        <p:cNvGrpSpPr/>
+        <p:nvPr/>
+      </p:nvGrpSpPr>
+      <p:grpSpPr>
+        <a:xfrm>
+          <a:off x="0" y="0"/>
+          <a:ext cx="0" cy="0"/>
+          <a:chOff x="0" y="0"/>
+          <a:chExt cx="0" cy="0"/>
+        </a:xfrm>
+      </p:grpSpPr>
+      <p:sp>
+        <p:nvSpPr>
+          <p:cNvPr id="2" name="Espace réservé de l'image des diapositives 1"/>
+          <p:cNvSpPr>
+            <a:spLocks noGrp="1" noRot="1" noChangeAspect="1"/>
+          </p:cNvSpPr>
+          <p:nvPr>
+            <p:ph type="sldImg"/>
+          </p:nvPr>
+        </p:nvSpPr>
+        <p:spPr/>
+      </p:sp>
+      <p:sp>
+        <p:nvSpPr>
+          <p:cNvPr id="3" name="Espace réservé des notes 2"/>
+          <p:cNvSpPr>
+            <a:spLocks noGrp="1"/>
+          </p:cNvSpPr>
+          <p:nvPr>
+            <p:ph type="body" idx="1"/>
+          </p:nvPr>
+        </p:nvSpPr>
+        <p:spPr/>
+        <p:txBody>
+          <a:bodyPr/>
+          <a:lstStyle/>
+          <a:p>
+            <a:endParaRPr lang="fr-FR" dirty="0"/>
+          </a:p>
+        </p:txBody>
+      </p:sp>
+      <p:sp>
+        <p:nvSpPr>
+          <p:cNvPr id="4" name="Espace réservé du numéro de diapositive 3"/>
+          <p:cNvSpPr>
+            <a:spLocks noGrp="1"/>
+          </p:cNvSpPr>
+          <p:nvPr>
+            <p:ph type="sldNum" sz="quarter" idx="10"/>
+          </p:nvPr>
+        </p:nvSpPr>
+        <p:spPr/>
+        <p:txBody>
+          <a:bodyPr/>
+          <a:lstStyle/>
+          <a:p>
+            <a:fld id="{1DB0C060-F7D4-4C65-826A-795CA5BE88E2}" type="slidenum">
+              <a:rPr lang="fr-FR" smtClean="0"/>
+              <a:t>13</a:t>
+            </a:fld>
+            <a:endParaRPr lang="fr-FR" dirty="0"/>
+          </a:p>
+        </p:txBody>
+      </p:sp>
+    </p:spTree>
+    <p:extLst>
+      <p:ext uri="{BB962C8B-B14F-4D97-AF65-F5344CB8AC3E}">
+        <p14:creationId xmlns:p14="http://schemas.microsoft.com/office/powerpoint/2010/main" val="1903860498"/>
+      </p:ext>
+    </p:extLst>
+  </p:cSld>
+  <p:clrMapOvr>
+    <a:masterClrMapping/>
+  </p:clrMapOvr>
+</p:notes>
+</file>
+
 <file path=ppt/notesSlides/notesSlide2.xml><?xml version="1.0" encoding="utf-8"?>
 <p:notes xmlns:a="http://schemas.openxmlformats.org/drawingml/2006/main" xmlns:r="http://schemas.openxmlformats.org/officeDocument/2006/relationships" xmlns:p="http://schemas.openxmlformats.org/presentationml/2006/main">
   <p:cSld>
@@ -968,7 +1225,7 @@
     </p:spTree>
     <p:extLst>
       <p:ext uri="{BB962C8B-B14F-4D97-AF65-F5344CB8AC3E}">
-        <p14:creationId xmlns:p14="http://schemas.microsoft.com/office/powerpoint/2010/main" val="1759697007"/>
+        <p14:creationId xmlns:p14="http://schemas.microsoft.com/office/powerpoint/2010/main" val="1577448778"/>
       </p:ext>
     </p:extLst>
   </p:cSld>
@@ -1052,7 +1309,7 @@
     </p:spTree>
     <p:extLst>
       <p:ext uri="{BB962C8B-B14F-4D97-AF65-F5344CB8AC3E}">
-        <p14:creationId xmlns:p14="http://schemas.microsoft.com/office/powerpoint/2010/main" val="1577448778"/>
+        <p14:creationId xmlns:p14="http://schemas.microsoft.com/office/powerpoint/2010/main" val="1350477476"/>
       </p:ext>
     </p:extLst>
   </p:cSld>
@@ -1136,7 +1393,7 @@
     </p:spTree>
     <p:extLst>
       <p:ext uri="{BB962C8B-B14F-4D97-AF65-F5344CB8AC3E}">
-        <p14:creationId xmlns:p14="http://schemas.microsoft.com/office/powerpoint/2010/main" val="1350477476"/>
+        <p14:creationId xmlns:p14="http://schemas.microsoft.com/office/powerpoint/2010/main" val="577474579"/>
       </p:ext>
     </p:extLst>
   </p:cSld>
@@ -1220,7 +1477,175 @@
     </p:spTree>
     <p:extLst>
       <p:ext uri="{BB962C8B-B14F-4D97-AF65-F5344CB8AC3E}">
-        <p14:creationId xmlns:p14="http://schemas.microsoft.com/office/powerpoint/2010/main" val="263710019"/>
+        <p14:creationId xmlns:p14="http://schemas.microsoft.com/office/powerpoint/2010/main" val="4129764298"/>
+      </p:ext>
+    </p:extLst>
+  </p:cSld>
+  <p:clrMapOvr>
+    <a:masterClrMapping/>
+  </p:clrMapOvr>
+</p:notes>
+</file>
+
+<file path=ppt/notesSlides/notesSlide8.xml><?xml version="1.0" encoding="utf-8"?>
+<p:notes xmlns:a="http://schemas.openxmlformats.org/drawingml/2006/main" xmlns:r="http://schemas.openxmlformats.org/officeDocument/2006/relationships" xmlns:p="http://schemas.openxmlformats.org/presentationml/2006/main">
+  <p:cSld>
+    <p:spTree>
+      <p:nvGrpSpPr>
+        <p:cNvPr id="1" name=""/>
+        <p:cNvGrpSpPr/>
+        <p:nvPr/>
+      </p:nvGrpSpPr>
+      <p:grpSpPr>
+        <a:xfrm>
+          <a:off x="0" y="0"/>
+          <a:ext cx="0" cy="0"/>
+          <a:chOff x="0" y="0"/>
+          <a:chExt cx="0" cy="0"/>
+        </a:xfrm>
+      </p:grpSpPr>
+      <p:sp>
+        <p:nvSpPr>
+          <p:cNvPr id="2" name="Espace réservé de l'image des diapositives 1"/>
+          <p:cNvSpPr>
+            <a:spLocks noGrp="1" noRot="1" noChangeAspect="1"/>
+          </p:cNvSpPr>
+          <p:nvPr>
+            <p:ph type="sldImg"/>
+          </p:nvPr>
+        </p:nvSpPr>
+        <p:spPr/>
+      </p:sp>
+      <p:sp>
+        <p:nvSpPr>
+          <p:cNvPr id="3" name="Espace réservé des notes 2"/>
+          <p:cNvSpPr>
+            <a:spLocks noGrp="1"/>
+          </p:cNvSpPr>
+          <p:nvPr>
+            <p:ph type="body" idx="1"/>
+          </p:nvPr>
+        </p:nvSpPr>
+        <p:spPr/>
+        <p:txBody>
+          <a:bodyPr/>
+          <a:lstStyle/>
+          <a:p>
+            <a:endParaRPr lang="fr-FR" dirty="0"/>
+          </a:p>
+        </p:txBody>
+      </p:sp>
+      <p:sp>
+        <p:nvSpPr>
+          <p:cNvPr id="4" name="Espace réservé du numéro de diapositive 3"/>
+          <p:cNvSpPr>
+            <a:spLocks noGrp="1"/>
+          </p:cNvSpPr>
+          <p:nvPr>
+            <p:ph type="sldNum" sz="quarter" idx="10"/>
+          </p:nvPr>
+        </p:nvSpPr>
+        <p:spPr/>
+        <p:txBody>
+          <a:bodyPr/>
+          <a:lstStyle/>
+          <a:p>
+            <a:fld id="{1DB0C060-F7D4-4C65-826A-795CA5BE88E2}" type="slidenum">
+              <a:rPr lang="fr-FR" smtClean="0"/>
+              <a:t>9</a:t>
+            </a:fld>
+            <a:endParaRPr lang="fr-FR" dirty="0"/>
+          </a:p>
+        </p:txBody>
+      </p:sp>
+    </p:spTree>
+    <p:extLst>
+      <p:ext uri="{BB962C8B-B14F-4D97-AF65-F5344CB8AC3E}">
+        <p14:creationId xmlns:p14="http://schemas.microsoft.com/office/powerpoint/2010/main" val="4010895823"/>
+      </p:ext>
+    </p:extLst>
+  </p:cSld>
+  <p:clrMapOvr>
+    <a:masterClrMapping/>
+  </p:clrMapOvr>
+</p:notes>
+</file>
+
+<file path=ppt/notesSlides/notesSlide9.xml><?xml version="1.0" encoding="utf-8"?>
+<p:notes xmlns:a="http://schemas.openxmlformats.org/drawingml/2006/main" xmlns:r="http://schemas.openxmlformats.org/officeDocument/2006/relationships" xmlns:p="http://schemas.openxmlformats.org/presentationml/2006/main">
+  <p:cSld>
+    <p:spTree>
+      <p:nvGrpSpPr>
+        <p:cNvPr id="1" name=""/>
+        <p:cNvGrpSpPr/>
+        <p:nvPr/>
+      </p:nvGrpSpPr>
+      <p:grpSpPr>
+        <a:xfrm>
+          <a:off x="0" y="0"/>
+          <a:ext cx="0" cy="0"/>
+          <a:chOff x="0" y="0"/>
+          <a:chExt cx="0" cy="0"/>
+        </a:xfrm>
+      </p:grpSpPr>
+      <p:sp>
+        <p:nvSpPr>
+          <p:cNvPr id="2" name="Espace réservé de l'image des diapositives 1"/>
+          <p:cNvSpPr>
+            <a:spLocks noGrp="1" noRot="1" noChangeAspect="1"/>
+          </p:cNvSpPr>
+          <p:nvPr>
+            <p:ph type="sldImg"/>
+          </p:nvPr>
+        </p:nvSpPr>
+        <p:spPr/>
+      </p:sp>
+      <p:sp>
+        <p:nvSpPr>
+          <p:cNvPr id="3" name="Espace réservé des notes 2"/>
+          <p:cNvSpPr>
+            <a:spLocks noGrp="1"/>
+          </p:cNvSpPr>
+          <p:nvPr>
+            <p:ph type="body" idx="1"/>
+          </p:nvPr>
+        </p:nvSpPr>
+        <p:spPr/>
+        <p:txBody>
+          <a:bodyPr/>
+          <a:lstStyle/>
+          <a:p>
+            <a:endParaRPr lang="fr-FR" dirty="0"/>
+          </a:p>
+        </p:txBody>
+      </p:sp>
+      <p:sp>
+        <p:nvSpPr>
+          <p:cNvPr id="4" name="Espace réservé du numéro de diapositive 3"/>
+          <p:cNvSpPr>
+            <a:spLocks noGrp="1"/>
+          </p:cNvSpPr>
+          <p:nvPr>
+            <p:ph type="sldNum" sz="quarter" idx="10"/>
+          </p:nvPr>
+        </p:nvSpPr>
+        <p:spPr/>
+        <p:txBody>
+          <a:bodyPr/>
+          <a:lstStyle/>
+          <a:p>
+            <a:fld id="{1DB0C060-F7D4-4C65-826A-795CA5BE88E2}" type="slidenum">
+              <a:rPr lang="fr-FR" smtClean="0"/>
+              <a:t>10</a:t>
+            </a:fld>
+            <a:endParaRPr lang="fr-FR" dirty="0"/>
+          </a:p>
+        </p:txBody>
+      </p:sp>
+    </p:spTree>
+    <p:extLst>
+      <p:ext uri="{BB962C8B-B14F-4D97-AF65-F5344CB8AC3E}">
+        <p14:creationId xmlns:p14="http://schemas.microsoft.com/office/powerpoint/2010/main" val="660550658"/>
       </p:ext>
     </p:extLst>
   </p:cSld>
@@ -4922,6 +5347,274 @@
 </p:sld>
 </file>
 
+<file path=ppt/slides/slide10.xml><?xml version="1.0" encoding="utf-8"?>
+<p:sld xmlns:a="http://schemas.openxmlformats.org/drawingml/2006/main" xmlns:r="http://schemas.openxmlformats.org/officeDocument/2006/relationships" xmlns:p="http://schemas.openxmlformats.org/presentationml/2006/main">
+  <p:cSld>
+    <p:spTree>
+      <p:nvGrpSpPr>
+        <p:cNvPr id="1" name=""/>
+        <p:cNvGrpSpPr/>
+        <p:nvPr/>
+      </p:nvGrpSpPr>
+      <p:grpSpPr>
+        <a:xfrm>
+          <a:off x="0" y="0"/>
+          <a:ext cx="0" cy="0"/>
+          <a:chOff x="0" y="0"/>
+          <a:chExt cx="0" cy="0"/>
+        </a:xfrm>
+      </p:grpSpPr>
+      <p:sp>
+        <p:nvSpPr>
+          <p:cNvPr id="2" name="Titre 1">
+            <a:extLst>
+              <a:ext uri="{FF2B5EF4-FFF2-40B4-BE49-F238E27FC236}">
+                <a16:creationId xmlns:a16="http://schemas.microsoft.com/office/drawing/2014/main" id="{75AC86D3-8FD1-4F47-A319-7D0542E48B2F}"/>
+              </a:ext>
+            </a:extLst>
+          </p:cNvPr>
+          <p:cNvSpPr>
+            <a:spLocks noGrp="1"/>
+          </p:cNvSpPr>
+          <p:nvPr>
+            <p:ph type="title"/>
+          </p:nvPr>
+        </p:nvSpPr>
+        <p:spPr>
+          <a:xfrm>
+            <a:off x="1097279" y="286603"/>
+            <a:ext cx="10679917" cy="1450757"/>
+          </a:xfrm>
+        </p:spPr>
+        <p:txBody>
+          <a:bodyPr vert="horz" lIns="91440" tIns="45720" rIns="91440" bIns="45720" rtlCol="0">
+            <a:normAutofit/>
+          </a:bodyPr>
+          <a:lstStyle/>
+          <a:p>
+            <a:r>
+              <a:rPr lang="fr-FR" dirty="0"/>
+              <a:t>Analyse 4 : </a:t>
+            </a:r>
+          </a:p>
+        </p:txBody>
+      </p:sp>
+    </p:spTree>
+    <p:extLst>
+      <p:ext uri="{BB962C8B-B14F-4D97-AF65-F5344CB8AC3E}">
+        <p14:creationId xmlns:p14="http://schemas.microsoft.com/office/powerpoint/2010/main" val="1918219148"/>
+      </p:ext>
+    </p:extLst>
+  </p:cSld>
+  <p:clrMapOvr>
+    <a:masterClrMapping/>
+  </p:clrMapOvr>
+</p:sld>
+</file>
+
+<file path=ppt/slides/slide11.xml><?xml version="1.0" encoding="utf-8"?>
+<p:sld xmlns:a="http://schemas.openxmlformats.org/drawingml/2006/main" xmlns:r="http://schemas.openxmlformats.org/officeDocument/2006/relationships" xmlns:p="http://schemas.openxmlformats.org/presentationml/2006/main">
+  <p:cSld>
+    <p:bg>
+      <p:bgPr>
+        <a:solidFill>
+          <a:schemeClr val="bg1"/>
+        </a:solidFill>
+        <a:effectLst/>
+      </p:bgPr>
+    </p:bg>
+    <p:spTree>
+      <p:nvGrpSpPr>
+        <p:cNvPr id="1" name=""/>
+        <p:cNvGrpSpPr/>
+        <p:nvPr/>
+      </p:nvGrpSpPr>
+      <p:grpSpPr>
+        <a:xfrm>
+          <a:off x="0" y="0"/>
+          <a:ext cx="0" cy="0"/>
+          <a:chOff x="0" y="0"/>
+          <a:chExt cx="0" cy="0"/>
+        </a:xfrm>
+      </p:grpSpPr>
+      <p:sp>
+        <p:nvSpPr>
+          <p:cNvPr id="2" name="Titre 1">
+            <a:extLst>
+              <a:ext uri="{FF2B5EF4-FFF2-40B4-BE49-F238E27FC236}">
+                <a16:creationId xmlns:a16="http://schemas.microsoft.com/office/drawing/2014/main" id="{75AC86D3-8FD1-4F47-A319-7D0542E48B2F}"/>
+              </a:ext>
+            </a:extLst>
+          </p:cNvPr>
+          <p:cNvSpPr>
+            <a:spLocks noGrp="1"/>
+          </p:cNvSpPr>
+          <p:nvPr>
+            <p:ph type="title"/>
+          </p:nvPr>
+        </p:nvSpPr>
+        <p:spPr>
+          <a:xfrm>
+            <a:off x="1097279" y="286603"/>
+            <a:ext cx="10679917" cy="1450757"/>
+          </a:xfrm>
+        </p:spPr>
+        <p:txBody>
+          <a:bodyPr vert="horz" lIns="91440" tIns="45720" rIns="91440" bIns="45720" rtlCol="0">
+            <a:normAutofit/>
+          </a:bodyPr>
+          <a:lstStyle/>
+          <a:p>
+            <a:r>
+              <a:rPr lang="fr-FR" dirty="0"/>
+              <a:t>Analyse 4 :</a:t>
+            </a:r>
+          </a:p>
+        </p:txBody>
+      </p:sp>
+    </p:spTree>
+    <p:extLst>
+      <p:ext uri="{BB962C8B-B14F-4D97-AF65-F5344CB8AC3E}">
+        <p14:creationId xmlns:p14="http://schemas.microsoft.com/office/powerpoint/2010/main" val="3344351138"/>
+      </p:ext>
+    </p:extLst>
+  </p:cSld>
+  <p:clrMapOvr>
+    <a:masterClrMapping/>
+  </p:clrMapOvr>
+</p:sld>
+</file>
+
+<file path=ppt/slides/slide12.xml><?xml version="1.0" encoding="utf-8"?>
+<p:sld xmlns:a="http://schemas.openxmlformats.org/drawingml/2006/main" xmlns:r="http://schemas.openxmlformats.org/officeDocument/2006/relationships" xmlns:p="http://schemas.openxmlformats.org/presentationml/2006/main">
+  <p:cSld>
+    <p:spTree>
+      <p:nvGrpSpPr>
+        <p:cNvPr id="1" name=""/>
+        <p:cNvGrpSpPr/>
+        <p:nvPr/>
+      </p:nvGrpSpPr>
+      <p:grpSpPr>
+        <a:xfrm>
+          <a:off x="0" y="0"/>
+          <a:ext cx="0" cy="0"/>
+          <a:chOff x="0" y="0"/>
+          <a:chExt cx="0" cy="0"/>
+        </a:xfrm>
+      </p:grpSpPr>
+      <p:sp>
+        <p:nvSpPr>
+          <p:cNvPr id="2" name="Titre 1">
+            <a:extLst>
+              <a:ext uri="{FF2B5EF4-FFF2-40B4-BE49-F238E27FC236}">
+                <a16:creationId xmlns:a16="http://schemas.microsoft.com/office/drawing/2014/main" id="{75AC86D3-8FD1-4F47-A319-7D0542E48B2F}"/>
+              </a:ext>
+            </a:extLst>
+          </p:cNvPr>
+          <p:cNvSpPr>
+            <a:spLocks noGrp="1"/>
+          </p:cNvSpPr>
+          <p:nvPr>
+            <p:ph type="title"/>
+          </p:nvPr>
+        </p:nvSpPr>
+        <p:spPr>
+          <a:xfrm>
+            <a:off x="1097279" y="286603"/>
+            <a:ext cx="10679917" cy="1450757"/>
+          </a:xfrm>
+        </p:spPr>
+        <p:txBody>
+          <a:bodyPr vert="horz" lIns="91440" tIns="45720" rIns="91440" bIns="45720" rtlCol="0">
+            <a:normAutofit/>
+          </a:bodyPr>
+          <a:lstStyle/>
+          <a:p>
+            <a:r>
+              <a:rPr lang="fr-FR" dirty="0"/>
+              <a:t>Analyse 5 :</a:t>
+            </a:r>
+          </a:p>
+        </p:txBody>
+      </p:sp>
+    </p:spTree>
+    <p:extLst>
+      <p:ext uri="{BB962C8B-B14F-4D97-AF65-F5344CB8AC3E}">
+        <p14:creationId xmlns:p14="http://schemas.microsoft.com/office/powerpoint/2010/main" val="1343382333"/>
+      </p:ext>
+    </p:extLst>
+  </p:cSld>
+  <p:clrMapOvr>
+    <a:masterClrMapping/>
+  </p:clrMapOvr>
+</p:sld>
+</file>
+
+<file path=ppt/slides/slide13.xml><?xml version="1.0" encoding="utf-8"?>
+<p:sld xmlns:a="http://schemas.openxmlformats.org/drawingml/2006/main" xmlns:r="http://schemas.openxmlformats.org/officeDocument/2006/relationships" xmlns:p="http://schemas.openxmlformats.org/presentationml/2006/main">
+  <p:cSld>
+    <p:spTree>
+      <p:nvGrpSpPr>
+        <p:cNvPr id="1" name=""/>
+        <p:cNvGrpSpPr/>
+        <p:nvPr/>
+      </p:nvGrpSpPr>
+      <p:grpSpPr>
+        <a:xfrm>
+          <a:off x="0" y="0"/>
+          <a:ext cx="0" cy="0"/>
+          <a:chOff x="0" y="0"/>
+          <a:chExt cx="0" cy="0"/>
+        </a:xfrm>
+      </p:grpSpPr>
+      <p:sp>
+        <p:nvSpPr>
+          <p:cNvPr id="2" name="Titre 1">
+            <a:extLst>
+              <a:ext uri="{FF2B5EF4-FFF2-40B4-BE49-F238E27FC236}">
+                <a16:creationId xmlns:a16="http://schemas.microsoft.com/office/drawing/2014/main" id="{75AC86D3-8FD1-4F47-A319-7D0542E48B2F}"/>
+              </a:ext>
+            </a:extLst>
+          </p:cNvPr>
+          <p:cNvSpPr>
+            <a:spLocks noGrp="1"/>
+          </p:cNvSpPr>
+          <p:nvPr>
+            <p:ph type="title"/>
+          </p:nvPr>
+        </p:nvSpPr>
+        <p:spPr>
+          <a:xfrm>
+            <a:off x="1097279" y="286603"/>
+            <a:ext cx="10679917" cy="1450757"/>
+          </a:xfrm>
+        </p:spPr>
+        <p:txBody>
+          <a:bodyPr vert="horz" lIns="91440" tIns="45720" rIns="91440" bIns="45720" rtlCol="0">
+            <a:normAutofit/>
+          </a:bodyPr>
+          <a:lstStyle/>
+          <a:p>
+            <a:r>
+              <a:rPr lang="fr-FR" dirty="0"/>
+              <a:t>Analyse 5 :</a:t>
+            </a:r>
+          </a:p>
+        </p:txBody>
+      </p:sp>
+    </p:spTree>
+    <p:extLst>
+      <p:ext uri="{BB962C8B-B14F-4D97-AF65-F5344CB8AC3E}">
+        <p14:creationId xmlns:p14="http://schemas.microsoft.com/office/powerpoint/2010/main" val="3169691364"/>
+      </p:ext>
+    </p:extLst>
+  </p:cSld>
+  <p:clrMapOvr>
+    <a:masterClrMapping/>
+  </p:clrMapOvr>
+</p:sld>
+</file>
+
 <file path=ppt/slides/slide2.xml><?xml version="1.0" encoding="utf-8"?>
 <p:sld xmlns:a="http://schemas.openxmlformats.org/drawingml/2006/main" xmlns:r="http://schemas.openxmlformats.org/officeDocument/2006/relationships" xmlns:p="http://schemas.openxmlformats.org/presentationml/2006/main">
   <p:cSld>
@@ -5364,109 +6057,6 @@
         </p:blipFill>
         <p:spPr>
           <a:xfrm>
-            <a:off x="653355" y="2349471"/>
-            <a:ext cx="4014897" cy="3713337"/>
-          </a:xfrm>
-          <a:prstGeom prst="rect">
-            <a:avLst/>
-          </a:prstGeom>
-        </p:spPr>
-      </p:pic>
-    </p:spTree>
-    <p:extLst>
-      <p:ext uri="{BB962C8B-B14F-4D97-AF65-F5344CB8AC3E}">
-        <p14:creationId xmlns:p14="http://schemas.microsoft.com/office/powerpoint/2010/main" val="3163268142"/>
-      </p:ext>
-    </p:extLst>
-  </p:cSld>
-  <p:clrMapOvr>
-    <a:masterClrMapping/>
-  </p:clrMapOvr>
-</p:sld>
-</file>
-
-<file path=ppt/slides/slide6.xml><?xml version="1.0" encoding="utf-8"?>
-<p:sld xmlns:a="http://schemas.openxmlformats.org/drawingml/2006/main" xmlns:r="http://schemas.openxmlformats.org/officeDocument/2006/relationships" xmlns:p="http://schemas.openxmlformats.org/presentationml/2006/main">
-  <p:cSld>
-    <p:bg>
-      <p:bgPr>
-        <a:solidFill>
-          <a:schemeClr val="bg1"/>
-        </a:solidFill>
-        <a:effectLst/>
-      </p:bgPr>
-    </p:bg>
-    <p:spTree>
-      <p:nvGrpSpPr>
-        <p:cNvPr id="1" name=""/>
-        <p:cNvGrpSpPr/>
-        <p:nvPr/>
-      </p:nvGrpSpPr>
-      <p:grpSpPr>
-        <a:xfrm>
-          <a:off x="0" y="0"/>
-          <a:ext cx="0" cy="0"/>
-          <a:chOff x="0" y="0"/>
-          <a:chExt cx="0" cy="0"/>
-        </a:xfrm>
-      </p:grpSpPr>
-      <p:sp>
-        <p:nvSpPr>
-          <p:cNvPr id="2" name="Titre 1">
-            <a:extLst>
-              <a:ext uri="{FF2B5EF4-FFF2-40B4-BE49-F238E27FC236}">
-                <a16:creationId xmlns:a16="http://schemas.microsoft.com/office/drawing/2014/main" id="{75AC86D3-8FD1-4F47-A319-7D0542E48B2F}"/>
-              </a:ext>
-            </a:extLst>
-          </p:cNvPr>
-          <p:cNvSpPr>
-            <a:spLocks noGrp="1"/>
-          </p:cNvSpPr>
-          <p:nvPr>
-            <p:ph type="title"/>
-          </p:nvPr>
-        </p:nvSpPr>
-        <p:spPr>
-          <a:xfrm>
-            <a:off x="1097279" y="286603"/>
-            <a:ext cx="10679917" cy="1450757"/>
-          </a:xfrm>
-        </p:spPr>
-        <p:txBody>
-          <a:bodyPr vert="horz" lIns="91440" tIns="45720" rIns="91440" bIns="45720" rtlCol="0">
-            <a:normAutofit/>
-          </a:bodyPr>
-          <a:lstStyle/>
-          <a:p>
-            <a:r>
-              <a:rPr lang="fr-FR" dirty="0"/>
-              <a:t>Analyse 2 : Nombre vacciné (2R,HF)</a:t>
-            </a:r>
-          </a:p>
-        </p:txBody>
-      </p:sp>
-      <p:pic>
-        <p:nvPicPr>
-          <p:cNvPr id="3" name="Image 2" descr="Une image contenant table&#10;&#10;Description générée automatiquement">
-            <a:extLst>
-              <a:ext uri="{FF2B5EF4-FFF2-40B4-BE49-F238E27FC236}">
-                <a16:creationId xmlns:a16="http://schemas.microsoft.com/office/drawing/2014/main" id="{4E102902-F8A4-19D6-8FB6-FFA27522A581}"/>
-              </a:ext>
-            </a:extLst>
-          </p:cNvPr>
-          <p:cNvPicPr>
-            <a:picLocks noChangeAspect="1"/>
-          </p:cNvPicPr>
-          <p:nvPr/>
-        </p:nvPicPr>
-        <p:blipFill>
-          <a:blip r:embed="rId4"/>
-          <a:stretch>
-            <a:fillRect/>
-          </a:stretch>
-        </p:blipFill>
-        <p:spPr>
-          <a:xfrm>
             <a:off x="330222" y="2414643"/>
             <a:ext cx="3959895" cy="3662466"/>
           </a:xfrm>
@@ -5518,7 +6108,7 @@
 </p:sld>
 </file>
 
-<file path=ppt/slides/slide7.xml><?xml version="1.0" encoding="utf-8"?>
+<file path=ppt/slides/slide6.xml><?xml version="1.0" encoding="utf-8"?>
 <p:sld xmlns:a="http://schemas.openxmlformats.org/drawingml/2006/main" xmlns:r="http://schemas.openxmlformats.org/officeDocument/2006/relationships" xmlns:p="http://schemas.openxmlformats.org/presentationml/2006/main">
   <p:cSld>
     <p:bg>
@@ -5651,7 +6241,7 @@
 </p:sld>
 </file>
 
-<file path=ppt/slides/slide8.xml><?xml version="1.0" encoding="utf-8"?>
+<file path=ppt/slides/slide7.xml><?xml version="1.0" encoding="utf-8"?>
 <p:sld xmlns:a="http://schemas.openxmlformats.org/drawingml/2006/main" xmlns:r="http://schemas.openxmlformats.org/officeDocument/2006/relationships" xmlns:p="http://schemas.openxmlformats.org/presentationml/2006/main">
   <p:cSld>
     <p:bg>
@@ -5744,7 +6334,225 @@
     </p:spTree>
     <p:extLst>
       <p:ext uri="{BB962C8B-B14F-4D97-AF65-F5344CB8AC3E}">
-        <p14:creationId xmlns:p14="http://schemas.microsoft.com/office/powerpoint/2010/main" val="3344351138"/>
+        <p14:creationId xmlns:p14="http://schemas.microsoft.com/office/powerpoint/2010/main" val="1396635186"/>
+      </p:ext>
+    </p:extLst>
+  </p:cSld>
+  <p:clrMapOvr>
+    <a:masterClrMapping/>
+  </p:clrMapOvr>
+</p:sld>
+</file>
+
+<file path=ppt/slides/slide8.xml><?xml version="1.0" encoding="utf-8"?>
+<p:sld xmlns:a="http://schemas.openxmlformats.org/drawingml/2006/main" xmlns:r="http://schemas.openxmlformats.org/officeDocument/2006/relationships" xmlns:p="http://schemas.openxmlformats.org/presentationml/2006/main">
+  <p:cSld>
+    <p:bg>
+      <p:bgPr>
+        <a:solidFill>
+          <a:schemeClr val="bg1"/>
+        </a:solidFill>
+        <a:effectLst/>
+      </p:bgPr>
+    </p:bg>
+    <p:spTree>
+      <p:nvGrpSpPr>
+        <p:cNvPr id="1" name=""/>
+        <p:cNvGrpSpPr/>
+        <p:nvPr/>
+      </p:nvGrpSpPr>
+      <p:grpSpPr>
+        <a:xfrm>
+          <a:off x="0" y="0"/>
+          <a:ext cx="0" cy="0"/>
+          <a:chOff x="0" y="0"/>
+          <a:chExt cx="0" cy="0"/>
+        </a:xfrm>
+      </p:grpSpPr>
+      <p:sp>
+        <p:nvSpPr>
+          <p:cNvPr id="2" name="Titre 1">
+            <a:extLst>
+              <a:ext uri="{FF2B5EF4-FFF2-40B4-BE49-F238E27FC236}">
+                <a16:creationId xmlns:a16="http://schemas.microsoft.com/office/drawing/2014/main" id="{75AC86D3-8FD1-4F47-A319-7D0542E48B2F}"/>
+              </a:ext>
+            </a:extLst>
+          </p:cNvPr>
+          <p:cNvSpPr>
+            <a:spLocks noGrp="1"/>
+          </p:cNvSpPr>
+          <p:nvPr>
+            <p:ph type="title"/>
+          </p:nvPr>
+        </p:nvSpPr>
+        <p:spPr>
+          <a:xfrm>
+            <a:off x="1097279" y="286603"/>
+            <a:ext cx="10679917" cy="1450757"/>
+          </a:xfrm>
+        </p:spPr>
+        <p:txBody>
+          <a:bodyPr vert="horz" lIns="91440" tIns="45720" rIns="91440" bIns="45720" rtlCol="0">
+            <a:normAutofit/>
+          </a:bodyPr>
+          <a:lstStyle/>
+          <a:p>
+            <a:r>
+              <a:rPr lang="fr-FR" dirty="0"/>
+              <a:t>Analyse 3 : </a:t>
+            </a:r>
+          </a:p>
+        </p:txBody>
+      </p:sp>
+      <p:sp>
+        <p:nvSpPr>
+          <p:cNvPr id="5" name="ZoneTexte 4">
+            <a:extLst>
+              <a:ext uri="{FF2B5EF4-FFF2-40B4-BE49-F238E27FC236}">
+                <a16:creationId xmlns:a16="http://schemas.microsoft.com/office/drawing/2014/main" id="{F52FCA73-BEEB-F9A9-6A8F-552E077094AC}"/>
+              </a:ext>
+            </a:extLst>
+          </p:cNvPr>
+          <p:cNvSpPr txBox="1"/>
+          <p:nvPr/>
+        </p:nvSpPr>
+        <p:spPr>
+          <a:xfrm>
+            <a:off x="3671350" y="3052583"/>
+            <a:ext cx="2484655" cy="369332"/>
+          </a:xfrm>
+          <a:prstGeom prst="rect">
+            <a:avLst/>
+          </a:prstGeom>
+          <a:noFill/>
+        </p:spPr>
+        <p:txBody>
+          <a:bodyPr wrap="none" rtlCol="0">
+            <a:spAutoFit/>
+          </a:bodyPr>
+          <a:lstStyle/>
+          <a:p>
+            <a:r>
+              <a:rPr lang="fr-FR" dirty="0"/>
+              <a:t>Mettre ici données </a:t>
+            </a:r>
+            <a:r>
+              <a:rPr lang="fr-FR" dirty="0" err="1"/>
+              <a:t>view</a:t>
+            </a:r>
+            <a:endParaRPr lang="fr-FR" dirty="0"/>
+          </a:p>
+        </p:txBody>
+      </p:sp>
+    </p:spTree>
+    <p:extLst>
+      <p:ext uri="{BB962C8B-B14F-4D97-AF65-F5344CB8AC3E}">
+        <p14:creationId xmlns:p14="http://schemas.microsoft.com/office/powerpoint/2010/main" val="892149957"/>
+      </p:ext>
+    </p:extLst>
+  </p:cSld>
+  <p:clrMapOvr>
+    <a:masterClrMapping/>
+  </p:clrMapOvr>
+</p:sld>
+</file>
+
+<file path=ppt/slides/slide9.xml><?xml version="1.0" encoding="utf-8"?>
+<p:sld xmlns:a="http://schemas.openxmlformats.org/drawingml/2006/main" xmlns:r="http://schemas.openxmlformats.org/officeDocument/2006/relationships" xmlns:p="http://schemas.openxmlformats.org/presentationml/2006/main">
+  <p:cSld>
+    <p:spTree>
+      <p:nvGrpSpPr>
+        <p:cNvPr id="1" name=""/>
+        <p:cNvGrpSpPr/>
+        <p:nvPr/>
+      </p:nvGrpSpPr>
+      <p:grpSpPr>
+        <a:xfrm>
+          <a:off x="0" y="0"/>
+          <a:ext cx="0" cy="0"/>
+          <a:chOff x="0" y="0"/>
+          <a:chExt cx="0" cy="0"/>
+        </a:xfrm>
+      </p:grpSpPr>
+      <p:sp>
+        <p:nvSpPr>
+          <p:cNvPr id="2" name="Titre 1">
+            <a:extLst>
+              <a:ext uri="{FF2B5EF4-FFF2-40B4-BE49-F238E27FC236}">
+                <a16:creationId xmlns:a16="http://schemas.microsoft.com/office/drawing/2014/main" id="{75AC86D3-8FD1-4F47-A319-7D0542E48B2F}"/>
+              </a:ext>
+            </a:extLst>
+          </p:cNvPr>
+          <p:cNvSpPr>
+            <a:spLocks noGrp="1"/>
+          </p:cNvSpPr>
+          <p:nvPr>
+            <p:ph type="title"/>
+          </p:nvPr>
+        </p:nvSpPr>
+        <p:spPr>
+          <a:xfrm>
+            <a:off x="1097279" y="286603"/>
+            <a:ext cx="10679917" cy="1450757"/>
+          </a:xfrm>
+        </p:spPr>
+        <p:txBody>
+          <a:bodyPr vert="horz" lIns="91440" tIns="45720" rIns="91440" bIns="45720" rtlCol="0">
+            <a:normAutofit/>
+          </a:bodyPr>
+          <a:lstStyle/>
+          <a:p>
+            <a:r>
+              <a:rPr lang="fr-FR" dirty="0"/>
+              <a:t>Analyse 3 : </a:t>
+            </a:r>
+          </a:p>
+        </p:txBody>
+      </p:sp>
+      <p:sp>
+        <p:nvSpPr>
+          <p:cNvPr id="3" name="ZoneTexte 2">
+            <a:extLst>
+              <a:ext uri="{FF2B5EF4-FFF2-40B4-BE49-F238E27FC236}">
+                <a16:creationId xmlns:a16="http://schemas.microsoft.com/office/drawing/2014/main" id="{C3EE6FBA-B49F-15A4-C12D-2107F179F10E}"/>
+              </a:ext>
+            </a:extLst>
+          </p:cNvPr>
+          <p:cNvSpPr txBox="1"/>
+          <p:nvPr/>
+        </p:nvSpPr>
+        <p:spPr>
+          <a:xfrm>
+            <a:off x="3671350" y="3052583"/>
+            <a:ext cx="1715983" cy="369332"/>
+          </a:xfrm>
+          <a:prstGeom prst="rect">
+            <a:avLst/>
+          </a:prstGeom>
+          <a:noFill/>
+        </p:spPr>
+        <p:txBody>
+          <a:bodyPr wrap="none" rtlCol="0">
+            <a:spAutoFit/>
+          </a:bodyPr>
+          <a:lstStyle/>
+          <a:p>
+            <a:r>
+              <a:rPr lang="fr-FR" dirty="0"/>
+              <a:t>Mettre </a:t>
+            </a:r>
+            <a:r>
+              <a:rPr lang="fr-FR"/>
+              <a:t>ici graph</a:t>
+            </a:r>
+            <a:endParaRPr lang="fr-FR" dirty="0"/>
+          </a:p>
+        </p:txBody>
+      </p:sp>
+    </p:spTree>
+    <p:extLst>
+      <p:ext uri="{BB962C8B-B14F-4D97-AF65-F5344CB8AC3E}">
+        <p14:creationId xmlns:p14="http://schemas.microsoft.com/office/powerpoint/2010/main" val="3173444793"/>
       </p:ext>
     </p:extLst>
   </p:cSld>
@@ -6860,7 +7668,59 @@
 </a:themeOverride>
 </file>
 
+<file path=ppt/theme/themeOverride8.xml><?xml version="1.0" encoding="utf-8"?>
+<a:themeOverride xmlns:a="http://schemas.openxmlformats.org/drawingml/2006/main">
+  <a:clrScheme name="Parcel">
+    <a:dk1>
+      <a:srgbClr val="000000"/>
+    </a:dk1>
+    <a:lt1>
+      <a:srgbClr val="FFFFFF"/>
+    </a:lt1>
+    <a:dk2>
+      <a:srgbClr val="4A5356"/>
+    </a:dk2>
+    <a:lt2>
+      <a:srgbClr val="E8E3CE"/>
+    </a:lt2>
+    <a:accent1>
+      <a:srgbClr val="F6A21D"/>
+    </a:accent1>
+    <a:accent2>
+      <a:srgbClr val="9BAFB5"/>
+    </a:accent2>
+    <a:accent3>
+      <a:srgbClr val="C96731"/>
+    </a:accent3>
+    <a:accent4>
+      <a:srgbClr val="9CA383"/>
+    </a:accent4>
+    <a:accent5>
+      <a:srgbClr val="87795D"/>
+    </a:accent5>
+    <a:accent6>
+      <a:srgbClr val="A0988C"/>
+    </a:accent6>
+    <a:hlink>
+      <a:srgbClr val="00B0F0"/>
+    </a:hlink>
+    <a:folHlink>
+      <a:srgbClr val="738F97"/>
+    </a:folHlink>
+  </a:clrScheme>
+</a:themeOverride>
+</file>
+
 <file path=customXml/item1.xml><?xml version="1.0" encoding="utf-8"?>
+<?mso-contentType ?>
+<FormTemplates xmlns="http://schemas.microsoft.com/sharepoint/v3/contenttype/forms">
+  <Display>DocumentLibraryForm</Display>
+  <Edit>DocumentLibraryForm</Edit>
+  <New>DocumentLibraryForm</New>
+</FormTemplates>
+</file>
+
+<file path=customXml/item2.xml><?xml version="1.0" encoding="utf-8"?>
 <ct:contentTypeSchema xmlns:ct="http://schemas.microsoft.com/office/2006/metadata/contentType" xmlns:ma="http://schemas.microsoft.com/office/2006/metadata/properties/metaAttributes" ct:_="" ma:_="" ma:contentTypeName="Document" ma:contentTypeID="0x01010079F111ED35F8CC479449609E8A0923A6" ma:contentTypeVersion="12" ma:contentTypeDescription="Create a new document." ma:contentTypeScope="" ma:versionID="a410dd7f93c95333ffa1b60ed6adedd1">
   <xsd:schema xmlns:xsd="http://www.w3.org/2001/XMLSchema" xmlns:xs="http://www.w3.org/2001/XMLSchema" xmlns:p="http://schemas.microsoft.com/office/2006/metadata/properties" xmlns:ns2="71af3243-3dd4-4a8d-8c0d-dd76da1f02a5" xmlns:ns3="16c05727-aa75-4e4a-9b5f-8a80a1165891" targetNamespace="http://schemas.microsoft.com/office/2006/metadata/properties" ma:root="true" ma:fieldsID="a936d9baba76aa3866493feff160faab" ns2:_="" ns3:_="">
     <xsd:import namespace="71af3243-3dd4-4a8d-8c0d-dd76da1f02a5"/>
@@ -7081,15 +7941,6 @@
 </ct:contentTypeSchema>
 </file>
 
-<file path=customXml/item2.xml><?xml version="1.0" encoding="utf-8"?>
-<?mso-contentType ?>
-<FormTemplates xmlns="http://schemas.microsoft.com/sharepoint/v3/contenttype/forms">
-  <Display>DocumentLibraryForm</Display>
-  <Edit>DocumentLibraryForm</Edit>
-  <New>DocumentLibraryForm</New>
-</FormTemplates>
-</file>
-
 <file path=customXml/item3.xml><?xml version="1.0" encoding="utf-8"?>
 <p:properties xmlns:p="http://schemas.microsoft.com/office/2006/metadata/properties" xmlns:xsi="http://www.w3.org/2001/XMLSchema-instance" xmlns:pc="http://schemas.microsoft.com/office/infopath/2007/PartnerControls">
   <documentManagement>
@@ -7100,6 +7951,14 @@
 </file>
 
 <file path=customXml/itemProps1.xml><?xml version="1.0" encoding="utf-8"?>
+<ds:datastoreItem xmlns:ds="http://schemas.openxmlformats.org/officeDocument/2006/customXml" ds:itemID="{AA3F7EDC-E5B4-4BBC-9D2A-CBE6D46C37AD}">
+  <ds:schemaRefs>
+    <ds:schemaRef ds:uri="http://schemas.microsoft.com/sharepoint/v3/contenttype/forms"/>
+  </ds:schemaRefs>
+</ds:datastoreItem>
+</file>
+
+<file path=customXml/itemProps2.xml><?xml version="1.0" encoding="utf-8"?>
 <ds:datastoreItem xmlns:ds="http://schemas.openxmlformats.org/officeDocument/2006/customXml" ds:itemID="{93932EF5-314F-409E-8020-FEE5FA0795B9}">
   <ds:schemaRefs>
     <ds:schemaRef ds:uri="http://schemas.microsoft.com/office/2006/metadata/contentType"/>
@@ -7118,14 +7977,6 @@
 </ds:datastoreItem>
 </file>
 
-<file path=customXml/itemProps2.xml><?xml version="1.0" encoding="utf-8"?>
-<ds:datastoreItem xmlns:ds="http://schemas.openxmlformats.org/officeDocument/2006/customXml" ds:itemID="{AA3F7EDC-E5B4-4BBC-9D2A-CBE6D46C37AD}">
-  <ds:schemaRefs>
-    <ds:schemaRef ds:uri="http://schemas.microsoft.com/sharepoint/v3/contenttype/forms"/>
-  </ds:schemaRefs>
-</ds:datastoreItem>
-</file>
-
 <file path=customXml/itemProps3.xml><?xml version="1.0" encoding="utf-8"?>
 <ds:datastoreItem xmlns:ds="http://schemas.openxmlformats.org/officeDocument/2006/customXml" ds:itemID="{A03EEFF0-FB57-4CB4-8BFC-DF397689E2ED}">
   <ds:schemaRefs>

--- a/Stats.pptx
+++ b/Stats.pptx
@@ -5,10 +5,10 @@
     <p:sldMasterId id="2147483660" r:id="rId4"/>
   </p:sldMasterIdLst>
   <p:notesMasterIdLst>
-    <p:notesMasterId r:id="rId18"/>
+    <p:notesMasterId r:id="rId21"/>
   </p:notesMasterIdLst>
   <p:handoutMasterIdLst>
-    <p:handoutMasterId r:id="rId19"/>
+    <p:handoutMasterId r:id="rId22"/>
   </p:handoutMasterIdLst>
   <p:sldIdLst>
     <p:sldId id="298" r:id="rId5"/>
@@ -20,10 +20,13 @@
     <p:sldId id="308" r:id="rId11"/>
     <p:sldId id="307" r:id="rId12"/>
     <p:sldId id="309" r:id="rId13"/>
-    <p:sldId id="310" r:id="rId14"/>
-    <p:sldId id="306" r:id="rId15"/>
-    <p:sldId id="311" r:id="rId16"/>
-    <p:sldId id="312" r:id="rId17"/>
+    <p:sldId id="313" r:id="rId14"/>
+    <p:sldId id="310" r:id="rId15"/>
+    <p:sldId id="306" r:id="rId16"/>
+    <p:sldId id="314" r:id="rId17"/>
+    <p:sldId id="311" r:id="rId18"/>
+    <p:sldId id="312" r:id="rId19"/>
+    <p:sldId id="315" r:id="rId20"/>
   </p:sldIdLst>
   <p:sldSz cx="12192000" cy="6858000"/>
   <p:notesSz cx="6858000" cy="9144000"/>
@@ -805,7 +808,7 @@
     </p:spTree>
     <p:extLst>
       <p:ext uri="{BB962C8B-B14F-4D97-AF65-F5344CB8AC3E}">
-        <p14:creationId xmlns:p14="http://schemas.microsoft.com/office/powerpoint/2010/main" val="263710019"/>
+        <p14:creationId xmlns:p14="http://schemas.microsoft.com/office/powerpoint/2010/main" val="660550658"/>
       </p:ext>
     </p:extLst>
   </p:cSld>
@@ -889,7 +892,7 @@
     </p:spTree>
     <p:extLst>
       <p:ext uri="{BB962C8B-B14F-4D97-AF65-F5344CB8AC3E}">
-        <p14:creationId xmlns:p14="http://schemas.microsoft.com/office/powerpoint/2010/main" val="2732436969"/>
+        <p14:creationId xmlns:p14="http://schemas.microsoft.com/office/powerpoint/2010/main" val="263710019"/>
       </p:ext>
     </p:extLst>
   </p:cSld>
@@ -973,7 +976,259 @@
     </p:spTree>
     <p:extLst>
       <p:ext uri="{BB962C8B-B14F-4D97-AF65-F5344CB8AC3E}">
+        <p14:creationId xmlns:p14="http://schemas.microsoft.com/office/powerpoint/2010/main" val="2781311793"/>
+      </p:ext>
+    </p:extLst>
+  </p:cSld>
+  <p:clrMapOvr>
+    <a:masterClrMapping/>
+  </p:clrMapOvr>
+</p:notes>
+</file>
+
+<file path=ppt/notesSlides/notesSlide13.xml><?xml version="1.0" encoding="utf-8"?>
+<p:notes xmlns:a="http://schemas.openxmlformats.org/drawingml/2006/main" xmlns:r="http://schemas.openxmlformats.org/officeDocument/2006/relationships" xmlns:p="http://schemas.openxmlformats.org/presentationml/2006/main">
+  <p:cSld>
+    <p:spTree>
+      <p:nvGrpSpPr>
+        <p:cNvPr id="1" name=""/>
+        <p:cNvGrpSpPr/>
+        <p:nvPr/>
+      </p:nvGrpSpPr>
+      <p:grpSpPr>
+        <a:xfrm>
+          <a:off x="0" y="0"/>
+          <a:ext cx="0" cy="0"/>
+          <a:chOff x="0" y="0"/>
+          <a:chExt cx="0" cy="0"/>
+        </a:xfrm>
+      </p:grpSpPr>
+      <p:sp>
+        <p:nvSpPr>
+          <p:cNvPr id="2" name="Espace réservé de l'image des diapositives 1"/>
+          <p:cNvSpPr>
+            <a:spLocks noGrp="1" noRot="1" noChangeAspect="1"/>
+          </p:cNvSpPr>
+          <p:nvPr>
+            <p:ph type="sldImg"/>
+          </p:nvPr>
+        </p:nvSpPr>
+        <p:spPr/>
+      </p:sp>
+      <p:sp>
+        <p:nvSpPr>
+          <p:cNvPr id="3" name="Espace réservé des notes 2"/>
+          <p:cNvSpPr>
+            <a:spLocks noGrp="1"/>
+          </p:cNvSpPr>
+          <p:nvPr>
+            <p:ph type="body" idx="1"/>
+          </p:nvPr>
+        </p:nvSpPr>
+        <p:spPr/>
+        <p:txBody>
+          <a:bodyPr/>
+          <a:lstStyle/>
+          <a:p>
+            <a:endParaRPr lang="fr-FR" dirty="0"/>
+          </a:p>
+        </p:txBody>
+      </p:sp>
+      <p:sp>
+        <p:nvSpPr>
+          <p:cNvPr id="4" name="Espace réservé du numéro de diapositive 3"/>
+          <p:cNvSpPr>
+            <a:spLocks noGrp="1"/>
+          </p:cNvSpPr>
+          <p:nvPr>
+            <p:ph type="sldNum" sz="quarter" idx="10"/>
+          </p:nvPr>
+        </p:nvSpPr>
+        <p:spPr/>
+        <p:txBody>
+          <a:bodyPr/>
+          <a:lstStyle/>
+          <a:p>
+            <a:fld id="{1DB0C060-F7D4-4C65-826A-795CA5BE88E2}" type="slidenum">
+              <a:rPr lang="fr-FR" smtClean="0"/>
+              <a:t>14</a:t>
+            </a:fld>
+            <a:endParaRPr lang="fr-FR" dirty="0"/>
+          </a:p>
+        </p:txBody>
+      </p:sp>
+    </p:spTree>
+    <p:extLst>
+      <p:ext uri="{BB962C8B-B14F-4D97-AF65-F5344CB8AC3E}">
+        <p14:creationId xmlns:p14="http://schemas.microsoft.com/office/powerpoint/2010/main" val="2732436969"/>
+      </p:ext>
+    </p:extLst>
+  </p:cSld>
+  <p:clrMapOvr>
+    <a:masterClrMapping/>
+  </p:clrMapOvr>
+</p:notes>
+</file>
+
+<file path=ppt/notesSlides/notesSlide14.xml><?xml version="1.0" encoding="utf-8"?>
+<p:notes xmlns:a="http://schemas.openxmlformats.org/drawingml/2006/main" xmlns:r="http://schemas.openxmlformats.org/officeDocument/2006/relationships" xmlns:p="http://schemas.openxmlformats.org/presentationml/2006/main">
+  <p:cSld>
+    <p:spTree>
+      <p:nvGrpSpPr>
+        <p:cNvPr id="1" name=""/>
+        <p:cNvGrpSpPr/>
+        <p:nvPr/>
+      </p:nvGrpSpPr>
+      <p:grpSpPr>
+        <a:xfrm>
+          <a:off x="0" y="0"/>
+          <a:ext cx="0" cy="0"/>
+          <a:chOff x="0" y="0"/>
+          <a:chExt cx="0" cy="0"/>
+        </a:xfrm>
+      </p:grpSpPr>
+      <p:sp>
+        <p:nvSpPr>
+          <p:cNvPr id="2" name="Espace réservé de l'image des diapositives 1"/>
+          <p:cNvSpPr>
+            <a:spLocks noGrp="1" noRot="1" noChangeAspect="1"/>
+          </p:cNvSpPr>
+          <p:nvPr>
+            <p:ph type="sldImg"/>
+          </p:nvPr>
+        </p:nvSpPr>
+        <p:spPr/>
+      </p:sp>
+      <p:sp>
+        <p:nvSpPr>
+          <p:cNvPr id="3" name="Espace réservé des notes 2"/>
+          <p:cNvSpPr>
+            <a:spLocks noGrp="1"/>
+          </p:cNvSpPr>
+          <p:nvPr>
+            <p:ph type="body" idx="1"/>
+          </p:nvPr>
+        </p:nvSpPr>
+        <p:spPr/>
+        <p:txBody>
+          <a:bodyPr/>
+          <a:lstStyle/>
+          <a:p>
+            <a:endParaRPr lang="fr-FR" dirty="0"/>
+          </a:p>
+        </p:txBody>
+      </p:sp>
+      <p:sp>
+        <p:nvSpPr>
+          <p:cNvPr id="4" name="Espace réservé du numéro de diapositive 3"/>
+          <p:cNvSpPr>
+            <a:spLocks noGrp="1"/>
+          </p:cNvSpPr>
+          <p:nvPr>
+            <p:ph type="sldNum" sz="quarter" idx="10"/>
+          </p:nvPr>
+        </p:nvSpPr>
+        <p:spPr/>
+        <p:txBody>
+          <a:bodyPr/>
+          <a:lstStyle/>
+          <a:p>
+            <a:fld id="{1DB0C060-F7D4-4C65-826A-795CA5BE88E2}" type="slidenum">
+              <a:rPr lang="fr-FR" smtClean="0"/>
+              <a:t>15</a:t>
+            </a:fld>
+            <a:endParaRPr lang="fr-FR" dirty="0"/>
+          </a:p>
+        </p:txBody>
+      </p:sp>
+    </p:spTree>
+    <p:extLst>
+      <p:ext uri="{BB962C8B-B14F-4D97-AF65-F5344CB8AC3E}">
         <p14:creationId xmlns:p14="http://schemas.microsoft.com/office/powerpoint/2010/main" val="1903860498"/>
+      </p:ext>
+    </p:extLst>
+  </p:cSld>
+  <p:clrMapOvr>
+    <a:masterClrMapping/>
+  </p:clrMapOvr>
+</p:notes>
+</file>
+
+<file path=ppt/notesSlides/notesSlide15.xml><?xml version="1.0" encoding="utf-8"?>
+<p:notes xmlns:a="http://schemas.openxmlformats.org/drawingml/2006/main" xmlns:r="http://schemas.openxmlformats.org/officeDocument/2006/relationships" xmlns:p="http://schemas.openxmlformats.org/presentationml/2006/main">
+  <p:cSld>
+    <p:spTree>
+      <p:nvGrpSpPr>
+        <p:cNvPr id="1" name=""/>
+        <p:cNvGrpSpPr/>
+        <p:nvPr/>
+      </p:nvGrpSpPr>
+      <p:grpSpPr>
+        <a:xfrm>
+          <a:off x="0" y="0"/>
+          <a:ext cx="0" cy="0"/>
+          <a:chOff x="0" y="0"/>
+          <a:chExt cx="0" cy="0"/>
+        </a:xfrm>
+      </p:grpSpPr>
+      <p:sp>
+        <p:nvSpPr>
+          <p:cNvPr id="2" name="Espace réservé de l'image des diapositives 1"/>
+          <p:cNvSpPr>
+            <a:spLocks noGrp="1" noRot="1" noChangeAspect="1"/>
+          </p:cNvSpPr>
+          <p:nvPr>
+            <p:ph type="sldImg"/>
+          </p:nvPr>
+        </p:nvSpPr>
+        <p:spPr/>
+      </p:sp>
+      <p:sp>
+        <p:nvSpPr>
+          <p:cNvPr id="3" name="Espace réservé des notes 2"/>
+          <p:cNvSpPr>
+            <a:spLocks noGrp="1"/>
+          </p:cNvSpPr>
+          <p:nvPr>
+            <p:ph type="body" idx="1"/>
+          </p:nvPr>
+        </p:nvSpPr>
+        <p:spPr/>
+        <p:txBody>
+          <a:bodyPr/>
+          <a:lstStyle/>
+          <a:p>
+            <a:endParaRPr lang="fr-FR" dirty="0"/>
+          </a:p>
+        </p:txBody>
+      </p:sp>
+      <p:sp>
+        <p:nvSpPr>
+          <p:cNvPr id="4" name="Espace réservé du numéro de diapositive 3"/>
+          <p:cNvSpPr>
+            <a:spLocks noGrp="1"/>
+          </p:cNvSpPr>
+          <p:nvPr>
+            <p:ph type="sldNum" sz="quarter" idx="10"/>
+          </p:nvPr>
+        </p:nvSpPr>
+        <p:spPr/>
+        <p:txBody>
+          <a:bodyPr/>
+          <a:lstStyle/>
+          <a:p>
+            <a:fld id="{1DB0C060-F7D4-4C65-826A-795CA5BE88E2}" type="slidenum">
+              <a:rPr lang="fr-FR" smtClean="0"/>
+              <a:t>16</a:t>
+            </a:fld>
+            <a:endParaRPr lang="fr-FR" dirty="0"/>
+          </a:p>
+        </p:txBody>
+      </p:sp>
+    </p:spTree>
+    <p:extLst>
+      <p:ext uri="{BB962C8B-B14F-4D97-AF65-F5344CB8AC3E}">
+        <p14:creationId xmlns:p14="http://schemas.microsoft.com/office/powerpoint/2010/main" val="1752842186"/>
       </p:ext>
     </p:extLst>
   </p:cSld>
@@ -1645,7 +1900,7 @@
     </p:spTree>
     <p:extLst>
       <p:ext uri="{BB962C8B-B14F-4D97-AF65-F5344CB8AC3E}">
-        <p14:creationId xmlns:p14="http://schemas.microsoft.com/office/powerpoint/2010/main" val="660550658"/>
+        <p14:creationId xmlns:p14="http://schemas.microsoft.com/office/powerpoint/2010/main" val="923855900"/>
       </p:ext>
     </p:extLst>
   </p:cSld>
@@ -5394,11 +5649,196 @@
           <a:p>
             <a:r>
               <a:rPr lang="fr-FR" dirty="0"/>
-              <a:t>Analyse 4 : </a:t>
+              <a:t>Analyse 3 : Nbre vaccinés / Région </a:t>
             </a:r>
           </a:p>
         </p:txBody>
       </p:sp>
+      <p:pic>
+        <p:nvPicPr>
+          <p:cNvPr id="4" name="Image 3">
+            <a:extLst>
+              <a:ext uri="{FF2B5EF4-FFF2-40B4-BE49-F238E27FC236}">
+                <a16:creationId xmlns:a16="http://schemas.microsoft.com/office/drawing/2014/main" id="{A10075FA-C125-4CA0-6A2D-1ACE9ADEA76A}"/>
+              </a:ext>
+            </a:extLst>
+          </p:cNvPr>
+          <p:cNvPicPr>
+            <a:picLocks noChangeAspect="1"/>
+          </p:cNvPicPr>
+          <p:nvPr/>
+        </p:nvPicPr>
+        <p:blipFill>
+          <a:blip r:embed="rId3"/>
+          <a:stretch>
+            <a:fillRect/>
+          </a:stretch>
+        </p:blipFill>
+        <p:spPr>
+          <a:xfrm>
+            <a:off x="4725721" y="2209054"/>
+            <a:ext cx="6378493" cy="3010161"/>
+          </a:xfrm>
+          <a:prstGeom prst="rect">
+            <a:avLst/>
+          </a:prstGeom>
+        </p:spPr>
+      </p:pic>
+      <p:pic>
+        <p:nvPicPr>
+          <p:cNvPr id="8" name="Image 7">
+            <a:extLst>
+              <a:ext uri="{FF2B5EF4-FFF2-40B4-BE49-F238E27FC236}">
+                <a16:creationId xmlns:a16="http://schemas.microsoft.com/office/drawing/2014/main" id="{A2AD764B-F19B-B93E-FA17-8333922AF84E}"/>
+              </a:ext>
+            </a:extLst>
+          </p:cNvPr>
+          <p:cNvPicPr>
+            <a:picLocks noChangeAspect="1"/>
+          </p:cNvPicPr>
+          <p:nvPr/>
+        </p:nvPicPr>
+        <p:blipFill>
+          <a:blip r:embed="rId4"/>
+          <a:stretch>
+            <a:fillRect/>
+          </a:stretch>
+        </p:blipFill>
+        <p:spPr>
+          <a:xfrm>
+            <a:off x="1428661" y="3251619"/>
+            <a:ext cx="2809811" cy="986084"/>
+          </a:xfrm>
+          <a:prstGeom prst="rect">
+            <a:avLst/>
+          </a:prstGeom>
+        </p:spPr>
+      </p:pic>
+    </p:spTree>
+    <p:extLst>
+      <p:ext uri="{BB962C8B-B14F-4D97-AF65-F5344CB8AC3E}">
+        <p14:creationId xmlns:p14="http://schemas.microsoft.com/office/powerpoint/2010/main" val="4019912152"/>
+      </p:ext>
+    </p:extLst>
+  </p:cSld>
+  <p:clrMapOvr>
+    <a:masterClrMapping/>
+  </p:clrMapOvr>
+</p:sld>
+</file>
+
+<file path=ppt/slides/slide11.xml><?xml version="1.0" encoding="utf-8"?>
+<p:sld xmlns:a="http://schemas.openxmlformats.org/drawingml/2006/main" xmlns:r="http://schemas.openxmlformats.org/officeDocument/2006/relationships" xmlns:p="http://schemas.openxmlformats.org/presentationml/2006/main">
+  <p:cSld>
+    <p:spTree>
+      <p:nvGrpSpPr>
+        <p:cNvPr id="1" name=""/>
+        <p:cNvGrpSpPr/>
+        <p:nvPr/>
+      </p:nvGrpSpPr>
+      <p:grpSpPr>
+        <a:xfrm>
+          <a:off x="0" y="0"/>
+          <a:ext cx="0" cy="0"/>
+          <a:chOff x="0" y="0"/>
+          <a:chExt cx="0" cy="0"/>
+        </a:xfrm>
+      </p:grpSpPr>
+      <p:sp>
+        <p:nvSpPr>
+          <p:cNvPr id="2" name="Titre 1">
+            <a:extLst>
+              <a:ext uri="{FF2B5EF4-FFF2-40B4-BE49-F238E27FC236}">
+                <a16:creationId xmlns:a16="http://schemas.microsoft.com/office/drawing/2014/main" id="{75AC86D3-8FD1-4F47-A319-7D0542E48B2F}"/>
+              </a:ext>
+            </a:extLst>
+          </p:cNvPr>
+          <p:cNvSpPr>
+            <a:spLocks noGrp="1"/>
+          </p:cNvSpPr>
+          <p:nvPr>
+            <p:ph type="title"/>
+          </p:nvPr>
+        </p:nvSpPr>
+        <p:spPr>
+          <a:xfrm>
+            <a:off x="1097279" y="286603"/>
+            <a:ext cx="10679917" cy="1450757"/>
+          </a:xfrm>
+        </p:spPr>
+        <p:txBody>
+          <a:bodyPr vert="horz" lIns="91440" tIns="45720" rIns="91440" bIns="45720" rtlCol="0">
+            <a:normAutofit/>
+          </a:bodyPr>
+          <a:lstStyle/>
+          <a:p>
+            <a:r>
+              <a:rPr lang="fr-FR" dirty="0"/>
+              <a:t>Analyse 4 : Nbre vaccinés / Tranches d’âge </a:t>
+            </a:r>
+          </a:p>
+        </p:txBody>
+      </p:sp>
+      <p:pic>
+        <p:nvPicPr>
+          <p:cNvPr id="4" name="Image 3">
+            <a:extLst>
+              <a:ext uri="{FF2B5EF4-FFF2-40B4-BE49-F238E27FC236}">
+                <a16:creationId xmlns:a16="http://schemas.microsoft.com/office/drawing/2014/main" id="{741F6331-5BF3-C39E-AD65-CE6056D2C93E}"/>
+              </a:ext>
+            </a:extLst>
+          </p:cNvPr>
+          <p:cNvPicPr>
+            <a:picLocks noChangeAspect="1"/>
+          </p:cNvPicPr>
+          <p:nvPr/>
+        </p:nvPicPr>
+        <p:blipFill>
+          <a:blip r:embed="rId3"/>
+          <a:stretch>
+            <a:fillRect/>
+          </a:stretch>
+        </p:blipFill>
+        <p:spPr>
+          <a:xfrm>
+            <a:off x="718477" y="2322326"/>
+            <a:ext cx="5534840" cy="3724836"/>
+          </a:xfrm>
+          <a:prstGeom prst="rect">
+            <a:avLst/>
+          </a:prstGeom>
+        </p:spPr>
+      </p:pic>
+      <p:pic>
+        <p:nvPicPr>
+          <p:cNvPr id="6" name="Image 5">
+            <a:extLst>
+              <a:ext uri="{FF2B5EF4-FFF2-40B4-BE49-F238E27FC236}">
+                <a16:creationId xmlns:a16="http://schemas.microsoft.com/office/drawing/2014/main" id="{9CAC1915-6AF5-7AB2-BAAE-DA5688DC1C14}"/>
+              </a:ext>
+            </a:extLst>
+          </p:cNvPr>
+          <p:cNvPicPr>
+            <a:picLocks noChangeAspect="1"/>
+          </p:cNvPicPr>
+          <p:nvPr/>
+        </p:nvPicPr>
+        <p:blipFill>
+          <a:blip r:embed="rId4"/>
+          <a:stretch>
+            <a:fillRect/>
+          </a:stretch>
+        </p:blipFill>
+        <p:spPr>
+          <a:xfrm>
+            <a:off x="7752989" y="2183151"/>
+            <a:ext cx="2323764" cy="3864011"/>
+          </a:xfrm>
+          <a:prstGeom prst="rect">
+            <a:avLst/>
+          </a:prstGeom>
+        </p:spPr>
+      </p:pic>
     </p:spTree>
     <p:extLst>
       <p:ext uri="{BB962C8B-B14F-4D97-AF65-F5344CB8AC3E}">
@@ -5412,7 +5852,7 @@
 </p:sld>
 </file>
 
-<file path=ppt/slides/slide11.xml><?xml version="1.0" encoding="utf-8"?>
+<file path=ppt/slides/slide12.xml><?xml version="1.0" encoding="utf-8"?>
 <p:sld xmlns:a="http://schemas.openxmlformats.org/drawingml/2006/main" xmlns:r="http://schemas.openxmlformats.org/officeDocument/2006/relationships" xmlns:p="http://schemas.openxmlformats.org/presentationml/2006/main">
   <p:cSld>
     <p:bg>
@@ -5467,80 +5907,75 @@
           <a:p>
             <a:r>
               <a:rPr lang="fr-FR" dirty="0"/>
-              <a:t>Analyse 4 :</a:t>
+              <a:t>Analyse 4 : Nbre vaccinés / Tranches d’âge </a:t>
             </a:r>
           </a:p>
         </p:txBody>
       </p:sp>
+      <p:pic>
+        <p:nvPicPr>
+          <p:cNvPr id="4" name="Image 3">
+            <a:extLst>
+              <a:ext uri="{FF2B5EF4-FFF2-40B4-BE49-F238E27FC236}">
+                <a16:creationId xmlns:a16="http://schemas.microsoft.com/office/drawing/2014/main" id="{A638FCC7-6DE2-1885-376E-2F30A486AA76}"/>
+              </a:ext>
+            </a:extLst>
+          </p:cNvPr>
+          <p:cNvPicPr>
+            <a:picLocks noChangeAspect="1"/>
+          </p:cNvPicPr>
+          <p:nvPr/>
+        </p:nvPicPr>
+        <p:blipFill>
+          <a:blip r:embed="rId4"/>
+          <a:stretch>
+            <a:fillRect/>
+          </a:stretch>
+        </p:blipFill>
+        <p:spPr>
+          <a:xfrm>
+            <a:off x="1097279" y="2263333"/>
+            <a:ext cx="4526488" cy="3841748"/>
+          </a:xfrm>
+          <a:prstGeom prst="rect">
+            <a:avLst/>
+          </a:prstGeom>
+        </p:spPr>
+      </p:pic>
+      <p:pic>
+        <p:nvPicPr>
+          <p:cNvPr id="6" name="Image 5">
+            <a:extLst>
+              <a:ext uri="{FF2B5EF4-FFF2-40B4-BE49-F238E27FC236}">
+                <a16:creationId xmlns:a16="http://schemas.microsoft.com/office/drawing/2014/main" id="{E0FDFFE8-AB14-EA7C-594E-0B48E0354B9A}"/>
+              </a:ext>
+            </a:extLst>
+          </p:cNvPr>
+          <p:cNvPicPr>
+            <a:picLocks noChangeAspect="1"/>
+          </p:cNvPicPr>
+          <p:nvPr/>
+        </p:nvPicPr>
+        <p:blipFill>
+          <a:blip r:embed="rId5"/>
+          <a:stretch>
+            <a:fillRect/>
+          </a:stretch>
+        </p:blipFill>
+        <p:spPr>
+          <a:xfrm>
+            <a:off x="6233362" y="2560424"/>
+            <a:ext cx="5130804" cy="3247566"/>
+          </a:xfrm>
+          <a:prstGeom prst="rect">
+            <a:avLst/>
+          </a:prstGeom>
+        </p:spPr>
+      </p:pic>
     </p:spTree>
     <p:extLst>
       <p:ext uri="{BB962C8B-B14F-4D97-AF65-F5344CB8AC3E}">
         <p14:creationId xmlns:p14="http://schemas.microsoft.com/office/powerpoint/2010/main" val="3344351138"/>
-      </p:ext>
-    </p:extLst>
-  </p:cSld>
-  <p:clrMapOvr>
-    <a:masterClrMapping/>
-  </p:clrMapOvr>
-</p:sld>
-</file>
-
-<file path=ppt/slides/slide12.xml><?xml version="1.0" encoding="utf-8"?>
-<p:sld xmlns:a="http://schemas.openxmlformats.org/drawingml/2006/main" xmlns:r="http://schemas.openxmlformats.org/officeDocument/2006/relationships" xmlns:p="http://schemas.openxmlformats.org/presentationml/2006/main">
-  <p:cSld>
-    <p:spTree>
-      <p:nvGrpSpPr>
-        <p:cNvPr id="1" name=""/>
-        <p:cNvGrpSpPr/>
-        <p:nvPr/>
-      </p:nvGrpSpPr>
-      <p:grpSpPr>
-        <a:xfrm>
-          <a:off x="0" y="0"/>
-          <a:ext cx="0" cy="0"/>
-          <a:chOff x="0" y="0"/>
-          <a:chExt cx="0" cy="0"/>
-        </a:xfrm>
-      </p:grpSpPr>
-      <p:sp>
-        <p:nvSpPr>
-          <p:cNvPr id="2" name="Titre 1">
-            <a:extLst>
-              <a:ext uri="{FF2B5EF4-FFF2-40B4-BE49-F238E27FC236}">
-                <a16:creationId xmlns:a16="http://schemas.microsoft.com/office/drawing/2014/main" id="{75AC86D3-8FD1-4F47-A319-7D0542E48B2F}"/>
-              </a:ext>
-            </a:extLst>
-          </p:cNvPr>
-          <p:cNvSpPr>
-            <a:spLocks noGrp="1"/>
-          </p:cNvSpPr>
-          <p:nvPr>
-            <p:ph type="title"/>
-          </p:nvPr>
-        </p:nvSpPr>
-        <p:spPr>
-          <a:xfrm>
-            <a:off x="1097279" y="286603"/>
-            <a:ext cx="10679917" cy="1450757"/>
-          </a:xfrm>
-        </p:spPr>
-        <p:txBody>
-          <a:bodyPr vert="horz" lIns="91440" tIns="45720" rIns="91440" bIns="45720" rtlCol="0">
-            <a:normAutofit/>
-          </a:bodyPr>
-          <a:lstStyle/>
-          <a:p>
-            <a:r>
-              <a:rPr lang="fr-FR" dirty="0"/>
-              <a:t>Analyse 5 :</a:t>
-            </a:r>
-          </a:p>
-        </p:txBody>
-      </p:sp>
-    </p:spTree>
-    <p:extLst>
-      <p:ext uri="{BB962C8B-B14F-4D97-AF65-F5344CB8AC3E}">
-        <p14:creationId xmlns:p14="http://schemas.microsoft.com/office/powerpoint/2010/main" val="1343382333"/>
       </p:ext>
     </p:extLst>
   </p:cSld>
@@ -5597,15 +6032,571 @@
           <a:p>
             <a:r>
               <a:rPr lang="fr-FR" dirty="0"/>
-              <a:t>Analyse 5 :</a:t>
+              <a:t>Analyse 4 : Nbre vaccinés / Tranches d’âge </a:t>
             </a:r>
           </a:p>
         </p:txBody>
       </p:sp>
+      <p:pic>
+        <p:nvPicPr>
+          <p:cNvPr id="4" name="Image 3">
+            <a:extLst>
+              <a:ext uri="{FF2B5EF4-FFF2-40B4-BE49-F238E27FC236}">
+                <a16:creationId xmlns:a16="http://schemas.microsoft.com/office/drawing/2014/main" id="{8C89CA9C-B619-CEEE-0F71-A4DCFB2E5F70}"/>
+              </a:ext>
+            </a:extLst>
+          </p:cNvPr>
+          <p:cNvPicPr>
+            <a:picLocks noChangeAspect="1"/>
+          </p:cNvPicPr>
+          <p:nvPr/>
+        </p:nvPicPr>
+        <p:blipFill>
+          <a:blip r:embed="rId3"/>
+          <a:stretch>
+            <a:fillRect/>
+          </a:stretch>
+        </p:blipFill>
+        <p:spPr>
+          <a:xfrm>
+            <a:off x="4905287" y="2125721"/>
+            <a:ext cx="6294665" cy="2994920"/>
+          </a:xfrm>
+          <a:prstGeom prst="rect">
+            <a:avLst/>
+          </a:prstGeom>
+        </p:spPr>
+      </p:pic>
+      <p:pic>
+        <p:nvPicPr>
+          <p:cNvPr id="6" name="Image 5">
+            <a:extLst>
+              <a:ext uri="{FF2B5EF4-FFF2-40B4-BE49-F238E27FC236}">
+                <a16:creationId xmlns:a16="http://schemas.microsoft.com/office/drawing/2014/main" id="{FDA02A36-28CE-CC78-CBFA-FCA4758AE0E9}"/>
+              </a:ext>
+            </a:extLst>
+          </p:cNvPr>
+          <p:cNvPicPr>
+            <a:picLocks noChangeAspect="1"/>
+          </p:cNvPicPr>
+          <p:nvPr/>
+        </p:nvPicPr>
+        <p:blipFill>
+          <a:blip r:embed="rId4"/>
+          <a:stretch>
+            <a:fillRect/>
+          </a:stretch>
+        </p:blipFill>
+        <p:spPr>
+          <a:xfrm>
+            <a:off x="1434685" y="3099061"/>
+            <a:ext cx="2752030" cy="951830"/>
+          </a:xfrm>
+          <a:prstGeom prst="rect">
+            <a:avLst/>
+          </a:prstGeom>
+        </p:spPr>
+      </p:pic>
+    </p:spTree>
+    <p:extLst>
+      <p:ext uri="{BB962C8B-B14F-4D97-AF65-F5344CB8AC3E}">
+        <p14:creationId xmlns:p14="http://schemas.microsoft.com/office/powerpoint/2010/main" val="3879325116"/>
+      </p:ext>
+    </p:extLst>
+  </p:cSld>
+  <p:clrMapOvr>
+    <a:masterClrMapping/>
+  </p:clrMapOvr>
+</p:sld>
+</file>
+
+<file path=ppt/slides/slide14.xml><?xml version="1.0" encoding="utf-8"?>
+<p:sld xmlns:a="http://schemas.openxmlformats.org/drawingml/2006/main" xmlns:r="http://schemas.openxmlformats.org/officeDocument/2006/relationships" xmlns:p="http://schemas.openxmlformats.org/presentationml/2006/main">
+  <p:cSld>
+    <p:spTree>
+      <p:nvGrpSpPr>
+        <p:cNvPr id="1" name=""/>
+        <p:cNvGrpSpPr/>
+        <p:nvPr/>
+      </p:nvGrpSpPr>
+      <p:grpSpPr>
+        <a:xfrm>
+          <a:off x="0" y="0"/>
+          <a:ext cx="0" cy="0"/>
+          <a:chOff x="0" y="0"/>
+          <a:chExt cx="0" cy="0"/>
+        </a:xfrm>
+      </p:grpSpPr>
+      <p:sp>
+        <p:nvSpPr>
+          <p:cNvPr id="2" name="Titre 1">
+            <a:extLst>
+              <a:ext uri="{FF2B5EF4-FFF2-40B4-BE49-F238E27FC236}">
+                <a16:creationId xmlns:a16="http://schemas.microsoft.com/office/drawing/2014/main" id="{75AC86D3-8FD1-4F47-A319-7D0542E48B2F}"/>
+              </a:ext>
+            </a:extLst>
+          </p:cNvPr>
+          <p:cNvSpPr>
+            <a:spLocks noGrp="1"/>
+          </p:cNvSpPr>
+          <p:nvPr>
+            <p:ph type="title"/>
+          </p:nvPr>
+        </p:nvSpPr>
+        <p:spPr>
+          <a:xfrm>
+            <a:off x="1097279" y="286603"/>
+            <a:ext cx="10679917" cy="1450757"/>
+          </a:xfrm>
+        </p:spPr>
+        <p:txBody>
+          <a:bodyPr vert="horz" lIns="91440" tIns="45720" rIns="91440" bIns="45720" rtlCol="0">
+            <a:normAutofit/>
+          </a:bodyPr>
+          <a:lstStyle/>
+          <a:p>
+            <a:r>
+              <a:rPr lang="fr-FR" dirty="0"/>
+              <a:t>Analyse 5 : Nbre vaccinés après contamination</a:t>
+            </a:r>
+          </a:p>
+        </p:txBody>
+      </p:sp>
+      <p:pic>
+        <p:nvPicPr>
+          <p:cNvPr id="4" name="Image 3">
+            <a:extLst>
+              <a:ext uri="{FF2B5EF4-FFF2-40B4-BE49-F238E27FC236}">
+                <a16:creationId xmlns:a16="http://schemas.microsoft.com/office/drawing/2014/main" id="{89A6C675-CB86-9415-6788-4EDF245BD294}"/>
+              </a:ext>
+            </a:extLst>
+          </p:cNvPr>
+          <p:cNvPicPr>
+            <a:picLocks noChangeAspect="1"/>
+          </p:cNvPicPr>
+          <p:nvPr/>
+        </p:nvPicPr>
+        <p:blipFill>
+          <a:blip r:embed="rId3"/>
+          <a:stretch>
+            <a:fillRect/>
+          </a:stretch>
+        </p:blipFill>
+        <p:spPr>
+          <a:xfrm>
+            <a:off x="4688750" y="2103912"/>
+            <a:ext cx="2814499" cy="4060721"/>
+          </a:xfrm>
+          <a:prstGeom prst="rect">
+            <a:avLst/>
+          </a:prstGeom>
+        </p:spPr>
+      </p:pic>
+    </p:spTree>
+    <p:extLst>
+      <p:ext uri="{BB962C8B-B14F-4D97-AF65-F5344CB8AC3E}">
+        <p14:creationId xmlns:p14="http://schemas.microsoft.com/office/powerpoint/2010/main" val="1343382333"/>
+      </p:ext>
+    </p:extLst>
+  </p:cSld>
+  <p:clrMapOvr>
+    <a:masterClrMapping/>
+  </p:clrMapOvr>
+</p:sld>
+</file>
+
+<file path=ppt/slides/slide15.xml><?xml version="1.0" encoding="utf-8"?>
+<p:sld xmlns:a="http://schemas.openxmlformats.org/drawingml/2006/main" xmlns:r="http://schemas.openxmlformats.org/officeDocument/2006/relationships" xmlns:p="http://schemas.openxmlformats.org/presentationml/2006/main">
+  <p:cSld>
+    <p:spTree>
+      <p:nvGrpSpPr>
+        <p:cNvPr id="1" name=""/>
+        <p:cNvGrpSpPr/>
+        <p:nvPr/>
+      </p:nvGrpSpPr>
+      <p:grpSpPr>
+        <a:xfrm>
+          <a:off x="0" y="0"/>
+          <a:ext cx="0" cy="0"/>
+          <a:chOff x="0" y="0"/>
+          <a:chExt cx="0" cy="0"/>
+        </a:xfrm>
+      </p:grpSpPr>
+      <p:sp>
+        <p:nvSpPr>
+          <p:cNvPr id="2" name="Titre 1">
+            <a:extLst>
+              <a:ext uri="{FF2B5EF4-FFF2-40B4-BE49-F238E27FC236}">
+                <a16:creationId xmlns:a16="http://schemas.microsoft.com/office/drawing/2014/main" id="{75AC86D3-8FD1-4F47-A319-7D0542E48B2F}"/>
+              </a:ext>
+            </a:extLst>
+          </p:cNvPr>
+          <p:cNvSpPr>
+            <a:spLocks noGrp="1"/>
+          </p:cNvSpPr>
+          <p:nvPr>
+            <p:ph type="title"/>
+          </p:nvPr>
+        </p:nvSpPr>
+        <p:spPr>
+          <a:xfrm>
+            <a:off x="1097279" y="286603"/>
+            <a:ext cx="10679917" cy="1450757"/>
+          </a:xfrm>
+        </p:spPr>
+        <p:txBody>
+          <a:bodyPr vert="horz" lIns="91440" tIns="45720" rIns="91440" bIns="45720" rtlCol="0">
+            <a:normAutofit/>
+          </a:bodyPr>
+          <a:lstStyle/>
+          <a:p>
+            <a:r>
+              <a:rPr lang="fr-FR" dirty="0"/>
+              <a:t>Analyse 5 : Nbre vaccinés après contamination</a:t>
+            </a:r>
+          </a:p>
+        </p:txBody>
+      </p:sp>
+      <p:pic>
+        <p:nvPicPr>
+          <p:cNvPr id="4" name="Image 3">
+            <a:extLst>
+              <a:ext uri="{FF2B5EF4-FFF2-40B4-BE49-F238E27FC236}">
+                <a16:creationId xmlns:a16="http://schemas.microsoft.com/office/drawing/2014/main" id="{F3121EAD-5002-7CF2-94DE-91D9B66663B4}"/>
+              </a:ext>
+            </a:extLst>
+          </p:cNvPr>
+          <p:cNvPicPr>
+            <a:picLocks noChangeAspect="1"/>
+          </p:cNvPicPr>
+          <p:nvPr/>
+        </p:nvPicPr>
+        <p:blipFill>
+          <a:blip r:embed="rId3"/>
+          <a:stretch>
+            <a:fillRect/>
+          </a:stretch>
+        </p:blipFill>
+        <p:spPr>
+          <a:xfrm>
+            <a:off x="619432" y="2099113"/>
+            <a:ext cx="4929316" cy="2317299"/>
+          </a:xfrm>
+          <a:prstGeom prst="rect">
+            <a:avLst/>
+          </a:prstGeom>
+        </p:spPr>
+      </p:pic>
+      <p:pic>
+        <p:nvPicPr>
+          <p:cNvPr id="6" name="Image 5">
+            <a:extLst>
+              <a:ext uri="{FF2B5EF4-FFF2-40B4-BE49-F238E27FC236}">
+                <a16:creationId xmlns:a16="http://schemas.microsoft.com/office/drawing/2014/main" id="{A3EB9D74-5AF8-E757-084C-DBA963181412}"/>
+              </a:ext>
+            </a:extLst>
+          </p:cNvPr>
+          <p:cNvPicPr>
+            <a:picLocks noChangeAspect="1"/>
+          </p:cNvPicPr>
+          <p:nvPr/>
+        </p:nvPicPr>
+        <p:blipFill>
+          <a:blip r:embed="rId4"/>
+          <a:stretch>
+            <a:fillRect/>
+          </a:stretch>
+        </p:blipFill>
+        <p:spPr>
+          <a:xfrm>
+            <a:off x="6643253" y="2165242"/>
+            <a:ext cx="4929316" cy="2185042"/>
+          </a:xfrm>
+          <a:prstGeom prst="rect">
+            <a:avLst/>
+          </a:prstGeom>
+        </p:spPr>
+      </p:pic>
+      <p:sp>
+        <p:nvSpPr>
+          <p:cNvPr id="7" name="Titre 1">
+            <a:extLst>
+              <a:ext uri="{FF2B5EF4-FFF2-40B4-BE49-F238E27FC236}">
+                <a16:creationId xmlns:a16="http://schemas.microsoft.com/office/drawing/2014/main" id="{0D14DBC8-D31F-8CE8-D6AA-9E24FDCD07C5}"/>
+              </a:ext>
+            </a:extLst>
+          </p:cNvPr>
+          <p:cNvSpPr txBox="1">
+            <a:spLocks/>
+          </p:cNvSpPr>
+          <p:nvPr/>
+        </p:nvSpPr>
+        <p:spPr>
+          <a:xfrm>
+            <a:off x="4874715" y="5781368"/>
+            <a:ext cx="2617465" cy="316598"/>
+          </a:xfrm>
+          <a:prstGeom prst="rect">
+            <a:avLst/>
+          </a:prstGeom>
+        </p:spPr>
+        <p:txBody>
+          <a:bodyPr vert="horz" lIns="91440" tIns="45720" rIns="91440" bIns="45720" rtlCol="0" anchor="b">
+            <a:normAutofit fontScale="92500"/>
+          </a:bodyPr>
+          <a:lstStyle>
+            <a:lvl1pPr algn="l" defTabSz="914400" rtl="0" eaLnBrk="1" latinLnBrk="0" hangingPunct="1">
+              <a:lnSpc>
+                <a:spcPct val="90000"/>
+              </a:lnSpc>
+              <a:spcBef>
+                <a:spcPct val="0"/>
+              </a:spcBef>
+              <a:buNone/>
+              <a:defRPr sz="4700" i="0" kern="1200" spc="-50" baseline="0">
+                <a:solidFill>
+                  <a:schemeClr val="tx1">
+                    <a:lumMod val="75000"/>
+                    <a:lumOff val="25000"/>
+                  </a:schemeClr>
+                </a:solidFill>
+                <a:latin typeface="+mj-lt"/>
+                <a:ea typeface="+mj-ea"/>
+                <a:cs typeface="+mj-cs"/>
+              </a:defRPr>
+            </a:lvl1pPr>
+          </a:lstStyle>
+          <a:p>
+            <a:r>
+              <a:rPr lang="fr-FR" sz="1400" dirty="0"/>
+              <a:t>(Données &lt; 0) = proche de nulle</a:t>
+            </a:r>
+          </a:p>
+        </p:txBody>
+      </p:sp>
+      <p:pic>
+        <p:nvPicPr>
+          <p:cNvPr id="9" name="Image 8">
+            <a:extLst>
+              <a:ext uri="{FF2B5EF4-FFF2-40B4-BE49-F238E27FC236}">
+                <a16:creationId xmlns:a16="http://schemas.microsoft.com/office/drawing/2014/main" id="{D4C736C3-1CB9-4BD7-E37D-84481B745CB5}"/>
+              </a:ext>
+            </a:extLst>
+          </p:cNvPr>
+          <p:cNvPicPr>
+            <a:picLocks noChangeAspect="1"/>
+          </p:cNvPicPr>
+          <p:nvPr/>
+        </p:nvPicPr>
+        <p:blipFill>
+          <a:blip r:embed="rId5"/>
+          <a:stretch>
+            <a:fillRect/>
+          </a:stretch>
+        </p:blipFill>
+        <p:spPr>
+          <a:xfrm>
+            <a:off x="8109604" y="4576764"/>
+            <a:ext cx="1996613" cy="693480"/>
+          </a:xfrm>
+          <a:prstGeom prst="rect">
+            <a:avLst/>
+          </a:prstGeom>
+        </p:spPr>
+      </p:pic>
+      <p:pic>
+        <p:nvPicPr>
+          <p:cNvPr id="11" name="Image 10">
+            <a:extLst>
+              <a:ext uri="{FF2B5EF4-FFF2-40B4-BE49-F238E27FC236}">
+                <a16:creationId xmlns:a16="http://schemas.microsoft.com/office/drawing/2014/main" id="{47C0C684-61A2-6E4E-6855-F135E0E10D8D}"/>
+              </a:ext>
+            </a:extLst>
+          </p:cNvPr>
+          <p:cNvPicPr>
+            <a:picLocks noChangeAspect="1"/>
+          </p:cNvPicPr>
+          <p:nvPr/>
+        </p:nvPicPr>
+        <p:blipFill>
+          <a:blip r:embed="rId6"/>
+          <a:stretch>
+            <a:fillRect/>
+          </a:stretch>
+        </p:blipFill>
+        <p:spPr>
+          <a:xfrm>
+            <a:off x="2256171" y="4576764"/>
+            <a:ext cx="1996613" cy="701101"/>
+          </a:xfrm>
+          <a:prstGeom prst="rect">
+            <a:avLst/>
+          </a:prstGeom>
+        </p:spPr>
+      </p:pic>
     </p:spTree>
     <p:extLst>
       <p:ext uri="{BB962C8B-B14F-4D97-AF65-F5344CB8AC3E}">
         <p14:creationId xmlns:p14="http://schemas.microsoft.com/office/powerpoint/2010/main" val="3169691364"/>
+      </p:ext>
+    </p:extLst>
+  </p:cSld>
+  <p:clrMapOvr>
+    <a:masterClrMapping/>
+  </p:clrMapOvr>
+</p:sld>
+</file>
+
+<file path=ppt/slides/slide16.xml><?xml version="1.0" encoding="utf-8"?>
+<p:sld xmlns:a="http://schemas.openxmlformats.org/drawingml/2006/main" xmlns:r="http://schemas.openxmlformats.org/officeDocument/2006/relationships" xmlns:p="http://schemas.openxmlformats.org/presentationml/2006/main">
+  <p:cSld>
+    <p:spTree>
+      <p:nvGrpSpPr>
+        <p:cNvPr id="1" name=""/>
+        <p:cNvGrpSpPr/>
+        <p:nvPr/>
+      </p:nvGrpSpPr>
+      <p:grpSpPr>
+        <a:xfrm>
+          <a:off x="0" y="0"/>
+          <a:ext cx="0" cy="0"/>
+          <a:chOff x="0" y="0"/>
+          <a:chExt cx="0" cy="0"/>
+        </a:xfrm>
+      </p:grpSpPr>
+      <p:sp>
+        <p:nvSpPr>
+          <p:cNvPr id="2" name="Titre 1">
+            <a:extLst>
+              <a:ext uri="{FF2B5EF4-FFF2-40B4-BE49-F238E27FC236}">
+                <a16:creationId xmlns:a16="http://schemas.microsoft.com/office/drawing/2014/main" id="{75AC86D3-8FD1-4F47-A319-7D0542E48B2F}"/>
+              </a:ext>
+            </a:extLst>
+          </p:cNvPr>
+          <p:cNvSpPr>
+            <a:spLocks noGrp="1"/>
+          </p:cNvSpPr>
+          <p:nvPr>
+            <p:ph type="title"/>
+          </p:nvPr>
+        </p:nvSpPr>
+        <p:spPr>
+          <a:xfrm>
+            <a:off x="1097279" y="286603"/>
+            <a:ext cx="10679917" cy="1450757"/>
+          </a:xfrm>
+        </p:spPr>
+        <p:txBody>
+          <a:bodyPr vert="horz" lIns="91440" tIns="45720" rIns="91440" bIns="45720" rtlCol="0">
+            <a:normAutofit/>
+          </a:bodyPr>
+          <a:lstStyle/>
+          <a:p>
+            <a:r>
+              <a:rPr lang="fr-FR" dirty="0"/>
+              <a:t>Conclusion</a:t>
+            </a:r>
+          </a:p>
+        </p:txBody>
+      </p:sp>
+      <p:pic>
+        <p:nvPicPr>
+          <p:cNvPr id="1026" name="Picture 2" descr="Trello-logo - Arteo Conseil">
+            <a:extLst>
+              <a:ext uri="{FF2B5EF4-FFF2-40B4-BE49-F238E27FC236}">
+                <a16:creationId xmlns:a16="http://schemas.microsoft.com/office/drawing/2014/main" id="{74DC649A-48D7-B79D-B024-BAF908CD98CF}"/>
+              </a:ext>
+            </a:extLst>
+          </p:cNvPr>
+          <p:cNvPicPr>
+            <a:picLocks noChangeAspect="1" noChangeArrowheads="1"/>
+          </p:cNvPicPr>
+          <p:nvPr/>
+        </p:nvPicPr>
+        <p:blipFill>
+          <a:blip r:embed="rId3">
+            <a:extLst>
+              <a:ext uri="{28A0092B-C50C-407E-A947-70E740481C1C}">
+                <a14:useLocalDpi xmlns:a14="http://schemas.microsoft.com/office/drawing/2010/main" val="0"/>
+              </a:ext>
+            </a:extLst>
+          </a:blip>
+          <a:srcRect/>
+          <a:stretch>
+            <a:fillRect/>
+          </a:stretch>
+        </p:blipFill>
+        <p:spPr bwMode="auto">
+          <a:xfrm>
+            <a:off x="0" y="3002544"/>
+            <a:ext cx="6521246" cy="2005283"/>
+          </a:xfrm>
+          <a:prstGeom prst="rect">
+            <a:avLst/>
+          </a:prstGeom>
+          <a:noFill/>
+          <a:extLst>
+            <a:ext uri="{909E8E84-426E-40DD-AFC4-6F175D3DCCD1}">
+              <a14:hiddenFill xmlns:a14="http://schemas.microsoft.com/office/drawing/2010/main">
+                <a:solidFill>
+                  <a:srgbClr val="FFFFFF"/>
+                </a:solidFill>
+              </a14:hiddenFill>
+            </a:ext>
+          </a:extLst>
+        </p:spPr>
+      </p:pic>
+      <p:pic>
+        <p:nvPicPr>
+          <p:cNvPr id="1028" name="Picture 4" descr="GitHub Logo: valor, história, PNG">
+            <a:extLst>
+              <a:ext uri="{FF2B5EF4-FFF2-40B4-BE49-F238E27FC236}">
+                <a16:creationId xmlns:a16="http://schemas.microsoft.com/office/drawing/2014/main" id="{ABEADA2F-4E7C-B97A-835D-1B27ABED16E3}"/>
+              </a:ext>
+            </a:extLst>
+          </p:cNvPr>
+          <p:cNvPicPr>
+            <a:picLocks noChangeAspect="1" noChangeArrowheads="1"/>
+          </p:cNvPicPr>
+          <p:nvPr/>
+        </p:nvPicPr>
+        <p:blipFill>
+          <a:blip r:embed="rId4">
+            <a:extLst>
+              <a:ext uri="{28A0092B-C50C-407E-A947-70E740481C1C}">
+                <a14:useLocalDpi xmlns:a14="http://schemas.microsoft.com/office/drawing/2010/main" val="0"/>
+              </a:ext>
+            </a:extLst>
+          </a:blip>
+          <a:srcRect/>
+          <a:stretch>
+            <a:fillRect/>
+          </a:stretch>
+        </p:blipFill>
+        <p:spPr bwMode="auto">
+          <a:xfrm>
+            <a:off x="6695768" y="2644878"/>
+            <a:ext cx="4836652" cy="2720617"/>
+          </a:xfrm>
+          <a:prstGeom prst="rect">
+            <a:avLst/>
+          </a:prstGeom>
+          <a:noFill/>
+          <a:extLst>
+            <a:ext uri="{909E8E84-426E-40DD-AFC4-6F175D3DCCD1}">
+              <a14:hiddenFill xmlns:a14="http://schemas.microsoft.com/office/drawing/2010/main">
+                <a:solidFill>
+                  <a:srgbClr val="FFFFFF"/>
+                </a:solidFill>
+              </a14:hiddenFill>
+            </a:ext>
+          </a:extLst>
+        </p:spPr>
+      </p:pic>
+    </p:spTree>
+    <p:extLst>
+      <p:ext uri="{BB962C8B-B14F-4D97-AF65-F5344CB8AC3E}">
+        <p14:creationId xmlns:p14="http://schemas.microsoft.com/office/powerpoint/2010/main" val="2998715738"/>
       </p:ext>
     </p:extLst>
   </p:cSld>
@@ -5697,7 +6688,7 @@
         </p:blipFill>
         <p:spPr>
           <a:xfrm>
-            <a:off x="1164291" y="2140654"/>
+            <a:off x="5220652" y="2199648"/>
             <a:ext cx="1750695" cy="3800475"/>
           </a:xfrm>
           <a:prstGeom prst="rect">
@@ -5800,7 +6791,7 @@
         </p:blipFill>
         <p:spPr>
           <a:xfrm>
-            <a:off x="145040" y="2415166"/>
+            <a:off x="3246437" y="2257849"/>
             <a:ext cx="5760085" cy="3811270"/>
           </a:xfrm>
           <a:prstGeom prst="rect">
@@ -6030,7 +7021,7 @@
           <a:p>
             <a:r>
               <a:rPr lang="fr-FR" dirty="0"/>
-              <a:t>Analyse 2 : Nombre vacciné (2R,HF)</a:t>
+              <a:t>Analyse 2 : Nombre vaccinés (2R,HF)</a:t>
             </a:r>
           </a:p>
         </p:txBody>
@@ -6163,7 +7154,7 @@
           <a:p>
             <a:r>
               <a:rPr lang="fr-FR" dirty="0"/>
-              <a:t>Analyse 2 : Nombre vacciné (2R,HF)</a:t>
+              <a:t>Analyse 2 : Nombre vaccinés (2R,HF)</a:t>
             </a:r>
           </a:p>
         </p:txBody>
@@ -6296,17 +7287,17 @@
           <a:p>
             <a:r>
               <a:rPr lang="fr-FR" dirty="0"/>
-              <a:t>Analyse 2 : Nombre vacciné (2R,HF)</a:t>
+              <a:t>Analyse 2 : Nombre vaccinés (2R,HF)</a:t>
             </a:r>
           </a:p>
         </p:txBody>
       </p:sp>
       <p:pic>
         <p:nvPicPr>
-          <p:cNvPr id="3" name="Image 2">
+          <p:cNvPr id="5" name="Image 4">
             <a:extLst>
               <a:ext uri="{FF2B5EF4-FFF2-40B4-BE49-F238E27FC236}">
-                <a16:creationId xmlns:a16="http://schemas.microsoft.com/office/drawing/2014/main" id="{79B893DE-084B-3495-66B7-BA2723D5DC86}"/>
+                <a16:creationId xmlns:a16="http://schemas.microsoft.com/office/drawing/2014/main" id="{C09A92DB-A78D-5A5B-D7F3-87C7A23D5139}"/>
               </a:ext>
             </a:extLst>
           </p:cNvPr>
@@ -6323,8 +7314,98 @@
         </p:blipFill>
         <p:spPr>
           <a:xfrm>
-            <a:off x="3215957" y="2405000"/>
-            <a:ext cx="5760085" cy="3725545"/>
+            <a:off x="5986242" y="2011557"/>
+            <a:ext cx="5516229" cy="2481303"/>
+          </a:xfrm>
+          <a:prstGeom prst="rect">
+            <a:avLst/>
+          </a:prstGeom>
+        </p:spPr>
+      </p:pic>
+      <p:pic>
+        <p:nvPicPr>
+          <p:cNvPr id="7" name="Image 6">
+            <a:extLst>
+              <a:ext uri="{FF2B5EF4-FFF2-40B4-BE49-F238E27FC236}">
+                <a16:creationId xmlns:a16="http://schemas.microsoft.com/office/drawing/2014/main" id="{D9110EDE-A15E-5A43-9025-71BA412936A5}"/>
+              </a:ext>
+            </a:extLst>
+          </p:cNvPr>
+          <p:cNvPicPr>
+            <a:picLocks noChangeAspect="1"/>
+          </p:cNvPicPr>
+          <p:nvPr/>
+        </p:nvPicPr>
+        <p:blipFill>
+          <a:blip r:embed="rId4"/>
+          <a:stretch>
+            <a:fillRect/>
+          </a:stretch>
+        </p:blipFill>
+        <p:spPr>
+          <a:xfrm>
+            <a:off x="470013" y="3879989"/>
+            <a:ext cx="5516229" cy="2481303"/>
+          </a:xfrm>
+          <a:prstGeom prst="rect">
+            <a:avLst/>
+          </a:prstGeom>
+        </p:spPr>
+      </p:pic>
+      <p:pic>
+        <p:nvPicPr>
+          <p:cNvPr id="9" name="Image 8">
+            <a:extLst>
+              <a:ext uri="{FF2B5EF4-FFF2-40B4-BE49-F238E27FC236}">
+                <a16:creationId xmlns:a16="http://schemas.microsoft.com/office/drawing/2014/main" id="{256A54B4-A33C-1CDC-19B3-D80CA97D9907}"/>
+              </a:ext>
+            </a:extLst>
+          </p:cNvPr>
+          <p:cNvPicPr>
+            <a:picLocks noChangeAspect="1"/>
+          </p:cNvPicPr>
+          <p:nvPr/>
+        </p:nvPicPr>
+        <p:blipFill>
+          <a:blip r:embed="rId5"/>
+          <a:stretch>
+            <a:fillRect/>
+          </a:stretch>
+        </p:blipFill>
+        <p:spPr>
+          <a:xfrm>
+            <a:off x="5986242" y="5236081"/>
+            <a:ext cx="2034716" cy="693480"/>
+          </a:xfrm>
+          <a:prstGeom prst="rect">
+            <a:avLst/>
+          </a:prstGeom>
+        </p:spPr>
+      </p:pic>
+      <p:pic>
+        <p:nvPicPr>
+          <p:cNvPr id="11" name="Image 10">
+            <a:extLst>
+              <a:ext uri="{FF2B5EF4-FFF2-40B4-BE49-F238E27FC236}">
+                <a16:creationId xmlns:a16="http://schemas.microsoft.com/office/drawing/2014/main" id="{2579D2EB-1CCE-ACF9-4AD2-3EC27499F2AD}"/>
+              </a:ext>
+            </a:extLst>
+          </p:cNvPr>
+          <p:cNvPicPr>
+            <a:picLocks noChangeAspect="1"/>
+          </p:cNvPicPr>
+          <p:nvPr/>
+        </p:nvPicPr>
+        <p:blipFill>
+          <a:blip r:embed="rId6"/>
+          <a:stretch>
+            <a:fillRect/>
+          </a:stretch>
+        </p:blipFill>
+        <p:spPr>
+          <a:xfrm>
+            <a:off x="3716981" y="2107573"/>
+            <a:ext cx="2034716" cy="701101"/>
           </a:xfrm>
           <a:prstGeom prst="rect">
             <a:avLst/>
@@ -6399,51 +7480,71 @@
           <a:p>
             <a:r>
               <a:rPr lang="fr-FR" dirty="0"/>
-              <a:t>Analyse 3 : </a:t>
+              <a:t>Analyse 3 : Nbre vaccinés / Région </a:t>
             </a:r>
           </a:p>
         </p:txBody>
       </p:sp>
-      <p:sp>
-        <p:nvSpPr>
-          <p:cNvPr id="5" name="ZoneTexte 4">
+      <p:pic>
+        <p:nvPicPr>
+          <p:cNvPr id="4" name="Image 3">
             <a:extLst>
               <a:ext uri="{FF2B5EF4-FFF2-40B4-BE49-F238E27FC236}">
-                <a16:creationId xmlns:a16="http://schemas.microsoft.com/office/drawing/2014/main" id="{F52FCA73-BEEB-F9A9-6A8F-552E077094AC}"/>
+                <a16:creationId xmlns:a16="http://schemas.microsoft.com/office/drawing/2014/main" id="{AAB613F9-0AA5-C817-1F8C-C7C50A8C5D62}"/>
               </a:ext>
             </a:extLst>
           </p:cNvPr>
-          <p:cNvSpPr txBox="1"/>
+          <p:cNvPicPr>
+            <a:picLocks noChangeAspect="1"/>
+          </p:cNvPicPr>
           <p:nvPr/>
-        </p:nvSpPr>
-        <p:spPr>
-          <a:xfrm>
-            <a:off x="3671350" y="3052583"/>
-            <a:ext cx="2484655" cy="369332"/>
+        </p:nvPicPr>
+        <p:blipFill>
+          <a:blip r:embed="rId4"/>
+          <a:stretch>
+            <a:fillRect/>
+          </a:stretch>
+        </p:blipFill>
+        <p:spPr>
+          <a:xfrm>
+            <a:off x="710224" y="2244734"/>
+            <a:ext cx="5169097" cy="3698865"/>
           </a:xfrm>
           <a:prstGeom prst="rect">
             <a:avLst/>
           </a:prstGeom>
-          <a:noFill/>
-        </p:spPr>
-        <p:txBody>
-          <a:bodyPr wrap="none" rtlCol="0">
-            <a:spAutoFit/>
-          </a:bodyPr>
-          <a:lstStyle/>
-          <a:p>
-            <a:r>
-              <a:rPr lang="fr-FR" dirty="0"/>
-              <a:t>Mettre ici données </a:t>
-            </a:r>
-            <a:r>
-              <a:rPr lang="fr-FR" dirty="0" err="1"/>
-              <a:t>view</a:t>
-            </a:r>
-            <a:endParaRPr lang="fr-FR" dirty="0"/>
-          </a:p>
-        </p:txBody>
-      </p:sp>
+        </p:spPr>
+      </p:pic>
+      <p:pic>
+        <p:nvPicPr>
+          <p:cNvPr id="7" name="Image 6">
+            <a:extLst>
+              <a:ext uri="{FF2B5EF4-FFF2-40B4-BE49-F238E27FC236}">
+                <a16:creationId xmlns:a16="http://schemas.microsoft.com/office/drawing/2014/main" id="{03CCF6F2-21A1-7730-D782-4262BEF86450}"/>
+              </a:ext>
+            </a:extLst>
+          </p:cNvPr>
+          <p:cNvPicPr>
+            <a:picLocks noChangeAspect="1"/>
+          </p:cNvPicPr>
+          <p:nvPr/>
+        </p:nvPicPr>
+        <p:blipFill>
+          <a:blip r:embed="rId5"/>
+          <a:stretch>
+            <a:fillRect/>
+          </a:stretch>
+        </p:blipFill>
+        <p:spPr>
+          <a:xfrm>
+            <a:off x="7471130" y="2244734"/>
+            <a:ext cx="2319645" cy="3868310"/>
+          </a:xfrm>
+          <a:prstGeom prst="rect">
+            <a:avLst/>
+          </a:prstGeom>
+        </p:spPr>
+      </p:pic>
     </p:spTree>
     <p:extLst>
       <p:ext uri="{BB962C8B-B14F-4D97-AF65-F5344CB8AC3E}">
@@ -6504,51 +7605,71 @@
           <a:p>
             <a:r>
               <a:rPr lang="fr-FR" dirty="0"/>
-              <a:t>Analyse 3 : </a:t>
+              <a:t>Analyse 3 : Nbre vaccinés / Région </a:t>
             </a:r>
           </a:p>
         </p:txBody>
       </p:sp>
-      <p:sp>
-        <p:nvSpPr>
-          <p:cNvPr id="3" name="ZoneTexte 2">
+      <p:pic>
+        <p:nvPicPr>
+          <p:cNvPr id="5" name="Image 4">
             <a:extLst>
               <a:ext uri="{FF2B5EF4-FFF2-40B4-BE49-F238E27FC236}">
-                <a16:creationId xmlns:a16="http://schemas.microsoft.com/office/drawing/2014/main" id="{C3EE6FBA-B49F-15A4-C12D-2107F179F10E}"/>
+                <a16:creationId xmlns:a16="http://schemas.microsoft.com/office/drawing/2014/main" id="{6864476E-DB2D-42BE-309B-149D8FE213EE}"/>
               </a:ext>
             </a:extLst>
           </p:cNvPr>
-          <p:cNvSpPr txBox="1"/>
+          <p:cNvPicPr>
+            <a:picLocks noChangeAspect="1"/>
+          </p:cNvPicPr>
           <p:nvPr/>
-        </p:nvSpPr>
-        <p:spPr>
-          <a:xfrm>
-            <a:off x="3671350" y="3052583"/>
-            <a:ext cx="1715983" cy="369332"/>
+        </p:nvPicPr>
+        <p:blipFill>
+          <a:blip r:embed="rId3"/>
+          <a:stretch>
+            <a:fillRect/>
+          </a:stretch>
+        </p:blipFill>
+        <p:spPr>
+          <a:xfrm>
+            <a:off x="1509292" y="2244256"/>
+            <a:ext cx="4329972" cy="3749040"/>
           </a:xfrm>
           <a:prstGeom prst="rect">
             <a:avLst/>
           </a:prstGeom>
-          <a:noFill/>
-        </p:spPr>
-        <p:txBody>
-          <a:bodyPr wrap="none" rtlCol="0">
-            <a:spAutoFit/>
-          </a:bodyPr>
-          <a:lstStyle/>
-          <a:p>
-            <a:r>
-              <a:rPr lang="fr-FR" dirty="0"/>
-              <a:t>Mettre </a:t>
-            </a:r>
-            <a:r>
-              <a:rPr lang="fr-FR"/>
-              <a:t>ici graph</a:t>
-            </a:r>
-            <a:endParaRPr lang="fr-FR" dirty="0"/>
-          </a:p>
-        </p:txBody>
-      </p:sp>
+        </p:spPr>
+      </p:pic>
+      <p:pic>
+        <p:nvPicPr>
+          <p:cNvPr id="7" name="Image 6">
+            <a:extLst>
+              <a:ext uri="{FF2B5EF4-FFF2-40B4-BE49-F238E27FC236}">
+                <a16:creationId xmlns:a16="http://schemas.microsoft.com/office/drawing/2014/main" id="{0C0EC514-662F-1989-50F2-F3C74A1E6469}"/>
+              </a:ext>
+            </a:extLst>
+          </p:cNvPr>
+          <p:cNvPicPr>
+            <a:picLocks noChangeAspect="1"/>
+          </p:cNvPicPr>
+          <p:nvPr/>
+        </p:nvPicPr>
+        <p:blipFill>
+          <a:blip r:embed="rId4"/>
+          <a:stretch>
+            <a:fillRect/>
+          </a:stretch>
+        </p:blipFill>
+        <p:spPr>
+          <a:xfrm>
+            <a:off x="6252290" y="2244256"/>
+            <a:ext cx="5078320" cy="3697548"/>
+          </a:xfrm>
+          <a:prstGeom prst="rect">
+            <a:avLst/>
+          </a:prstGeom>
+        </p:spPr>
+      </p:pic>
     </p:spTree>
     <p:extLst>
       <p:ext uri="{BB962C8B-B14F-4D97-AF65-F5344CB8AC3E}">
